--- a/img/diagrams.pptx
+++ b/img/diagrams.pptx
@@ -9,28 +9,28 @@
   </p:notesMasterIdLst>
   <p:sldIdLst>
     <p:sldId id="256" r:id="rId2"/>
-    <p:sldId id="257" r:id="rId3"/>
-    <p:sldId id="259" r:id="rId4"/>
-    <p:sldId id="270" r:id="rId5"/>
-    <p:sldId id="258" r:id="rId6"/>
-    <p:sldId id="260" r:id="rId7"/>
-    <p:sldId id="277" r:id="rId8"/>
-    <p:sldId id="276" r:id="rId9"/>
-    <p:sldId id="261" r:id="rId10"/>
-    <p:sldId id="262" r:id="rId11"/>
-    <p:sldId id="279" r:id="rId12"/>
-    <p:sldId id="271" r:id="rId13"/>
-    <p:sldId id="263" r:id="rId14"/>
-    <p:sldId id="278" r:id="rId15"/>
-    <p:sldId id="264" r:id="rId16"/>
-    <p:sldId id="265" r:id="rId17"/>
-    <p:sldId id="266" r:id="rId18"/>
-    <p:sldId id="268" r:id="rId19"/>
-    <p:sldId id="269" r:id="rId20"/>
-    <p:sldId id="272" r:id="rId21"/>
-    <p:sldId id="273" r:id="rId22"/>
-    <p:sldId id="274" r:id="rId23"/>
-    <p:sldId id="275" r:id="rId24"/>
+    <p:sldId id="259" r:id="rId3"/>
+    <p:sldId id="270" r:id="rId4"/>
+    <p:sldId id="258" r:id="rId5"/>
+    <p:sldId id="260" r:id="rId6"/>
+    <p:sldId id="277" r:id="rId7"/>
+    <p:sldId id="276" r:id="rId8"/>
+    <p:sldId id="261" r:id="rId9"/>
+    <p:sldId id="262" r:id="rId10"/>
+    <p:sldId id="279" r:id="rId11"/>
+    <p:sldId id="271" r:id="rId12"/>
+    <p:sldId id="263" r:id="rId13"/>
+    <p:sldId id="278" r:id="rId14"/>
+    <p:sldId id="264" r:id="rId15"/>
+    <p:sldId id="265" r:id="rId16"/>
+    <p:sldId id="266" r:id="rId17"/>
+    <p:sldId id="268" r:id="rId18"/>
+    <p:sldId id="269" r:id="rId19"/>
+    <p:sldId id="272" r:id="rId20"/>
+    <p:sldId id="273" r:id="rId21"/>
+    <p:sldId id="274" r:id="rId22"/>
+    <p:sldId id="275" r:id="rId23"/>
+    <p:sldId id="257" r:id="rId24"/>
   </p:sldIdLst>
   <p:sldSz cx="12192000" cy="6858000"/>
   <p:notesSz cx="6858000" cy="9144000"/>
@@ -222,7 +222,7 @@
           <a:p>
             <a:fld id="{09ED6762-05EE-E240-93FC-804C3E536FC8}" type="datetimeFigureOut">
               <a:rPr lang="en-US" smtClean="0"/>
-              <a:t>2/23/21</a:t>
+              <a:t>2/24/21</a:t>
             </a:fld>
             <a:endParaRPr lang="en-US"/>
           </a:p>
@@ -535,7 +535,19 @@
           <a:p>
             <a:r>
               <a:rPr lang="en-US" dirty="0"/>
-              <a:t>Hi everyone, in this video I’ll be showing you how I built an AI agent to not only beat QWOP but also achieve a top 10 speed run. I have wanted to build a QWOP bot for a long time but wasn’t equipped with the knowledge to do it until fairly recently</a:t>
+              <a:t>In this video I’ll be showing you how I built an AI bot to not only beat QWOP but also achieve a top 10 speed run. This was done using a combination of reinforcement learning and imitation learning. First, I’ll show you the final agent’s best recorded run, and then I’ll go into the details of how it was made. </a:t>
+            </a:r>
+          </a:p>
+          <a:p>
+            <a:endParaRPr lang="en-US" dirty="0"/>
+          </a:p>
+          <a:p>
+            <a:endParaRPr lang="en-US" dirty="0"/>
+          </a:p>
+          <a:p>
+            <a:r>
+              <a:rPr lang="en-US" dirty="0"/>
+              <a:t> I have wanted to build a QWOP bot for a long time but wasn’t equipped with the knowledge to do it until fairly recently</a:t>
             </a:r>
           </a:p>
           <a:p>
@@ -681,13 +693,33 @@
           <a:p>
             <a:r>
               <a:rPr lang="en-US" dirty="0"/>
-              <a:t>so I tried to learn the game myself. Unfortunately, it turns out I’m quite bad at the game. After a day of practice I could only run about 28 meters max.</a:t>
-            </a:r>
+              <a:t>So I recorded and encoded 50 episodes of my bad play</a:t>
+            </a:r>
+          </a:p>
+          <a:p>
+            <a:endParaRPr lang="en-US" dirty="0"/>
           </a:p>
           <a:p>
             <a:r>
               <a:rPr lang="en-US" dirty="0"/>
-              <a:t>Although I played poorly, I was still kind of using legs in way that a human would. So maybe the agent can learn a thing or two from that</a:t>
+              <a:t>Then I encoded the games as </a:t>
+            </a:r>
+            <a:r>
+              <a:rPr lang="en-US" dirty="0" err="1"/>
+              <a:t>numpy</a:t>
+            </a:r>
+            <a:r>
+              <a:rPr lang="en-US" dirty="0"/>
+              <a:t> arrays, which is a format that the agent can understand</a:t>
+            </a:r>
+          </a:p>
+          <a:p>
+            <a:endParaRPr lang="en-US" dirty="0"/>
+          </a:p>
+          <a:p>
+            <a:r>
+              <a:rPr lang="en-US" dirty="0"/>
+              <a:t>And then fed it to the agent as pre-training data, which means it learns from this experience before any self-training</a:t>
             </a:r>
           </a:p>
         </p:txBody>
@@ -718,7 +750,7 @@
     </p:spTree>
     <p:extLst>
       <p:ext uri="{BB962C8B-B14F-4D97-AF65-F5344CB8AC3E}">
-        <p14:creationId xmlns:p14="http://schemas.microsoft.com/office/powerpoint/2010/main" val="3259167908"/>
+        <p14:creationId xmlns:p14="http://schemas.microsoft.com/office/powerpoint/2010/main" val="2747201673"/>
       </p:ext>
     </p:extLst>
   </p:cSld>
@@ -772,36 +804,98 @@
           <a:bodyPr/>
           <a:lstStyle/>
           <a:p>
+            <a:pPr marL="0" marR="0" lvl="0" indent="0" algn="l" defTabSz="914400" rtl="0" eaLnBrk="1" fontAlgn="auto" latinLnBrk="0" hangingPunct="1">
+              <a:lnSpc>
+                <a:spcPct val="100000"/>
+              </a:lnSpc>
+              <a:spcBef>
+                <a:spcPts val="0"/>
+              </a:spcBef>
+              <a:spcAft>
+                <a:spcPts val="0"/>
+              </a:spcAft>
+              <a:buClrTx/>
+              <a:buSzTx/>
+              <a:buFontTx/>
+              <a:buNone/>
+              <a:tabLst/>
+              <a:defRPr/>
+            </a:pPr>
             <a:r>
               <a:rPr lang="en-US" dirty="0"/>
-              <a:t>So I recorded and encoded 50 episodes of my bad play</a:t>
-            </a:r>
-          </a:p>
-          <a:p>
+              <a:t>Here’s how it performed after pre-training. Not surprisingly, the result is quite poor — the agent understands the </a:t>
+            </a:r>
+            <a:r>
+              <a:rPr lang="en-US" i="1" dirty="0"/>
+              <a:t>idea</a:t>
+            </a:r>
+            <a:r>
+              <a:rPr lang="en-US" dirty="0"/>
+              <a:t> of a stride but has no idea how to actually apply it. </a:t>
+            </a:r>
+          </a:p>
+          <a:p>
+            <a:pPr marL="0" marR="0" lvl="0" indent="0" algn="l" defTabSz="914400" rtl="0" eaLnBrk="1" fontAlgn="auto" latinLnBrk="0" hangingPunct="1">
+              <a:lnSpc>
+                <a:spcPct val="100000"/>
+              </a:lnSpc>
+              <a:spcBef>
+                <a:spcPts val="0"/>
+              </a:spcBef>
+              <a:spcAft>
+                <a:spcPts val="0"/>
+              </a:spcAft>
+              <a:buClrTx/>
+              <a:buSzTx/>
+              <a:buFontTx/>
+              <a:buNone/>
+              <a:tabLst/>
+              <a:defRPr/>
+            </a:pPr>
             <a:endParaRPr lang="en-US" dirty="0"/>
           </a:p>
           <a:p>
+            <a:pPr marL="0" marR="0" lvl="0" indent="0" algn="l" defTabSz="914400" rtl="0" eaLnBrk="1" fontAlgn="auto" latinLnBrk="0" hangingPunct="1">
+              <a:lnSpc>
+                <a:spcPct val="100000"/>
+              </a:lnSpc>
+              <a:spcBef>
+                <a:spcPts val="0"/>
+              </a:spcBef>
+              <a:spcAft>
+                <a:spcPts val="0"/>
+              </a:spcAft>
+              <a:buClrTx/>
+              <a:buSzTx/>
+              <a:buFontTx/>
+              <a:buNone/>
+              <a:tabLst/>
+              <a:defRPr/>
+            </a:pPr>
             <a:r>
               <a:rPr lang="en-US" dirty="0"/>
-              <a:t>Then I encoded the games as </a:t>
-            </a:r>
-            <a:r>
-              <a:rPr lang="en-US" dirty="0" err="1"/>
-              <a:t>numpy</a:t>
-            </a:r>
-            <a:r>
-              <a:rPr lang="en-US" dirty="0"/>
-              <a:t> arrays, which is a format that the agent can understand</a:t>
-            </a:r>
-          </a:p>
-          <a:p>
+              <a:t>After pre-training I then let the agent train by itself and marinate on technique to see if it could make use of it.</a:t>
+            </a:r>
+          </a:p>
+          <a:p>
+            <a:pPr marL="0" marR="0" lvl="0" indent="0" algn="l" defTabSz="914400" rtl="0" eaLnBrk="1" fontAlgn="auto" latinLnBrk="0" hangingPunct="1">
+              <a:lnSpc>
+                <a:spcPct val="100000"/>
+              </a:lnSpc>
+              <a:spcBef>
+                <a:spcPts val="0"/>
+              </a:spcBef>
+              <a:spcAft>
+                <a:spcPts val="0"/>
+              </a:spcAft>
+              <a:buClrTx/>
+              <a:buSzTx/>
+              <a:buFontTx/>
+              <a:buNone/>
+              <a:tabLst/>
+              <a:defRPr/>
+            </a:pPr>
             <a:endParaRPr lang="en-US" dirty="0"/>
-          </a:p>
-          <a:p>
-            <a:r>
-              <a:rPr lang="en-US" dirty="0"/>
-              <a:t>And then fed it to the agent as pre-training data, which means it learns from this experience before any self-training</a:t>
-            </a:r>
           </a:p>
         </p:txBody>
       </p:sp>
@@ -831,7 +925,7 @@
     </p:spTree>
     <p:extLst>
       <p:ext uri="{BB962C8B-B14F-4D97-AF65-F5344CB8AC3E}">
-        <p14:creationId xmlns:p14="http://schemas.microsoft.com/office/powerpoint/2010/main" val="2747201673"/>
+        <p14:creationId xmlns:p14="http://schemas.microsoft.com/office/powerpoint/2010/main" val="508835962"/>
       </p:ext>
     </p:extLst>
   </p:cSld>
@@ -904,15 +998,7 @@
             </a:pPr>
             <a:r>
               <a:rPr lang="en-US" dirty="0"/>
-              <a:t>Here’s how it performed after pre-training. Not surprisingly, the result is quite poor — the agent understands the </a:t>
-            </a:r>
-            <a:r>
-              <a:rPr lang="en-US" i="1" dirty="0"/>
-              <a:t>idea</a:t>
-            </a:r>
-            <a:r>
-              <a:rPr lang="en-US" dirty="0"/>
-              <a:t> of a stride but has no idea how to actually apply it. </a:t>
+              <a:t>After 20 hours, the agent actually learned to take strides and run like a human! This means it was able to learn mechanics from me, a total amateur, and refine it to the point where it can actually run pretty smoothly. </a:t>
             </a:r>
           </a:p>
           <a:p>
@@ -955,7 +1041,15 @@
             </a:pPr>
             <a:r>
               <a:rPr lang="en-US" dirty="0"/>
-              <a:t>After pre-training I then let the agent train by itself and marinate on technique to see if it could make use of it.</a:t>
+              <a:t>With this method it was able to complete the race in 1m 25s, which is a top 15 </a:t>
+            </a:r>
+            <a:r>
+              <a:rPr lang="en-US" dirty="0" err="1"/>
+              <a:t>speedrun</a:t>
+            </a:r>
+            <a:r>
+              <a:rPr lang="en-US" dirty="0"/>
+              <a:t> but still far from the top.</a:t>
             </a:r>
           </a:p>
           <a:p>
@@ -978,6 +1072,52 @@
             </a:pPr>
             <a:endParaRPr lang="en-US" dirty="0"/>
           </a:p>
+          <a:p>
+            <a:pPr marL="0" marR="0" lvl="0" indent="0" algn="l" defTabSz="914400" rtl="0" eaLnBrk="1" fontAlgn="auto" latinLnBrk="0" hangingPunct="1">
+              <a:lnSpc>
+                <a:spcPct val="100000"/>
+              </a:lnSpc>
+              <a:spcBef>
+                <a:spcPts val="0"/>
+              </a:spcBef>
+              <a:spcAft>
+                <a:spcPts val="0"/>
+              </a:spcAft>
+              <a:buClrTx/>
+              <a:buSzTx/>
+              <a:buFontTx/>
+              <a:buNone/>
+              <a:tabLst/>
+              <a:defRPr/>
+            </a:pPr>
+            <a:r>
+              <a:rPr lang="en-US" dirty="0"/>
+              <a:t>The problem was the agent wasn’t discovering a special technique used by all of the top speed runners. The technique is to swing the legs upwards and forwards to create extra momentum. I wanted to teach the AI this technique but I was definitely not skilled enough to demonstrate, so I reached out for help.</a:t>
+            </a:r>
+          </a:p>
+          <a:p>
+            <a:pPr marL="0" marR="0" lvl="0" indent="0" algn="l" defTabSz="914400" rtl="0" eaLnBrk="1" fontAlgn="auto" latinLnBrk="0" hangingPunct="1">
+              <a:lnSpc>
+                <a:spcPct val="100000"/>
+              </a:lnSpc>
+              <a:spcBef>
+                <a:spcPts val="0"/>
+              </a:spcBef>
+              <a:spcAft>
+                <a:spcPts val="0"/>
+              </a:spcAft>
+              <a:buClrTx/>
+              <a:buSzTx/>
+              <a:buFontTx/>
+              <a:buNone/>
+              <a:tabLst/>
+              <a:defRPr/>
+            </a:pPr>
+            <a:endParaRPr lang="en-US" dirty="0"/>
+          </a:p>
+          <a:p>
+            <a:endParaRPr lang="en-US" dirty="0"/>
+          </a:p>
         </p:txBody>
       </p:sp>
       <p:sp>
@@ -997,7 +1137,7 @@
           <a:p>
             <a:fld id="{7CCFB541-7D2A-2B48-B081-CD35135E40FE}" type="slidenum">
               <a:rPr lang="en-US" smtClean="0"/>
-              <a:t>13</a:t>
+              <a:t>14</a:t>
             </a:fld>
             <a:endParaRPr lang="en-US"/>
           </a:p>
@@ -1006,7 +1146,7 @@
     </p:spTree>
     <p:extLst>
       <p:ext uri="{BB962C8B-B14F-4D97-AF65-F5344CB8AC3E}">
-        <p14:creationId xmlns:p14="http://schemas.microsoft.com/office/powerpoint/2010/main" val="508835962"/>
+        <p14:creationId xmlns:p14="http://schemas.microsoft.com/office/powerpoint/2010/main" val="3099209255"/>
       </p:ext>
     </p:extLst>
   </p:cSld>
@@ -1060,144 +1200,26 @@
           <a:bodyPr/>
           <a:lstStyle/>
           <a:p>
-            <a:pPr marL="0" marR="0" lvl="0" indent="0" algn="l" defTabSz="914400" rtl="0" eaLnBrk="1" fontAlgn="auto" latinLnBrk="0" hangingPunct="1">
-              <a:lnSpc>
-                <a:spcPct val="100000"/>
-              </a:lnSpc>
-              <a:spcBef>
-                <a:spcPts val="0"/>
-              </a:spcBef>
-              <a:spcAft>
-                <a:spcPts val="0"/>
-              </a:spcAft>
-              <a:buClrTx/>
-              <a:buSzTx/>
-              <a:buFontTx/>
-              <a:buNone/>
-              <a:tabLst/>
-              <a:defRPr/>
-            </a:pPr>
             <a:r>
               <a:rPr lang="en-US" dirty="0"/>
-              <a:t>After 20 hours, the agent actually learned to take strides and run like a human! This means it was able to learn mechanics from me, a total amateur, and refine it to the point where it can actually run pretty smoothly. </a:t>
-            </a:r>
-          </a:p>
-          <a:p>
-            <a:pPr marL="0" marR="0" lvl="0" indent="0" algn="l" defTabSz="914400" rtl="0" eaLnBrk="1" fontAlgn="auto" latinLnBrk="0" hangingPunct="1">
-              <a:lnSpc>
-                <a:spcPct val="100000"/>
-              </a:lnSpc>
-              <a:spcBef>
-                <a:spcPts val="0"/>
-              </a:spcBef>
-              <a:spcAft>
-                <a:spcPts val="0"/>
-              </a:spcAft>
-              <a:buClrTx/>
-              <a:buSzTx/>
-              <a:buFontTx/>
-              <a:buNone/>
-              <a:tabLst/>
-              <a:defRPr/>
-            </a:pPr>
-            <a:endParaRPr lang="en-US" dirty="0"/>
-          </a:p>
-          <a:p>
-            <a:pPr marL="0" marR="0" lvl="0" indent="0" algn="l" defTabSz="914400" rtl="0" eaLnBrk="1" fontAlgn="auto" latinLnBrk="0" hangingPunct="1">
-              <a:lnSpc>
-                <a:spcPct val="100000"/>
-              </a:lnSpc>
-              <a:spcBef>
-                <a:spcPts val="0"/>
-              </a:spcBef>
-              <a:spcAft>
-                <a:spcPts val="0"/>
-              </a:spcAft>
-              <a:buClrTx/>
-              <a:buSzTx/>
-              <a:buFontTx/>
-              <a:buNone/>
-              <a:tabLst/>
-              <a:defRPr/>
-            </a:pPr>
+              <a:t>One of the people I reached out to was </a:t>
+            </a:r>
+            <a:r>
+              <a:rPr lang="en-US" dirty="0" err="1"/>
+              <a:t>Kurodo</a:t>
+            </a:r>
             <a:r>
               <a:rPr lang="en-US" dirty="0"/>
-              <a:t>With this method it was able to complete the race in 1m 25s, which is a top 15 </a:t>
+              <a:t>, one of the worlds top top QWOP speed runners. He has some amazing QWOP content on his twitch and </a:t>
             </a:r>
             <a:r>
               <a:rPr lang="en-US" dirty="0" err="1"/>
-              <a:t>speedrun</a:t>
+              <a:t>youtube</a:t>
             </a:r>
             <a:r>
               <a:rPr lang="en-US" dirty="0"/>
-              <a:t> but still far from the top.</a:t>
-            </a:r>
-          </a:p>
-          <a:p>
-            <a:pPr marL="0" marR="0" lvl="0" indent="0" algn="l" defTabSz="914400" rtl="0" eaLnBrk="1" fontAlgn="auto" latinLnBrk="0" hangingPunct="1">
-              <a:lnSpc>
-                <a:spcPct val="100000"/>
-              </a:lnSpc>
-              <a:spcBef>
-                <a:spcPts val="0"/>
-              </a:spcBef>
-              <a:spcAft>
-                <a:spcPts val="0"/>
-              </a:spcAft>
-              <a:buClrTx/>
-              <a:buSzTx/>
-              <a:buFontTx/>
-              <a:buNone/>
-              <a:tabLst/>
-              <a:defRPr/>
-            </a:pPr>
-            <a:endParaRPr lang="en-US" dirty="0"/>
-          </a:p>
-          <a:p>
-            <a:pPr marL="0" marR="0" lvl="0" indent="0" algn="l" defTabSz="914400" rtl="0" eaLnBrk="1" fontAlgn="auto" latinLnBrk="0" hangingPunct="1">
-              <a:lnSpc>
-                <a:spcPct val="100000"/>
-              </a:lnSpc>
-              <a:spcBef>
-                <a:spcPts val="0"/>
-              </a:spcBef>
-              <a:spcAft>
-                <a:spcPts val="0"/>
-              </a:spcAft>
-              <a:buClrTx/>
-              <a:buSzTx/>
-              <a:buFontTx/>
-              <a:buNone/>
-              <a:tabLst/>
-              <a:defRPr/>
-            </a:pPr>
-            <a:r>
-              <a:rPr lang="en-US" dirty="0"/>
-              <a:t>The problem was the agent wasn’t discovering a special technique used by all of the top speed runners. The technique is to swing the legs upwards and forwards to create extra momentum. I wanted to teach the AI this technique but I was definitely not skilled enough to demonstrate, so I reached out for help.</a:t>
-            </a:r>
-          </a:p>
-          <a:p>
-            <a:pPr marL="0" marR="0" lvl="0" indent="0" algn="l" defTabSz="914400" rtl="0" eaLnBrk="1" fontAlgn="auto" latinLnBrk="0" hangingPunct="1">
-              <a:lnSpc>
-                <a:spcPct val="100000"/>
-              </a:lnSpc>
-              <a:spcBef>
-                <a:spcPts val="0"/>
-              </a:spcBef>
-              <a:spcAft>
-                <a:spcPts val="0"/>
-              </a:spcAft>
-              <a:buClrTx/>
-              <a:buSzTx/>
-              <a:buFontTx/>
-              <a:buNone/>
-              <a:tabLst/>
-              <a:defRPr/>
-            </a:pPr>
-            <a:endParaRPr lang="en-US" dirty="0"/>
-          </a:p>
-          <a:p>
-            <a:endParaRPr lang="en-US" dirty="0"/>
+              <a:t> channel, which I’ll link below.</a:t>
+            </a:r>
           </a:p>
         </p:txBody>
       </p:sp>
@@ -1227,7 +1249,7 @@
     </p:spTree>
     <p:extLst>
       <p:ext uri="{BB962C8B-B14F-4D97-AF65-F5344CB8AC3E}">
-        <p14:creationId xmlns:p14="http://schemas.microsoft.com/office/powerpoint/2010/main" val="3099209255"/>
+        <p14:creationId xmlns:p14="http://schemas.microsoft.com/office/powerpoint/2010/main" val="2281611372"/>
       </p:ext>
     </p:extLst>
   </p:cSld>
@@ -1283,24 +1305,14 @@
           <a:p>
             <a:r>
               <a:rPr lang="en-US" dirty="0"/>
-              <a:t>One of the people I reached out to was </a:t>
-            </a:r>
-            <a:r>
-              <a:rPr lang="en-US" dirty="0" err="1"/>
-              <a:t>Kurodo</a:t>
-            </a:r>
-            <a:r>
-              <a:rPr lang="en-US" dirty="0"/>
-              <a:t>, one of the worlds top top QWOP speed runners. He has some amazing QWOP content on his twitch and </a:t>
-            </a:r>
-            <a:r>
-              <a:rPr lang="en-US" dirty="0" err="1"/>
-              <a:t>youtube</a:t>
-            </a:r>
-            <a:r>
-              <a:rPr lang="en-US" dirty="0"/>
-              <a:t> channel, which I’ll link below.</a:t>
-            </a:r>
+              <a:t>Luckily he was able to get my code running, and was generous enough to record and encode 50 games for the agent to train on.</a:t>
+            </a:r>
+          </a:p>
+          <a:p>
+            <a:endParaRPr lang="en-US" dirty="0"/>
+          </a:p>
+          <a:p>
+            <a:endParaRPr lang="en-US" dirty="0"/>
           </a:p>
         </p:txBody>
       </p:sp>
@@ -1330,7 +1342,7 @@
     </p:spTree>
     <p:extLst>
       <p:ext uri="{BB962C8B-B14F-4D97-AF65-F5344CB8AC3E}">
-        <p14:creationId xmlns:p14="http://schemas.microsoft.com/office/powerpoint/2010/main" val="2281611372"/>
+        <p14:creationId xmlns:p14="http://schemas.microsoft.com/office/powerpoint/2010/main" val="533299836"/>
       </p:ext>
     </p:extLst>
   </p:cSld>
@@ -1386,11 +1398,16 @@
           <a:p>
             <a:r>
               <a:rPr lang="en-US" dirty="0"/>
-              <a:t>Luckily he was able to get my code running, and was generous enough to record and encode 50 games for the agent to train on.</a:t>
-            </a:r>
-          </a:p>
-          <a:p>
-            <a:endParaRPr lang="en-US" dirty="0"/>
+              <a:t>With these recorded games, I first tried supervised pre-training like before but the </a:t>
+            </a:r>
+            <a:r>
+              <a:rPr lang="en-US"/>
+              <a:t>results weren’t great</a:t>
+            </a:r>
+            <a:r>
+              <a:rPr lang="en-US" dirty="0"/>
+              <a:t>. The agent could not make use of the data immediately, and then quickly forgets / overwrites the pre-training experience. </a:t>
+            </a:r>
           </a:p>
           <a:p>
             <a:endParaRPr lang="en-US" dirty="0"/>
@@ -1423,7 +1440,7 @@
     </p:spTree>
     <p:extLst>
       <p:ext uri="{BB962C8B-B14F-4D97-AF65-F5344CB8AC3E}">
-        <p14:creationId xmlns:p14="http://schemas.microsoft.com/office/powerpoint/2010/main" val="533299836"/>
+        <p14:creationId xmlns:p14="http://schemas.microsoft.com/office/powerpoint/2010/main" val="3590291656"/>
       </p:ext>
     </p:extLst>
   </p:cSld>
@@ -1477,21 +1494,27 @@
           <a:bodyPr/>
           <a:lstStyle/>
           <a:p>
+            <a:pPr marL="0" marR="0" lvl="0" indent="0" algn="l" defTabSz="914400" rtl="0" eaLnBrk="1" fontAlgn="auto" latinLnBrk="0" hangingPunct="1">
+              <a:lnSpc>
+                <a:spcPct val="100000"/>
+              </a:lnSpc>
+              <a:spcBef>
+                <a:spcPts val="0"/>
+              </a:spcBef>
+              <a:spcAft>
+                <a:spcPts val="0"/>
+              </a:spcAft>
+              <a:buClrTx/>
+              <a:buSzTx/>
+              <a:buFontTx/>
+              <a:buNone/>
+              <a:tabLst/>
+              <a:defRPr/>
+            </a:pPr>
             <a:r>
               <a:rPr lang="en-US" dirty="0"/>
-              <a:t>With these recorded games, I first tried supervised pre-training like before but the </a:t>
-            </a:r>
-            <a:r>
-              <a:rPr lang="en-US"/>
-              <a:t>results weren’t great</a:t>
-            </a:r>
-            <a:r>
-              <a:rPr lang="en-US" dirty="0"/>
-              <a:t>. The agent could not make use of the data immediately, and then quickly forgets / overwrites the pre-training experience. </a:t>
-            </a:r>
-          </a:p>
-          <a:p>
-            <a:endParaRPr lang="en-US" dirty="0"/>
+              <a:t>I then tried injecting the experience directly into the ACER replay buffer for off-policy learning. Half of the agent’s memory would be games it played and the other half would be Kurodo’s experiences. </a:t>
+            </a:r>
           </a:p>
         </p:txBody>
       </p:sp>
@@ -1521,7 +1544,7 @@
     </p:spTree>
     <p:extLst>
       <p:ext uri="{BB962C8B-B14F-4D97-AF65-F5344CB8AC3E}">
-        <p14:creationId xmlns:p14="http://schemas.microsoft.com/office/powerpoint/2010/main" val="3590291656"/>
+        <p14:creationId xmlns:p14="http://schemas.microsoft.com/office/powerpoint/2010/main" val="912022487"/>
       </p:ext>
     </p:extLst>
   </p:cSld>
@@ -1594,7 +1617,24 @@
             </a:pPr>
             <a:r>
               <a:rPr lang="en-US" dirty="0"/>
-              <a:t>I then tried injecting the experience directly into the ACER replay buffer for off-policy learning. Half of the agent’s memory would be games it played and the other half would be Kurodo’s experiences. </a:t>
+              <a:t>This approach is somewhat similar to Deep Q-learning from Demonstrations (</a:t>
+            </a:r>
+            <a:r>
+              <a:rPr lang="en-US" dirty="0" err="1"/>
+              <a:t>DQfD</a:t>
+            </a:r>
+            <a:r>
+              <a:rPr lang="en-US" dirty="0"/>
+              <a:t>)⁶ except we don’t add all the demonstrations at the start, we add demonstrations at the same rate as real experience.</a:t>
+            </a:r>
+          </a:p>
+          <a:p>
+            <a:endParaRPr lang="en-US" dirty="0"/>
+          </a:p>
+          <a:p>
+            <a:r>
+              <a:rPr lang="en-US" dirty="0"/>
+              <a:t>If interested, definitely check out this paper. </a:t>
             </a:r>
           </a:p>
         </p:txBody>
@@ -1625,7 +1665,7 @@
     </p:spTree>
     <p:extLst>
       <p:ext uri="{BB962C8B-B14F-4D97-AF65-F5344CB8AC3E}">
-        <p14:creationId xmlns:p14="http://schemas.microsoft.com/office/powerpoint/2010/main" val="912022487"/>
+        <p14:creationId xmlns:p14="http://schemas.microsoft.com/office/powerpoint/2010/main" val="3078221419"/>
       </p:ext>
     </p:extLst>
   </p:cSld>
@@ -1698,25 +1738,71 @@
             </a:pPr>
             <a:r>
               <a:rPr lang="en-US" dirty="0"/>
-              <a:t>This approach is somewhat similar to Deep Q-learning from Demonstrations (</a:t>
-            </a:r>
-            <a:r>
-              <a:rPr lang="en-US" dirty="0" err="1"/>
-              <a:t>DQfD</a:t>
-            </a:r>
+              <a:t>This scheme ended up working really well and the agent was able to learn this leg swing technique.</a:t>
+            </a:r>
+          </a:p>
+          <a:p>
+            <a:pPr marL="0" marR="0" lvl="0" indent="0" algn="l" defTabSz="914400" rtl="0" eaLnBrk="1" fontAlgn="auto" latinLnBrk="0" hangingPunct="1">
+              <a:lnSpc>
+                <a:spcPct val="100000"/>
+              </a:lnSpc>
+              <a:spcBef>
+                <a:spcPts val="0"/>
+              </a:spcBef>
+              <a:spcAft>
+                <a:spcPts val="0"/>
+              </a:spcAft>
+              <a:buClrTx/>
+              <a:buSzTx/>
+              <a:buFontTx/>
+              <a:buNone/>
+              <a:tabLst/>
+              <a:defRPr/>
+            </a:pPr>
+            <a:endParaRPr lang="en-US" dirty="0"/>
+          </a:p>
+          <a:p>
+            <a:pPr marL="0" marR="0" lvl="0" indent="0" algn="l" defTabSz="914400" rtl="0" eaLnBrk="1" fontAlgn="auto" latinLnBrk="0" hangingPunct="1">
+              <a:lnSpc>
+                <a:spcPct val="100000"/>
+              </a:lnSpc>
+              <a:spcBef>
+                <a:spcPts val="0"/>
+              </a:spcBef>
+              <a:spcAft>
+                <a:spcPts val="0"/>
+              </a:spcAft>
+              <a:buClrTx/>
+              <a:buSzTx/>
+              <a:buFontTx/>
+              <a:buNone/>
+              <a:tabLst/>
+              <a:defRPr/>
+            </a:pPr>
             <a:r>
               <a:rPr lang="en-US" dirty="0"/>
-              <a:t>)⁶ except we don’t add all the demonstrations at the start, we add demonstrations at the same rate as real experience.</a:t>
-            </a:r>
-          </a:p>
-          <a:p>
+              <a:t>However, the agent’s policy (actions) would become unstable after a while because it was unable to fully reconcile the external data with its own policy. At which point I removed the expert data from its memory and let it continue training by itself. </a:t>
+            </a:r>
+          </a:p>
+          <a:p>
+            <a:pPr marL="0" marR="0" lvl="0" indent="0" algn="l" defTabSz="914400" rtl="0" eaLnBrk="1" fontAlgn="auto" latinLnBrk="0" hangingPunct="1">
+              <a:lnSpc>
+                <a:spcPct val="100000"/>
+              </a:lnSpc>
+              <a:spcBef>
+                <a:spcPts val="0"/>
+              </a:spcBef>
+              <a:spcAft>
+                <a:spcPts val="0"/>
+              </a:spcAft>
+              <a:buClrTx/>
+              <a:buSzTx/>
+              <a:buFontTx/>
+              <a:buNone/>
+              <a:tabLst/>
+              <a:defRPr/>
+            </a:pPr>
             <a:endParaRPr lang="en-US" dirty="0"/>
-          </a:p>
-          <a:p>
-            <a:r>
-              <a:rPr lang="en-US" dirty="0"/>
-              <a:t>If interested, definitely check out this paper. </a:t>
-            </a:r>
           </a:p>
         </p:txBody>
       </p:sp>
@@ -1746,7 +1832,7 @@
     </p:spTree>
     <p:extLst>
       <p:ext uri="{BB962C8B-B14F-4D97-AF65-F5344CB8AC3E}">
-        <p14:creationId xmlns:p14="http://schemas.microsoft.com/office/powerpoint/2010/main" val="3078221419"/>
+        <p14:creationId xmlns:p14="http://schemas.microsoft.com/office/powerpoint/2010/main" val="2825632211"/>
       </p:ext>
     </p:extLst>
   </p:cSld>
@@ -1819,7 +1905,7 @@
             </a:pPr>
             <a:r>
               <a:rPr lang="en-US" dirty="0"/>
-              <a:t>This scheme ended up working really well and the agent was able to learn this leg swing technique.</a:t>
+              <a:t>This is the training schedule of the final agent </a:t>
             </a:r>
           </a:p>
           <a:p>
@@ -1862,28 +1948,8 @@
             </a:pPr>
             <a:r>
               <a:rPr lang="en-US" dirty="0"/>
-              <a:t>However, the agent’s policy (actions) would become unstable after a while because it was unable to fully reconcile the external data with its own policy. At which point I removed the expert data from its memory and let it continue training by itself. </a:t>
-            </a:r>
-          </a:p>
-          <a:p>
-            <a:pPr marL="0" marR="0" lvl="0" indent="0" algn="l" defTabSz="914400" rtl="0" eaLnBrk="1" fontAlgn="auto" latinLnBrk="0" hangingPunct="1">
-              <a:lnSpc>
-                <a:spcPct val="100000"/>
-              </a:lnSpc>
-              <a:spcBef>
-                <a:spcPts val="0"/>
-              </a:spcBef>
-              <a:spcAft>
-                <a:spcPts val="0"/>
-              </a:spcAft>
-              <a:buClrTx/>
-              <a:buSzTx/>
-              <a:buFontTx/>
-              <a:buNone/>
-              <a:tabLst/>
-              <a:defRPr/>
-            </a:pPr>
-            <a:endParaRPr lang="en-US" dirty="0"/>
+              <a:t>pre-training, 25 hours by itself, 15 hours with Kurodo’s data, and another 25 hours by itself.</a:t>
+            </a:r>
           </a:p>
         </p:txBody>
       </p:sp>
@@ -1913,7 +1979,7 @@
     </p:spTree>
     <p:extLst>
       <p:ext uri="{BB962C8B-B14F-4D97-AF65-F5344CB8AC3E}">
-        <p14:creationId xmlns:p14="http://schemas.microsoft.com/office/powerpoint/2010/main" val="2825632211"/>
+        <p14:creationId xmlns:p14="http://schemas.microsoft.com/office/powerpoint/2010/main" val="1512655696"/>
       </p:ext>
     </p:extLst>
   </p:cSld>
@@ -1986,96 +2052,16 @@
             </a:pPr>
             <a:r>
               <a:rPr lang="en-US" dirty="0"/>
-              <a:t>The first step was to connect the QWOP to the AI agent so that it can interact with the game. To retrieve the game state, I wrote a </a:t>
+              <a:t>The agent’s main learning algorithm is called Actor-Critic with Experience Replay (ACER)², which was published by </a:t>
             </a:r>
             <a:r>
               <a:rPr lang="en-US" dirty="0" err="1"/>
-              <a:t>Javascript</a:t>
+              <a:t>Deepmind</a:t>
             </a:r>
             <a:r>
               <a:rPr lang="en-US" dirty="0"/>
-              <a:t> adapter that extracted key variables from the game engine and made them accessible externally. </a:t>
-            </a:r>
-          </a:p>
-          <a:p>
-            <a:pPr marL="0" marR="0" lvl="0" indent="0" algn="l" defTabSz="914400" rtl="0" eaLnBrk="1" fontAlgn="auto" latinLnBrk="0" hangingPunct="1">
-              <a:lnSpc>
-                <a:spcPct val="100000"/>
-              </a:lnSpc>
-              <a:spcBef>
-                <a:spcPts val="0"/>
-              </a:spcBef>
-              <a:spcAft>
-                <a:spcPts val="0"/>
-              </a:spcAft>
-              <a:buClrTx/>
-              <a:buSzTx/>
-              <a:buFontTx/>
-              <a:buNone/>
-              <a:tabLst/>
-              <a:defRPr/>
-            </a:pPr>
-            <a:endParaRPr lang="en-US" dirty="0"/>
-          </a:p>
-          <a:p>
-            <a:pPr marL="0" marR="0" lvl="0" indent="0" algn="l" defTabSz="914400" rtl="0" eaLnBrk="1" fontAlgn="auto" latinLnBrk="0" hangingPunct="1">
-              <a:lnSpc>
-                <a:spcPct val="100000"/>
-              </a:lnSpc>
-              <a:spcBef>
-                <a:spcPts val="0"/>
-              </a:spcBef>
-              <a:spcAft>
-                <a:spcPts val="0"/>
-              </a:spcAft>
-              <a:buClrTx/>
-              <a:buSzTx/>
-              <a:buFontTx/>
-              <a:buNone/>
-              <a:tabLst/>
-              <a:defRPr/>
-            </a:pPr>
-            <a:r>
-              <a:rPr lang="en-US" dirty="0"/>
-              <a:t>Then Selenium was used to read game variables in Python and to send key presses to the browser.</a:t>
-            </a:r>
-          </a:p>
-          <a:p>
-            <a:endParaRPr lang="en-US" dirty="0"/>
-          </a:p>
-          <a:p>
-            <a:pPr marL="0" marR="0" lvl="0" indent="0" algn="l" defTabSz="914400" rtl="0" eaLnBrk="1" fontAlgn="auto" latinLnBrk="0" hangingPunct="1">
-              <a:lnSpc>
-                <a:spcPct val="100000"/>
-              </a:lnSpc>
-              <a:spcBef>
-                <a:spcPts val="0"/>
-              </a:spcBef>
-              <a:spcAft>
-                <a:spcPts val="0"/>
-              </a:spcAft>
-              <a:buClrTx/>
-              <a:buSzTx/>
-              <a:buFontTx/>
-              <a:buNone/>
-              <a:tabLst/>
-              <a:defRPr/>
-            </a:pPr>
-            <a:r>
-              <a:rPr lang="en-US" dirty="0"/>
-              <a:t>Next, the game was wrapped in an </a:t>
-            </a:r>
-            <a:r>
-              <a:rPr lang="en-US" dirty="0" err="1"/>
-              <a:t>OpenAI</a:t>
-            </a:r>
-            <a:r>
-              <a:rPr lang="en-US" dirty="0"/>
-              <a:t> gym style environment, which defined the state space, action space, and reward function. The state consisted of position, velocity and angle for each body part and joint. The action space consisted of 11 possible actions: each of the 4 QWOP buttons, 6 two-button combinations, and no keypress. The reward function was the velocity of the runner plus penalties for having the torso too close to the ground. Each key press action is sent to the game for about 0.1 seconds, meaning the agent can make about 10 actions per second. </a:t>
-            </a:r>
-          </a:p>
-          <a:p>
-            <a:endParaRPr lang="en-US" dirty="0"/>
+              <a:t> a couple of years ago. It combines Actor-Critic with a replay buffer for both on-policy and off-policy learning. This basically means the agent not only learns from its most recent experience, but also from older experiences stored in memory. Learning from the replay buffer allows ACER to learn faster than some of its counterparts</a:t>
+            </a:r>
           </a:p>
         </p:txBody>
       </p:sp>
@@ -2105,7 +2091,7 @@
     </p:spTree>
     <p:extLst>
       <p:ext uri="{BB962C8B-B14F-4D97-AF65-F5344CB8AC3E}">
-        <p14:creationId xmlns:p14="http://schemas.microsoft.com/office/powerpoint/2010/main" val="1929642972"/>
+        <p14:creationId xmlns:p14="http://schemas.microsoft.com/office/powerpoint/2010/main" val="3754629641"/>
       </p:ext>
     </p:extLst>
   </p:cSld>
@@ -2178,51 +2164,11 @@
             </a:pPr>
             <a:r>
               <a:rPr lang="en-US" dirty="0"/>
-              <a:t>This is the training schedule of the final agent </a:t>
-            </a:r>
-          </a:p>
-          <a:p>
-            <a:pPr marL="0" marR="0" lvl="0" indent="0" algn="l" defTabSz="914400" rtl="0" eaLnBrk="1" fontAlgn="auto" latinLnBrk="0" hangingPunct="1">
-              <a:lnSpc>
-                <a:spcPct val="100000"/>
-              </a:lnSpc>
-              <a:spcBef>
-                <a:spcPts val="0"/>
-              </a:spcBef>
-              <a:spcAft>
-                <a:spcPts val="0"/>
-              </a:spcAft>
-              <a:buClrTx/>
-              <a:buSzTx/>
-              <a:buFontTx/>
-              <a:buNone/>
-              <a:tabLst/>
-              <a:defRPr/>
-            </a:pPr>
+              <a:t>And now, for the moment we’ve been waiting for, here’s the final speed run</a:t>
+            </a:r>
+          </a:p>
+          <a:p>
             <a:endParaRPr lang="en-US" dirty="0"/>
-          </a:p>
-          <a:p>
-            <a:pPr marL="0" marR="0" lvl="0" indent="0" algn="l" defTabSz="914400" rtl="0" eaLnBrk="1" fontAlgn="auto" latinLnBrk="0" hangingPunct="1">
-              <a:lnSpc>
-                <a:spcPct val="100000"/>
-              </a:lnSpc>
-              <a:spcBef>
-                <a:spcPts val="0"/>
-              </a:spcBef>
-              <a:spcAft>
-                <a:spcPts val="0"/>
-              </a:spcAft>
-              <a:buClrTx/>
-              <a:buSzTx/>
-              <a:buFontTx/>
-              <a:buNone/>
-              <a:tabLst/>
-              <a:defRPr/>
-            </a:pPr>
-            <a:r>
-              <a:rPr lang="en-US" dirty="0"/>
-              <a:t>pre-training, 25 hours by itself, 15 hours with Kurodo’s data, and another 25 hours by itself.</a:t>
-            </a:r>
           </a:p>
         </p:txBody>
       </p:sp>
@@ -2252,7 +2198,7 @@
     </p:spTree>
     <p:extLst>
       <p:ext uri="{BB962C8B-B14F-4D97-AF65-F5344CB8AC3E}">
-        <p14:creationId xmlns:p14="http://schemas.microsoft.com/office/powerpoint/2010/main" val="1512655696"/>
+        <p14:creationId xmlns:p14="http://schemas.microsoft.com/office/powerpoint/2010/main" val="3613082784"/>
       </p:ext>
     </p:extLst>
   </p:cSld>
@@ -2325,7 +2271,92 @@
             </a:pPr>
             <a:r>
               <a:rPr lang="en-US" dirty="0"/>
-              <a:t>And now, for the moment we’ve been waiting for, here’s the final speed run</a:t>
+              <a:t>The first step was to connect the QWOP to the AI agent so that it can interact with the game. To retrieve the game state, I wrote a </a:t>
+            </a:r>
+            <a:r>
+              <a:rPr lang="en-US" dirty="0" err="1"/>
+              <a:t>Javascript</a:t>
+            </a:r>
+            <a:r>
+              <a:rPr lang="en-US" dirty="0"/>
+              <a:t> adapter that extracted key variables from the game engine and made them accessible externally. </a:t>
+            </a:r>
+          </a:p>
+          <a:p>
+            <a:pPr marL="0" marR="0" lvl="0" indent="0" algn="l" defTabSz="914400" rtl="0" eaLnBrk="1" fontAlgn="auto" latinLnBrk="0" hangingPunct="1">
+              <a:lnSpc>
+                <a:spcPct val="100000"/>
+              </a:lnSpc>
+              <a:spcBef>
+                <a:spcPts val="0"/>
+              </a:spcBef>
+              <a:spcAft>
+                <a:spcPts val="0"/>
+              </a:spcAft>
+              <a:buClrTx/>
+              <a:buSzTx/>
+              <a:buFontTx/>
+              <a:buNone/>
+              <a:tabLst/>
+              <a:defRPr/>
+            </a:pPr>
+            <a:endParaRPr lang="en-US" dirty="0"/>
+          </a:p>
+          <a:p>
+            <a:pPr marL="0" marR="0" lvl="0" indent="0" algn="l" defTabSz="914400" rtl="0" eaLnBrk="1" fontAlgn="auto" latinLnBrk="0" hangingPunct="1">
+              <a:lnSpc>
+                <a:spcPct val="100000"/>
+              </a:lnSpc>
+              <a:spcBef>
+                <a:spcPts val="0"/>
+              </a:spcBef>
+              <a:spcAft>
+                <a:spcPts val="0"/>
+              </a:spcAft>
+              <a:buClrTx/>
+              <a:buSzTx/>
+              <a:buFontTx/>
+              <a:buNone/>
+              <a:tabLst/>
+              <a:defRPr/>
+            </a:pPr>
+            <a:r>
+              <a:rPr lang="en-US" dirty="0"/>
+              <a:t>Then Selenium was used to read game variables in Python and to send key presses to the browser.</a:t>
+            </a:r>
+          </a:p>
+          <a:p>
+            <a:endParaRPr lang="en-US" dirty="0"/>
+          </a:p>
+          <a:p>
+            <a:pPr marL="0" marR="0" lvl="0" indent="0" algn="l" defTabSz="914400" rtl="0" eaLnBrk="1" fontAlgn="auto" latinLnBrk="0" hangingPunct="1">
+              <a:lnSpc>
+                <a:spcPct val="100000"/>
+              </a:lnSpc>
+              <a:spcBef>
+                <a:spcPts val="0"/>
+              </a:spcBef>
+              <a:spcAft>
+                <a:spcPts val="0"/>
+              </a:spcAft>
+              <a:buClrTx/>
+              <a:buSzTx/>
+              <a:buFontTx/>
+              <a:buNone/>
+              <a:tabLst/>
+              <a:defRPr/>
+            </a:pPr>
+            <a:r>
+              <a:rPr lang="en-US" dirty="0"/>
+              <a:t>Next, the game was wrapped in an </a:t>
+            </a:r>
+            <a:r>
+              <a:rPr lang="en-US" dirty="0" err="1"/>
+              <a:t>OpenAI</a:t>
+            </a:r>
+            <a:r>
+              <a:rPr lang="en-US" dirty="0"/>
+              <a:t> gym style environment, which defined the state space, action space, and reward function. The state consisted of position, velocity and angle for each body part and joint. The action space consisted of 11 possible actions: each of the 4 QWOP buttons, 6 two-button combinations, and no keypress. The reward function was the velocity of the runner plus penalties for having the torso too close to the ground. Each key press action is sent to the game for about 0.1 seconds, meaning the agent can make about 10 actions per second. </a:t>
             </a:r>
           </a:p>
           <a:p>
@@ -2359,7 +2390,7 @@
     </p:spTree>
     <p:extLst>
       <p:ext uri="{BB962C8B-B14F-4D97-AF65-F5344CB8AC3E}">
-        <p14:creationId xmlns:p14="http://schemas.microsoft.com/office/powerpoint/2010/main" val="3613082784"/>
+        <p14:creationId xmlns:p14="http://schemas.microsoft.com/office/powerpoint/2010/main" val="1871735691"/>
       </p:ext>
     </p:extLst>
   </p:cSld>
@@ -2432,15 +2463,41 @@
             </a:pPr>
             <a:r>
               <a:rPr lang="en-US" dirty="0"/>
-              <a:t>The agent’s main learning algorithm is called Actor-Critic with Experience Replay (ACER)², which was published by </a:t>
-            </a:r>
-            <a:r>
-              <a:rPr lang="en-US" dirty="0" err="1"/>
-              <a:t>Deepmind</a:t>
+              <a:t>This is what ACER’s learning procedure looks like. I’m not going to go into too much detail here. It’s a lot of math. But essentially, it has a couple of tweaks to help deal with off-policy learning including Retrace </a:t>
+            </a:r>
+            <a:r>
+              <a:rPr lang="en-US" i="1" dirty="0"/>
+              <a:t>Q</a:t>
             </a:r>
             <a:r>
               <a:rPr lang="en-US" dirty="0"/>
-              <a:t> a couple of years ago. It combines Actor-Critic with a replay buffer for both on-policy and off-policy learning. This basically means the agent not only learns from its most recent experience, but also from older experiences stored in memory. Learning from the replay buffer allows ACER to learn faster than some of its counterparts</a:t>
+              <a:t>-value estimation, importance weight truncation, and efficient trust region policy optimization. </a:t>
+            </a:r>
+          </a:p>
+          <a:p>
+            <a:pPr marL="0" marR="0" lvl="0" indent="0" algn="l" defTabSz="914400" rtl="0" eaLnBrk="1" fontAlgn="auto" latinLnBrk="0" hangingPunct="1">
+              <a:lnSpc>
+                <a:spcPct val="100000"/>
+              </a:lnSpc>
+              <a:spcBef>
+                <a:spcPts val="0"/>
+              </a:spcBef>
+              <a:spcAft>
+                <a:spcPts val="0"/>
+              </a:spcAft>
+              <a:buClrTx/>
+              <a:buSzTx/>
+              <a:buFontTx/>
+              <a:buNone/>
+              <a:tabLst/>
+              <a:defRPr/>
+            </a:pPr>
+            <a:endParaRPr lang="en-US" dirty="0"/>
+          </a:p>
+          <a:p>
+            <a:r>
+              <a:rPr lang="en-US" dirty="0"/>
+              <a:t>If you’re interested, check out the original paper, which I’ll link below.</a:t>
             </a:r>
           </a:p>
         </p:txBody>
@@ -2471,7 +2528,7 @@
     </p:spTree>
     <p:extLst>
       <p:ext uri="{BB962C8B-B14F-4D97-AF65-F5344CB8AC3E}">
-        <p14:creationId xmlns:p14="http://schemas.microsoft.com/office/powerpoint/2010/main" val="3754629641"/>
+        <p14:creationId xmlns:p14="http://schemas.microsoft.com/office/powerpoint/2010/main" val="3503368150"/>
       </p:ext>
     </p:extLst>
   </p:cSld>
@@ -2544,15 +2601,40 @@
             </a:pPr>
             <a:r>
               <a:rPr lang="en-US" dirty="0"/>
-              <a:t>This is what ACER’s learning procedure looks like. I’m not going to go into too much detail here. It’s a lot of math. But essentially, it has a couple of tweaks to help deal with off-policy learning including Retrace </a:t>
-            </a:r>
-            <a:r>
-              <a:rPr lang="en-US" i="1" dirty="0"/>
-              <a:t>Q</a:t>
+              <a:t>Now let’s take a peek inside the agent’s brain. It’s a fairly small neural network with 2 hidden layers of 256 and 128 nodes, all fully connected with </a:t>
+            </a:r>
+            <a:r>
+              <a:rPr lang="en-US" dirty="0">
+                <a:hlinkClick r:id="rId3"/>
+              </a:rPr>
+              <a:t>ReLU</a:t>
             </a:r>
             <a:r>
               <a:rPr lang="en-US" dirty="0"/>
-              <a:t>-value estimation, importance weight truncation, and efficient trust region policy optimization. </a:t>
+              <a:t> activations. </a:t>
+            </a:r>
+          </a:p>
+          <a:p>
+            <a:pPr marL="0" marR="0" lvl="0" indent="0" algn="l" defTabSz="914400" rtl="0" eaLnBrk="1" fontAlgn="auto" latinLnBrk="0" hangingPunct="1">
+              <a:lnSpc>
+                <a:spcPct val="100000"/>
+              </a:lnSpc>
+              <a:spcBef>
+                <a:spcPts val="0"/>
+              </a:spcBef>
+              <a:spcAft>
+                <a:spcPts val="0"/>
+              </a:spcAft>
+              <a:buClrTx/>
+              <a:buSzTx/>
+              <a:buFontTx/>
+              <a:buNone/>
+              <a:tabLst/>
+              <a:defRPr/>
+            </a:pPr>
+            <a:r>
+              <a:rPr lang="en-US" dirty="0"/>
+              <a:t>As you can see here, the network ingests measurements from the game engine, processes it using the hidden layers, and then produces a probability distribution over all actions. It then randomly picks an action by drawing from that distribution. </a:t>
             </a:r>
           </a:p>
           <a:p>
@@ -2575,12 +2657,6 @@
             </a:pPr>
             <a:endParaRPr lang="en-US" dirty="0"/>
           </a:p>
-          <a:p>
-            <a:r>
-              <a:rPr lang="en-US" dirty="0"/>
-              <a:t>If you’re interested, check out the original paper, which I’ll link below.</a:t>
-            </a:r>
-          </a:p>
         </p:txBody>
       </p:sp>
       <p:sp>
@@ -2609,7 +2685,7 @@
     </p:spTree>
     <p:extLst>
       <p:ext uri="{BB962C8B-B14F-4D97-AF65-F5344CB8AC3E}">
-        <p14:creationId xmlns:p14="http://schemas.microsoft.com/office/powerpoint/2010/main" val="3503368150"/>
+        <p14:creationId xmlns:p14="http://schemas.microsoft.com/office/powerpoint/2010/main" val="2764589387"/>
       </p:ext>
     </p:extLst>
   </p:cSld>
@@ -2663,80 +2739,10 @@
           <a:bodyPr/>
           <a:lstStyle/>
           <a:p>
-            <a:pPr marL="0" marR="0" lvl="0" indent="0" algn="l" defTabSz="914400" rtl="0" eaLnBrk="1" fontAlgn="auto" latinLnBrk="0" hangingPunct="1">
-              <a:lnSpc>
-                <a:spcPct val="100000"/>
-              </a:lnSpc>
-              <a:spcBef>
-                <a:spcPts val="0"/>
-              </a:spcBef>
-              <a:spcAft>
-                <a:spcPts val="0"/>
-              </a:spcAft>
-              <a:buClrTx/>
-              <a:buSzTx/>
-              <a:buFontTx/>
-              <a:buNone/>
-              <a:tabLst/>
-              <a:defRPr/>
-            </a:pPr>
             <a:r>
               <a:rPr lang="en-US" dirty="0"/>
-              <a:t>Now let’s take a peek inside the agent’s brain. It’s a fairly small neural network with 2 hidden layers of 256 and 128 nodes, all fully connected with </a:t>
-            </a:r>
-            <a:r>
-              <a:rPr lang="en-US" dirty="0">
-                <a:hlinkClick r:id="rId3"/>
-              </a:rPr>
-              <a:t>ReLU</a:t>
-            </a:r>
-            <a:r>
-              <a:rPr lang="en-US" dirty="0"/>
-              <a:t> activations. </a:t>
-            </a:r>
-          </a:p>
-          <a:p>
-            <a:pPr marL="0" marR="0" lvl="0" indent="0" algn="l" defTabSz="914400" rtl="0" eaLnBrk="1" fontAlgn="auto" latinLnBrk="0" hangingPunct="1">
-              <a:lnSpc>
-                <a:spcPct val="100000"/>
-              </a:lnSpc>
-              <a:spcBef>
-                <a:spcPts val="0"/>
-              </a:spcBef>
-              <a:spcAft>
-                <a:spcPts val="0"/>
-              </a:spcAft>
-              <a:buClrTx/>
-              <a:buSzTx/>
-              <a:buFontTx/>
-              <a:buNone/>
-              <a:tabLst/>
-              <a:defRPr/>
-            </a:pPr>
-            <a:r>
-              <a:rPr lang="en-US" dirty="0"/>
-              <a:t>As you can see here, the network ingests measurements from the game engine, processes it using the hidden layers, and then produces a probability distribution over all actions. It then randomly picks an action by drawing from that distribution. </a:t>
-            </a:r>
-          </a:p>
-          <a:p>
-            <a:pPr marL="0" marR="0" lvl="0" indent="0" algn="l" defTabSz="914400" rtl="0" eaLnBrk="1" fontAlgn="auto" latinLnBrk="0" hangingPunct="1">
-              <a:lnSpc>
-                <a:spcPct val="100000"/>
-              </a:lnSpc>
-              <a:spcBef>
-                <a:spcPts val="0"/>
-              </a:spcBef>
-              <a:spcAft>
-                <a:spcPts val="0"/>
-              </a:spcAft>
-              <a:buClrTx/>
-              <a:buSzTx/>
-              <a:buFontTx/>
-              <a:buNone/>
-              <a:tabLst/>
-              <a:defRPr/>
-            </a:pPr>
-            <a:endParaRPr lang="en-US" dirty="0"/>
+              <a:t>Now that the agent is setup, it’s off the races. </a:t>
+            </a:r>
           </a:p>
         </p:txBody>
       </p:sp>
@@ -2766,7 +2772,7 @@
     </p:spTree>
     <p:extLst>
       <p:ext uri="{BB962C8B-B14F-4D97-AF65-F5344CB8AC3E}">
-        <p14:creationId xmlns:p14="http://schemas.microsoft.com/office/powerpoint/2010/main" val="2764589387"/>
+        <p14:creationId xmlns:p14="http://schemas.microsoft.com/office/powerpoint/2010/main" val="2203002240"/>
       </p:ext>
     </p:extLst>
   </p:cSld>
@@ -2820,9 +2826,132 @@
           <a:bodyPr/>
           <a:lstStyle/>
           <a:p>
+            <a:pPr marL="0" marR="0" lvl="0" indent="0" algn="l" defTabSz="914400" rtl="0" eaLnBrk="1" fontAlgn="auto" latinLnBrk="0" hangingPunct="1">
+              <a:lnSpc>
+                <a:spcPct val="100000"/>
+              </a:lnSpc>
+              <a:spcBef>
+                <a:spcPts val="0"/>
+              </a:spcBef>
+              <a:spcAft>
+                <a:spcPts val="0"/>
+              </a:spcAft>
+              <a:buClrTx/>
+              <a:buSzTx/>
+              <a:buFontTx/>
+              <a:buNone/>
+              <a:tabLst/>
+              <a:defRPr/>
+            </a:pPr>
             <a:r>
               <a:rPr lang="en-US" dirty="0"/>
-              <a:t>Now that the agent is setup, it’s off the races. </a:t>
+              <a:t>Unfortunately, by itself, the only way it learned to finish the 100m was through “knee-scraping.” This is pretty consistent with many previous attempts at building QWOP bots.</a:t>
+            </a:r>
+          </a:p>
+          <a:p>
+            <a:pPr marL="0" marR="0" lvl="0" indent="0" algn="l" defTabSz="914400" rtl="0" eaLnBrk="1" fontAlgn="auto" latinLnBrk="0" hangingPunct="1">
+              <a:lnSpc>
+                <a:spcPct val="100000"/>
+              </a:lnSpc>
+              <a:spcBef>
+                <a:spcPts val="0"/>
+              </a:spcBef>
+              <a:spcAft>
+                <a:spcPts val="0"/>
+              </a:spcAft>
+              <a:buClrTx/>
+              <a:buSzTx/>
+              <a:buFontTx/>
+              <a:buNone/>
+              <a:tabLst/>
+              <a:defRPr/>
+            </a:pPr>
+            <a:endParaRPr lang="en-US" dirty="0"/>
+          </a:p>
+          <a:p>
+            <a:pPr marL="0" marR="0" lvl="0" indent="0" algn="l" defTabSz="914400" rtl="0" eaLnBrk="1" fontAlgn="auto" latinLnBrk="0" hangingPunct="1">
+              <a:lnSpc>
+                <a:spcPct val="100000"/>
+              </a:lnSpc>
+              <a:spcBef>
+                <a:spcPts val="0"/>
+              </a:spcBef>
+              <a:spcAft>
+                <a:spcPts val="0"/>
+              </a:spcAft>
+              <a:buClrTx/>
+              <a:buSzTx/>
+              <a:buFontTx/>
+              <a:buNone/>
+              <a:tabLst/>
+              <a:defRPr/>
+            </a:pPr>
+            <a:r>
+              <a:rPr lang="en-US" dirty="0"/>
+              <a:t>The agent isn’t discovering the idea strides and how to use legs like a human. Instead it just learns the safest and slowest method to reach the finish line. </a:t>
+            </a:r>
+          </a:p>
+          <a:p>
+            <a:pPr marL="0" marR="0" lvl="0" indent="0" algn="l" defTabSz="914400" rtl="0" eaLnBrk="1" fontAlgn="auto" latinLnBrk="0" hangingPunct="1">
+              <a:lnSpc>
+                <a:spcPct val="100000"/>
+              </a:lnSpc>
+              <a:spcBef>
+                <a:spcPts val="0"/>
+              </a:spcBef>
+              <a:spcAft>
+                <a:spcPts val="0"/>
+              </a:spcAft>
+              <a:buClrTx/>
+              <a:buSzTx/>
+              <a:buFontTx/>
+              <a:buNone/>
+              <a:tabLst/>
+              <a:defRPr/>
+            </a:pPr>
+            <a:endParaRPr lang="en-US" dirty="0"/>
+          </a:p>
+          <a:p>
+            <a:pPr marL="0" marR="0" lvl="0" indent="0" algn="l" defTabSz="914400" rtl="0" eaLnBrk="1" fontAlgn="auto" latinLnBrk="0" hangingPunct="1">
+              <a:lnSpc>
+                <a:spcPct val="100000"/>
+              </a:lnSpc>
+              <a:spcBef>
+                <a:spcPts val="0"/>
+              </a:spcBef>
+              <a:spcAft>
+                <a:spcPts val="0"/>
+              </a:spcAft>
+              <a:buClrTx/>
+              <a:buSzTx/>
+              <a:buFontTx/>
+              <a:buNone/>
+              <a:tabLst/>
+              <a:defRPr/>
+            </a:pPr>
+            <a:endParaRPr lang="en-US" dirty="0"/>
+          </a:p>
+          <a:p>
+            <a:pPr marL="0" marR="0" lvl="0" indent="0" algn="l" defTabSz="914400" rtl="0" eaLnBrk="1" fontAlgn="auto" latinLnBrk="0" hangingPunct="1">
+              <a:lnSpc>
+                <a:spcPct val="100000"/>
+              </a:lnSpc>
+              <a:spcBef>
+                <a:spcPts val="0"/>
+              </a:spcBef>
+              <a:spcAft>
+                <a:spcPts val="0"/>
+              </a:spcAft>
+              <a:buClrTx/>
+              <a:buSzTx/>
+              <a:buFontTx/>
+              <a:buNone/>
+              <a:tabLst/>
+              <a:defRPr/>
+            </a:pPr>
+            <a:r>
+              <a:rPr lang="en-US" dirty="0"/>
+              <a:t>It does learn to finish though, but it tasks about XX minutes</a:t>
             </a:r>
           </a:p>
         </p:txBody>
@@ -2844,7 +2973,7 @@
           <a:p>
             <a:fld id="{7CCFB541-7D2A-2B48-B081-CD35135E40FE}" type="slidenum">
               <a:rPr lang="en-US" smtClean="0"/>
-              <a:t>6</a:t>
+              <a:t>7</a:t>
             </a:fld>
             <a:endParaRPr lang="en-US"/>
           </a:p>
@@ -2853,7 +2982,7 @@
     </p:spTree>
     <p:extLst>
       <p:ext uri="{BB962C8B-B14F-4D97-AF65-F5344CB8AC3E}">
-        <p14:creationId xmlns:p14="http://schemas.microsoft.com/office/powerpoint/2010/main" val="2203002240"/>
+        <p14:creationId xmlns:p14="http://schemas.microsoft.com/office/powerpoint/2010/main" val="3531720827"/>
       </p:ext>
     </p:extLst>
   </p:cSld>
@@ -2907,132 +3036,18 @@
           <a:bodyPr/>
           <a:lstStyle/>
           <a:p>
-            <a:pPr marL="0" marR="0" lvl="0" indent="0" algn="l" defTabSz="914400" rtl="0" eaLnBrk="1" fontAlgn="auto" latinLnBrk="0" hangingPunct="1">
-              <a:lnSpc>
-                <a:spcPct val="100000"/>
-              </a:lnSpc>
-              <a:spcBef>
-                <a:spcPts val="0"/>
-              </a:spcBef>
-              <a:spcAft>
-                <a:spcPts val="0"/>
-              </a:spcAft>
-              <a:buClrTx/>
-              <a:buSzTx/>
-              <a:buFontTx/>
-              <a:buNone/>
-              <a:tabLst/>
-              <a:defRPr/>
-            </a:pPr>
             <a:r>
               <a:rPr lang="en-US" dirty="0"/>
-              <a:t>Unfortunately, by itself, the only way it learned to finish the 100m was through “knee-scraping.” This is pretty consistent with many previous attempts at building QWOP bots.</a:t>
-            </a:r>
-          </a:p>
-          <a:p>
-            <a:pPr marL="0" marR="0" lvl="0" indent="0" algn="l" defTabSz="914400" rtl="0" eaLnBrk="1" fontAlgn="auto" latinLnBrk="0" hangingPunct="1">
-              <a:lnSpc>
-                <a:spcPct val="100000"/>
-              </a:lnSpc>
-              <a:spcBef>
-                <a:spcPts val="0"/>
-              </a:spcBef>
-              <a:spcAft>
-                <a:spcPts val="0"/>
-              </a:spcAft>
-              <a:buClrTx/>
-              <a:buSzTx/>
-              <a:buFontTx/>
-              <a:buNone/>
-              <a:tabLst/>
-              <a:defRPr/>
-            </a:pPr>
+              <a:t>So then I thought, hm if only there was a way to show the agent how legs are meant to be used. </a:t>
+            </a:r>
+          </a:p>
+          <a:p>
             <a:endParaRPr lang="en-US" dirty="0"/>
           </a:p>
           <a:p>
-            <a:pPr marL="0" marR="0" lvl="0" indent="0" algn="l" defTabSz="914400" rtl="0" eaLnBrk="1" fontAlgn="auto" latinLnBrk="0" hangingPunct="1">
-              <a:lnSpc>
-                <a:spcPct val="100000"/>
-              </a:lnSpc>
-              <a:spcBef>
-                <a:spcPts val="0"/>
-              </a:spcBef>
-              <a:spcAft>
-                <a:spcPts val="0"/>
-              </a:spcAft>
-              <a:buClrTx/>
-              <a:buSzTx/>
-              <a:buFontTx/>
-              <a:buNone/>
-              <a:tabLst/>
-              <a:defRPr/>
-            </a:pPr>
             <a:r>
               <a:rPr lang="en-US" dirty="0"/>
-              <a:t>The agent isn’t discovering the idea strides and how to use legs like a human. Instead it just learns the safest and slowest method to reach the finish line. </a:t>
-            </a:r>
-          </a:p>
-          <a:p>
-            <a:pPr marL="0" marR="0" lvl="0" indent="0" algn="l" defTabSz="914400" rtl="0" eaLnBrk="1" fontAlgn="auto" latinLnBrk="0" hangingPunct="1">
-              <a:lnSpc>
-                <a:spcPct val="100000"/>
-              </a:lnSpc>
-              <a:spcBef>
-                <a:spcPts val="0"/>
-              </a:spcBef>
-              <a:spcAft>
-                <a:spcPts val="0"/>
-              </a:spcAft>
-              <a:buClrTx/>
-              <a:buSzTx/>
-              <a:buFontTx/>
-              <a:buNone/>
-              <a:tabLst/>
-              <a:defRPr/>
-            </a:pPr>
-            <a:endParaRPr lang="en-US" dirty="0"/>
-          </a:p>
-          <a:p>
-            <a:pPr marL="0" marR="0" lvl="0" indent="0" algn="l" defTabSz="914400" rtl="0" eaLnBrk="1" fontAlgn="auto" latinLnBrk="0" hangingPunct="1">
-              <a:lnSpc>
-                <a:spcPct val="100000"/>
-              </a:lnSpc>
-              <a:spcBef>
-                <a:spcPts val="0"/>
-              </a:spcBef>
-              <a:spcAft>
-                <a:spcPts val="0"/>
-              </a:spcAft>
-              <a:buClrTx/>
-              <a:buSzTx/>
-              <a:buFontTx/>
-              <a:buNone/>
-              <a:tabLst/>
-              <a:defRPr/>
-            </a:pPr>
-            <a:endParaRPr lang="en-US" dirty="0"/>
-          </a:p>
-          <a:p>
-            <a:pPr marL="0" marR="0" lvl="0" indent="0" algn="l" defTabSz="914400" rtl="0" eaLnBrk="1" fontAlgn="auto" latinLnBrk="0" hangingPunct="1">
-              <a:lnSpc>
-                <a:spcPct val="100000"/>
-              </a:lnSpc>
-              <a:spcBef>
-                <a:spcPts val="0"/>
-              </a:spcBef>
-              <a:spcAft>
-                <a:spcPts val="0"/>
-              </a:spcAft>
-              <a:buClrTx/>
-              <a:buSzTx/>
-              <a:buFontTx/>
-              <a:buNone/>
-              <a:tabLst/>
-              <a:defRPr/>
-            </a:pPr>
-            <a:r>
-              <a:rPr lang="en-US" dirty="0"/>
-              <a:t>It does learn to finish though, but it tasks about XX minutes</a:t>
+              <a:t>Well, it just so happens that I’m human and I know how to use legs. Maybe I can teach the agent through some examples.</a:t>
             </a:r>
           </a:p>
         </p:txBody>
@@ -3063,7 +3078,7 @@
     </p:spTree>
     <p:extLst>
       <p:ext uri="{BB962C8B-B14F-4D97-AF65-F5344CB8AC3E}">
-        <p14:creationId xmlns:p14="http://schemas.microsoft.com/office/powerpoint/2010/main" val="3531720827"/>
+        <p14:creationId xmlns:p14="http://schemas.microsoft.com/office/powerpoint/2010/main" val="2438512171"/>
       </p:ext>
     </p:extLst>
   </p:cSld>
@@ -3119,16 +3134,7 @@
           <a:p>
             <a:r>
               <a:rPr lang="en-US" dirty="0"/>
-              <a:t>So then I thought, hm if only there was a way to show the agent how legs are meant to be used. </a:t>
-            </a:r>
-          </a:p>
-          <a:p>
-            <a:endParaRPr lang="en-US" dirty="0"/>
-          </a:p>
-          <a:p>
-            <a:r>
-              <a:rPr lang="en-US" dirty="0"/>
-              <a:t>Well, it just so happens that I’m human and I know how to use legs. Maybe I can teach the agent through some examples.</a:t>
+              <a:t>This idea is not new. It’s actually how first iteration of AlphaGo was trained. It learned to mimic human behavior before training by itself.</a:t>
             </a:r>
           </a:p>
         </p:txBody>
@@ -3159,7 +3165,7 @@
     </p:spTree>
     <p:extLst>
       <p:ext uri="{BB962C8B-B14F-4D97-AF65-F5344CB8AC3E}">
-        <p14:creationId xmlns:p14="http://schemas.microsoft.com/office/powerpoint/2010/main" val="2438512171"/>
+        <p14:creationId xmlns:p14="http://schemas.microsoft.com/office/powerpoint/2010/main" val="794281218"/>
       </p:ext>
     </p:extLst>
   </p:cSld>
@@ -3215,7 +3221,13 @@
           <a:p>
             <a:r>
               <a:rPr lang="en-US" dirty="0"/>
-              <a:t>This idea is not new. It’s actually how first iteration of AlphaGo was trained. It learned to mimic human behavior before training by itself.</a:t>
+              <a:t>so I tried to learn the game myself. Unfortunately, it turns out I’m quite bad at the game. After a day of practice I could only run about 28 meters max.</a:t>
+            </a:r>
+          </a:p>
+          <a:p>
+            <a:r>
+              <a:rPr lang="en-US" dirty="0"/>
+              <a:t>Although I played poorly, I was still kind of using legs in way that a human would. So maybe the agent can learn a thing or two from that</a:t>
             </a:r>
           </a:p>
         </p:txBody>
@@ -3246,7 +3258,7 @@
     </p:spTree>
     <p:extLst>
       <p:ext uri="{BB962C8B-B14F-4D97-AF65-F5344CB8AC3E}">
-        <p14:creationId xmlns:p14="http://schemas.microsoft.com/office/powerpoint/2010/main" val="794281218"/>
+        <p14:creationId xmlns:p14="http://schemas.microsoft.com/office/powerpoint/2010/main" val="3259167908"/>
       </p:ext>
     </p:extLst>
   </p:cSld>
@@ -3387,7 +3399,7 @@
           <a:p>
             <a:fld id="{144F1D63-3E91-49A9-9780-429C522EE701}" type="datetimeFigureOut">
               <a:rPr lang="en-US" smtClean="0"/>
-              <a:t>2/23/21</a:t>
+              <a:t>2/24/21</a:t>
             </a:fld>
             <a:endParaRPr lang="en-US"/>
           </a:p>
@@ -3557,7 +3569,7 @@
           <a:p>
             <a:fld id="{144F1D63-3E91-49A9-9780-429C522EE701}" type="datetimeFigureOut">
               <a:rPr lang="en-US" smtClean="0"/>
-              <a:t>2/23/21</a:t>
+              <a:t>2/24/21</a:t>
             </a:fld>
             <a:endParaRPr lang="en-US"/>
           </a:p>
@@ -3737,7 +3749,7 @@
           <a:p>
             <a:fld id="{144F1D63-3E91-49A9-9780-429C522EE701}" type="datetimeFigureOut">
               <a:rPr lang="en-US" smtClean="0"/>
-              <a:t>2/23/21</a:t>
+              <a:t>2/24/21</a:t>
             </a:fld>
             <a:endParaRPr lang="en-US"/>
           </a:p>
@@ -3907,7 +3919,7 @@
           <a:p>
             <a:fld id="{144F1D63-3E91-49A9-9780-429C522EE701}" type="datetimeFigureOut">
               <a:rPr lang="en-US" smtClean="0"/>
-              <a:t>2/23/21</a:t>
+              <a:t>2/24/21</a:t>
             </a:fld>
             <a:endParaRPr lang="en-US"/>
           </a:p>
@@ -4153,7 +4165,7 @@
           <a:p>
             <a:fld id="{144F1D63-3E91-49A9-9780-429C522EE701}" type="datetimeFigureOut">
               <a:rPr lang="en-US" smtClean="0"/>
-              <a:t>2/23/21</a:t>
+              <a:t>2/24/21</a:t>
             </a:fld>
             <a:endParaRPr lang="en-US"/>
           </a:p>
@@ -4385,7 +4397,7 @@
           <a:p>
             <a:fld id="{144F1D63-3E91-49A9-9780-429C522EE701}" type="datetimeFigureOut">
               <a:rPr lang="en-US" smtClean="0"/>
-              <a:t>2/23/21</a:t>
+              <a:t>2/24/21</a:t>
             </a:fld>
             <a:endParaRPr lang="en-US"/>
           </a:p>
@@ -4752,7 +4764,7 @@
           <a:p>
             <a:fld id="{144F1D63-3E91-49A9-9780-429C522EE701}" type="datetimeFigureOut">
               <a:rPr lang="en-US" smtClean="0"/>
-              <a:t>2/23/21</a:t>
+              <a:t>2/24/21</a:t>
             </a:fld>
             <a:endParaRPr lang="en-US"/>
           </a:p>
@@ -4870,7 +4882,7 @@
           <a:p>
             <a:fld id="{144F1D63-3E91-49A9-9780-429C522EE701}" type="datetimeFigureOut">
               <a:rPr lang="en-US" smtClean="0"/>
-              <a:t>2/23/21</a:t>
+              <a:t>2/24/21</a:t>
             </a:fld>
             <a:endParaRPr lang="en-US"/>
           </a:p>
@@ -4965,7 +4977,7 @@
           <a:p>
             <a:fld id="{144F1D63-3E91-49A9-9780-429C522EE701}" type="datetimeFigureOut">
               <a:rPr lang="en-US" smtClean="0"/>
-              <a:t>2/23/21</a:t>
+              <a:t>2/24/21</a:t>
             </a:fld>
             <a:endParaRPr lang="en-US"/>
           </a:p>
@@ -5242,7 +5254,7 @@
           <a:p>
             <a:fld id="{144F1D63-3E91-49A9-9780-429C522EE701}" type="datetimeFigureOut">
               <a:rPr lang="en-US" smtClean="0"/>
-              <a:t>2/23/21</a:t>
+              <a:t>2/24/21</a:t>
             </a:fld>
             <a:endParaRPr lang="en-US"/>
           </a:p>
@@ -5499,7 +5511,7 @@
           <a:p>
             <a:fld id="{144F1D63-3E91-49A9-9780-429C522EE701}" type="datetimeFigureOut">
               <a:rPr lang="en-US" smtClean="0"/>
-              <a:t>2/23/21</a:t>
+              <a:t>2/24/21</a:t>
             </a:fld>
             <a:endParaRPr lang="en-US"/>
           </a:p>
@@ -5712,7 +5724,7 @@
           <a:p>
             <a:fld id="{144F1D63-3E91-49A9-9780-429C522EE701}" type="datetimeFigureOut">
               <a:rPr lang="en-US" smtClean="0"/>
-              <a:t>2/23/21</a:t>
+              <a:t>2/24/21</a:t>
             </a:fld>
             <a:endParaRPr lang="en-US"/>
           </a:p>
@@ -5827,7 +5839,7 @@
           <a:graphicData uri="http://schemas.openxmlformats.org/presentationml/2006/ole">
             <mc:AlternateContent xmlns:mc="http://schemas.openxmlformats.org/markup-compatibility/2006">
               <mc:Choice xmlns:v="urn:schemas-microsoft-com:vml" Requires="v">
-                <p:oleObj spid="_x0000_s24634" name="think-cell Slide" r:id="rId15" imgW="7772400" imgH="10058400" progId="TCLayout.ActiveDocument.1">
+                <p:oleObj spid="_x0000_s24636" name="think-cell Slide" r:id="rId15" imgW="7772400" imgH="10058400" progId="TCLayout.ActiveDocument.1">
                   <p:embed/>
                 </p:oleObj>
               </mc:Choice>
@@ -6220,7 +6232,7 @@
           <a:graphicData uri="http://schemas.openxmlformats.org/presentationml/2006/ole">
             <mc:AlternateContent xmlns:mc="http://schemas.openxmlformats.org/markup-compatibility/2006">
               <mc:Choice xmlns:v="urn:schemas-microsoft-com:vml" Requires="v">
-                <p:oleObj spid="_x0000_s19537" name="think-cell Slide" r:id="rId5" imgW="7772400" imgH="10058400" progId="TCLayout.ActiveDocument.1">
+                <p:oleObj spid="_x0000_s19540" name="think-cell Slide" r:id="rId5" imgW="7772400" imgH="10058400" progId="TCLayout.ActiveDocument.1">
                   <p:embed/>
                 </p:oleObj>
               </mc:Choice>
@@ -6340,10 +6352,10 @@
       </p:grpSpPr>
       <p:graphicFrame>
         <p:nvGraphicFramePr>
-          <p:cNvPr id="4" name="Object 3" hidden="1">
+          <p:cNvPr id="5" name="Object 4" hidden="1">
             <a:extLst>
               <a:ext uri="{FF2B5EF4-FFF2-40B4-BE49-F238E27FC236}">
-                <a16:creationId xmlns:a16="http://schemas.microsoft.com/office/drawing/2014/main" id="{04906A25-BF32-9A4E-A31D-F63FD8ADD65E}"/>
+                <a16:creationId xmlns:a16="http://schemas.microsoft.com/office/drawing/2014/main" id="{33E6C5F2-21FA-3B43-8238-C7A6526FA547}"/>
               </a:ext>
             </a:extLst>
           </p:cNvPr>
@@ -6356,7 +6368,7 @@
             </p:custDataLst>
             <p:extLst>
               <p:ext uri="{D42A27DB-BD31-4B8C-83A1-F6EECF244321}">
-                <p14:modId xmlns:p14="http://schemas.microsoft.com/office/powerpoint/2010/main" val="990397664"/>
+                <p14:modId xmlns:p14="http://schemas.microsoft.com/office/powerpoint/2010/main" val="4290099923"/>
               </p:ext>
             </p:extLst>
           </p:nvPr>
@@ -6369,7 +6381,7 @@
           <a:graphicData uri="http://schemas.openxmlformats.org/presentationml/2006/ole">
             <mc:AlternateContent xmlns:mc="http://schemas.openxmlformats.org/markup-compatibility/2006">
               <mc:Choice xmlns:v="urn:schemas-microsoft-com:vml" Requires="v">
-                <p:oleObj spid="_x0000_s5267" name="think-cell Slide" r:id="rId5" imgW="7772400" imgH="10058400" progId="TCLayout.ActiveDocument.1">
+                <p:oleObj spid="_x0000_s25657" name="think-cell Slide" r:id="rId5" imgW="7772400" imgH="10058400" progId="TCLayout.ActiveDocument.1">
                   <p:embed/>
                 </p:oleObj>
               </mc:Choice>
@@ -6404,129 +6416,63 @@
           </a:graphicData>
         </a:graphic>
       </p:graphicFrame>
-      <p:pic>
-        <p:nvPicPr>
-          <p:cNvPr id="5124" name="Picture 4">
+      <p:sp>
+        <p:nvSpPr>
+          <p:cNvPr id="2" name="Title 1">
             <a:extLst>
               <a:ext uri="{FF2B5EF4-FFF2-40B4-BE49-F238E27FC236}">
-                <a16:creationId xmlns:a16="http://schemas.microsoft.com/office/drawing/2014/main" id="{0491C821-20D3-FF4E-8253-63D049DC7825}"/>
+                <a16:creationId xmlns:a16="http://schemas.microsoft.com/office/drawing/2014/main" id="{5A8D1E36-2FA5-4247-96C0-895D0FA4CADC}"/>
               </a:ext>
             </a:extLst>
           </p:cNvPr>
-          <p:cNvPicPr>
-            <a:picLocks noChangeAspect="1" noChangeArrowheads="1"/>
-          </p:cNvPicPr>
-          <p:nvPr/>
-        </p:nvPicPr>
-        <p:blipFill>
-          <a:blip r:embed="rId7">
-            <a:extLst>
-              <a:ext uri="{28A0092B-C50C-407E-A947-70E740481C1C}">
-                <a14:useLocalDpi xmlns:a14="http://schemas.microsoft.com/office/drawing/2010/main" val="0"/>
-              </a:ext>
-            </a:extLst>
-          </a:blip>
-          <a:srcRect/>
-          <a:stretch>
-            <a:fillRect/>
-          </a:stretch>
-        </p:blipFill>
-        <p:spPr bwMode="auto">
-          <a:xfrm>
-            <a:off x="2026442" y="821809"/>
-            <a:ext cx="5080000" cy="1333500"/>
-          </a:xfrm>
-          <a:prstGeom prst="rect">
-            <a:avLst/>
-          </a:prstGeom>
-          <a:noFill/>
-          <a:extLst>
-            <a:ext uri="{909E8E84-426E-40DD-AFC4-6F175D3DCCD1}">
-              <a14:hiddenFill xmlns:a14="http://schemas.microsoft.com/office/drawing/2010/main">
-                <a:solidFill>
-                  <a:srgbClr val="FFFFFF"/>
-                </a:solidFill>
-              </a14:hiddenFill>
-            </a:ext>
-          </a:extLst>
-        </p:spPr>
-      </p:pic>
-      <p:pic>
-        <p:nvPicPr>
-          <p:cNvPr id="8" name="Picture 7">
+          <p:cNvSpPr>
+            <a:spLocks noGrp="1"/>
+          </p:cNvSpPr>
+          <p:nvPr>
+            <p:ph type="title"/>
+          </p:nvPr>
+        </p:nvSpPr>
+        <p:spPr/>
+        <p:txBody>
+          <a:bodyPr vert="horz"/>
+          <a:lstStyle/>
+          <a:p>
+            <a:r>
+              <a:rPr lang="en-US" dirty="0"/>
+              <a:t>[Me playing]</a:t>
+            </a:r>
+          </a:p>
+        </p:txBody>
+      </p:sp>
+      <p:sp>
+        <p:nvSpPr>
+          <p:cNvPr id="3" name="Content Placeholder 2">
             <a:extLst>
               <a:ext uri="{FF2B5EF4-FFF2-40B4-BE49-F238E27FC236}">
-                <a16:creationId xmlns:a16="http://schemas.microsoft.com/office/drawing/2014/main" id="{3916FD47-653A-A940-AB5F-698D4D8BAADE}"/>
+                <a16:creationId xmlns:a16="http://schemas.microsoft.com/office/drawing/2014/main" id="{EBFC42FB-4EEA-3449-9A05-78934A62ADB1}"/>
               </a:ext>
             </a:extLst>
           </p:cNvPr>
-          <p:cNvPicPr>
-            <a:picLocks noChangeAspect="1"/>
-          </p:cNvPicPr>
-          <p:nvPr/>
-        </p:nvPicPr>
-        <p:blipFill>
-          <a:blip r:embed="rId8"/>
-          <a:stretch>
-            <a:fillRect/>
-          </a:stretch>
-        </p:blipFill>
-        <p:spPr>
-          <a:xfrm>
-            <a:off x="2026442" y="2485074"/>
-            <a:ext cx="8468308" cy="2884367"/>
-          </a:xfrm>
-          <a:prstGeom prst="rect">
-            <a:avLst/>
-          </a:prstGeom>
-        </p:spPr>
-      </p:pic>
-      <p:sp>
-        <p:nvSpPr>
-          <p:cNvPr id="9" name="TextBox 8">
-            <a:extLst>
-              <a:ext uri="{FF2B5EF4-FFF2-40B4-BE49-F238E27FC236}">
-                <a16:creationId xmlns:a16="http://schemas.microsoft.com/office/drawing/2014/main" id="{D33E6B8F-4D70-3D44-B906-F9DDBE9049D7}"/>
-              </a:ext>
-            </a:extLst>
-          </p:cNvPr>
-          <p:cNvSpPr txBox="1"/>
-          <p:nvPr/>
-        </p:nvSpPr>
-        <p:spPr>
-          <a:xfrm>
-            <a:off x="2115878" y="5699206"/>
-            <a:ext cx="7708605" cy="307777"/>
-          </a:xfrm>
-          <a:prstGeom prst="rect">
-            <a:avLst/>
-          </a:prstGeom>
-          <a:noFill/>
-        </p:spPr>
-        <p:txBody>
-          <a:bodyPr wrap="square" rtlCol="0">
-            <a:spAutoFit/>
-          </a:bodyPr>
+          <p:cNvSpPr>
+            <a:spLocks noGrp="1"/>
+          </p:cNvSpPr>
+          <p:nvPr>
+            <p:ph idx="1"/>
+          </p:nvPr>
+        </p:nvSpPr>
+        <p:spPr/>
+        <p:txBody>
+          <a:bodyPr/>
           <a:lstStyle/>
           <a:p>
-            <a:r>
-              <a:rPr lang="en-US" sz="1400" i="1" dirty="0">
-                <a:solidFill>
-                  <a:schemeClr val="bg1">
-                    <a:lumMod val="50000"/>
-                  </a:schemeClr>
-                </a:solidFill>
-                <a:latin typeface="Trebuchet MS" panose="020B0703020202090204" pitchFamily="34" charset="0"/>
-              </a:rPr>
-              <a:t>Mastering the game of Go with deep neural networks and tree search (Silver et al., 2016)</a:t>
-            </a:r>
+            <a:endParaRPr lang="en-US"/>
           </a:p>
         </p:txBody>
       </p:sp>
     </p:spTree>
     <p:extLst>
       <p:ext uri="{BB962C8B-B14F-4D97-AF65-F5344CB8AC3E}">
-        <p14:creationId xmlns:p14="http://schemas.microsoft.com/office/powerpoint/2010/main" val="2185329066"/>
+        <p14:creationId xmlns:p14="http://schemas.microsoft.com/office/powerpoint/2010/main" val="2727788585"/>
       </p:ext>
     </p:extLst>
   </p:cSld>
@@ -6558,7 +6504,7 @@
           <p:cNvPr id="5" name="Object 4" hidden="1">
             <a:extLst>
               <a:ext uri="{FF2B5EF4-FFF2-40B4-BE49-F238E27FC236}">
-                <a16:creationId xmlns:a16="http://schemas.microsoft.com/office/drawing/2014/main" id="{33E6C5F2-21FA-3B43-8238-C7A6526FA547}"/>
+                <a16:creationId xmlns:a16="http://schemas.microsoft.com/office/drawing/2014/main" id="{77D40EC7-4FD9-9F4E-878C-6D2ABAB495C8}"/>
               </a:ext>
             </a:extLst>
           </p:cNvPr>
@@ -6571,7 +6517,7 @@
             </p:custDataLst>
             <p:extLst>
               <p:ext uri="{D42A27DB-BD31-4B8C-83A1-F6EECF244321}">
-                <p14:modId xmlns:p14="http://schemas.microsoft.com/office/powerpoint/2010/main" val="4290099923"/>
+                <p14:modId xmlns:p14="http://schemas.microsoft.com/office/powerpoint/2010/main" val="1657819831"/>
               </p:ext>
             </p:extLst>
           </p:nvPr>
@@ -6584,156 +6530,7 @@
           <a:graphicData uri="http://schemas.openxmlformats.org/presentationml/2006/ole">
             <mc:AlternateContent xmlns:mc="http://schemas.openxmlformats.org/markup-compatibility/2006">
               <mc:Choice xmlns:v="urn:schemas-microsoft-com:vml" Requires="v">
-                <p:oleObj spid="_x0000_s25655" name="think-cell Slide" r:id="rId5" imgW="7772400" imgH="10058400" progId="TCLayout.ActiveDocument.1">
-                  <p:embed/>
-                </p:oleObj>
-              </mc:Choice>
-              <mc:Fallback>
-                <p:oleObj name="think-cell Slide" r:id="rId5" imgW="7772400" imgH="10058400" progId="TCLayout.ActiveDocument.1">
-                  <p:embed/>
-                  <p:pic>
-                    <p:nvPicPr>
-                      <p:cNvPr id="0" name=""/>
-                      <p:cNvPicPr/>
-                      <p:nvPr/>
-                    </p:nvPicPr>
-                    <p:blipFill>
-                      <a:blip r:embed="rId6"/>
-                      <a:stretch>
-                        <a:fillRect/>
-                      </a:stretch>
-                    </p:blipFill>
-                    <p:spPr>
-                      <a:xfrm>
-                        <a:off x="1588" y="1588"/>
-                        <a:ext cx="1227" cy="1588"/>
-                      </a:xfrm>
-                      <a:prstGeom prst="rect">
-                        <a:avLst/>
-                      </a:prstGeom>
-                    </p:spPr>
-                  </p:pic>
-                </p:oleObj>
-              </mc:Fallback>
-            </mc:AlternateContent>
-          </a:graphicData>
-        </a:graphic>
-      </p:graphicFrame>
-      <p:sp>
-        <p:nvSpPr>
-          <p:cNvPr id="2" name="Title 1">
-            <a:extLst>
-              <a:ext uri="{FF2B5EF4-FFF2-40B4-BE49-F238E27FC236}">
-                <a16:creationId xmlns:a16="http://schemas.microsoft.com/office/drawing/2014/main" id="{5A8D1E36-2FA5-4247-96C0-895D0FA4CADC}"/>
-              </a:ext>
-            </a:extLst>
-          </p:cNvPr>
-          <p:cNvSpPr>
-            <a:spLocks noGrp="1"/>
-          </p:cNvSpPr>
-          <p:nvPr>
-            <p:ph type="title"/>
-          </p:nvPr>
-        </p:nvSpPr>
-        <p:spPr/>
-        <p:txBody>
-          <a:bodyPr vert="horz"/>
-          <a:lstStyle/>
-          <a:p>
-            <a:r>
-              <a:rPr lang="en-US" dirty="0"/>
-              <a:t>[Me playing]</a:t>
-            </a:r>
-          </a:p>
-        </p:txBody>
-      </p:sp>
-      <p:sp>
-        <p:nvSpPr>
-          <p:cNvPr id="3" name="Content Placeholder 2">
-            <a:extLst>
-              <a:ext uri="{FF2B5EF4-FFF2-40B4-BE49-F238E27FC236}">
-                <a16:creationId xmlns:a16="http://schemas.microsoft.com/office/drawing/2014/main" id="{EBFC42FB-4EEA-3449-9A05-78934A62ADB1}"/>
-              </a:ext>
-            </a:extLst>
-          </p:cNvPr>
-          <p:cNvSpPr>
-            <a:spLocks noGrp="1"/>
-          </p:cNvSpPr>
-          <p:nvPr>
-            <p:ph idx="1"/>
-          </p:nvPr>
-        </p:nvSpPr>
-        <p:spPr/>
-        <p:txBody>
-          <a:bodyPr/>
-          <a:lstStyle/>
-          <a:p>
-            <a:endParaRPr lang="en-US"/>
-          </a:p>
-        </p:txBody>
-      </p:sp>
-    </p:spTree>
-    <p:extLst>
-      <p:ext uri="{BB962C8B-B14F-4D97-AF65-F5344CB8AC3E}">
-        <p14:creationId xmlns:p14="http://schemas.microsoft.com/office/powerpoint/2010/main" val="2727788585"/>
-      </p:ext>
-    </p:extLst>
-  </p:cSld>
-  <p:clrMapOvr>
-    <a:masterClrMapping/>
-  </p:clrMapOvr>
-</p:sld>
-</file>
-
-<file path=ppt/slides/slide12.xml><?xml version="1.0" encoding="utf-8"?>
-<p:sld xmlns:a="http://schemas.openxmlformats.org/drawingml/2006/main" xmlns:r="http://schemas.openxmlformats.org/officeDocument/2006/relationships" xmlns:p="http://schemas.openxmlformats.org/presentationml/2006/main">
-  <p:cSld>
-    <p:spTree>
-      <p:nvGrpSpPr>
-        <p:cNvPr id="1" name=""/>
-        <p:cNvGrpSpPr/>
-        <p:nvPr/>
-      </p:nvGrpSpPr>
-      <p:grpSpPr>
-        <a:xfrm>
-          <a:off x="0" y="0"/>
-          <a:ext cx="0" cy="0"/>
-          <a:chOff x="0" y="0"/>
-          <a:chExt cx="0" cy="0"/>
-        </a:xfrm>
-      </p:grpSpPr>
-      <p:graphicFrame>
-        <p:nvGraphicFramePr>
-          <p:cNvPr id="5" name="Object 4" hidden="1">
-            <a:extLst>
-              <a:ext uri="{FF2B5EF4-FFF2-40B4-BE49-F238E27FC236}">
-                <a16:creationId xmlns:a16="http://schemas.microsoft.com/office/drawing/2014/main" id="{77D40EC7-4FD9-9F4E-878C-6D2ABAB495C8}"/>
-              </a:ext>
-            </a:extLst>
-          </p:cNvPr>
-          <p:cNvGraphicFramePr>
-            <a:graphicFrameLocks noChangeAspect="1"/>
-          </p:cNvGraphicFramePr>
-          <p:nvPr>
-            <p:custDataLst>
-              <p:tags r:id="rId2"/>
-            </p:custDataLst>
-            <p:extLst>
-              <p:ext uri="{D42A27DB-BD31-4B8C-83A1-F6EECF244321}">
-                <p14:modId xmlns:p14="http://schemas.microsoft.com/office/powerpoint/2010/main" val="1657819831"/>
-              </p:ext>
-            </p:extLst>
-          </p:nvPr>
-        </p:nvGraphicFramePr>
-        <p:xfrm>
-          <a:off x="1588" y="1588"/>
-          <a:ext cx="1227" cy="1588"/>
-        </p:xfrm>
-        <a:graphic>
-          <a:graphicData uri="http://schemas.openxmlformats.org/presentationml/2006/ole">
-            <mc:AlternateContent xmlns:mc="http://schemas.openxmlformats.org/markup-compatibility/2006">
-              <mc:Choice xmlns:v="urn:schemas-microsoft-com:vml" Requires="v">
-                <p:oleObj spid="_x0000_s14458" name="think-cell Slide" r:id="rId5" imgW="7772400" imgH="10058400" progId="TCLayout.ActiveDocument.1">
+                <p:oleObj spid="_x0000_s14460" name="think-cell Slide" r:id="rId5" imgW="7772400" imgH="10058400" progId="TCLayout.ActiveDocument.1">
                   <p:embed/>
                 </p:oleObj>
               </mc:Choice>
@@ -7598,7 +7395,7 @@
 </p:sld>
 </file>
 
-<file path=ppt/slides/slide13.xml><?xml version="1.0" encoding="utf-8"?>
+<file path=ppt/slides/slide12.xml><?xml version="1.0" encoding="utf-8"?>
 <p:sld xmlns:a="http://schemas.openxmlformats.org/drawingml/2006/main" xmlns:r="http://schemas.openxmlformats.org/officeDocument/2006/relationships" xmlns:p="http://schemas.openxmlformats.org/presentationml/2006/main">
   <p:cSld>
     <p:spTree>
@@ -7646,7 +7443,7 @@
           <a:graphicData uri="http://schemas.openxmlformats.org/presentationml/2006/ole">
             <mc:AlternateContent xmlns:mc="http://schemas.openxmlformats.org/markup-compatibility/2006">
               <mc:Choice xmlns:v="urn:schemas-microsoft-com:vml" Requires="v">
-                <p:oleObj spid="_x0000_s6284" name="think-cell Slide" r:id="rId5" imgW="7772400" imgH="10058400" progId="TCLayout.ActiveDocument.1">
+                <p:oleObj spid="_x0000_s6286" name="think-cell Slide" r:id="rId5" imgW="7772400" imgH="10058400" progId="TCLayout.ActiveDocument.1">
                   <p:embed/>
                 </p:oleObj>
               </mc:Choice>
@@ -7747,7 +7544,7 @@
 </p:sld>
 </file>
 
-<file path=ppt/slides/slide14.xml><?xml version="1.0" encoding="utf-8"?>
+<file path=ppt/slides/slide13.xml><?xml version="1.0" encoding="utf-8"?>
 <p:sld xmlns:a="http://schemas.openxmlformats.org/drawingml/2006/main" xmlns:r="http://schemas.openxmlformats.org/officeDocument/2006/relationships" xmlns:p="http://schemas.openxmlformats.org/presentationml/2006/main">
   <p:cSld>
     <p:spTree>
@@ -7790,7 +7587,7 @@
           <a:graphicData uri="http://schemas.openxmlformats.org/presentationml/2006/ole">
             <mc:AlternateContent xmlns:mc="http://schemas.openxmlformats.org/markup-compatibility/2006">
               <mc:Choice xmlns:v="urn:schemas-microsoft-com:vml" Requires="v">
-                <p:oleObj spid="_x0000_s22589" name="think-cell Slide" r:id="rId4" imgW="7772400" imgH="10058400" progId="TCLayout.ActiveDocument.1">
+                <p:oleObj spid="_x0000_s22591" name="think-cell Slide" r:id="rId4" imgW="7772400" imgH="10058400" progId="TCLayout.ActiveDocument.1">
                   <p:embed/>
                 </p:oleObj>
               </mc:Choice>
@@ -7883,7 +7680,7 @@
 </p:sld>
 </file>
 
-<file path=ppt/slides/slide15.xml><?xml version="1.0" encoding="utf-8"?>
+<file path=ppt/slides/slide14.xml><?xml version="1.0" encoding="utf-8"?>
 <p:sld xmlns:a="http://schemas.openxmlformats.org/drawingml/2006/main" xmlns:r="http://schemas.openxmlformats.org/officeDocument/2006/relationships" xmlns:p="http://schemas.openxmlformats.org/presentationml/2006/main">
   <p:cSld>
     <p:spTree>
@@ -7931,7 +7728,7 @@
           <a:graphicData uri="http://schemas.openxmlformats.org/presentationml/2006/ole">
             <mc:AlternateContent xmlns:mc="http://schemas.openxmlformats.org/markup-compatibility/2006">
               <mc:Choice xmlns:v="urn:schemas-microsoft-com:vml" Requires="v">
-                <p:oleObj spid="_x0000_s7307" name="think-cell Slide" r:id="rId5" imgW="7772400" imgH="10058400" progId="TCLayout.ActiveDocument.1">
+                <p:oleObj spid="_x0000_s7309" name="think-cell Slide" r:id="rId5" imgW="7772400" imgH="10058400" progId="TCLayout.ActiveDocument.1">
                   <p:embed/>
                 </p:oleObj>
               </mc:Choice>
@@ -8038,7 +7835,7 @@
 </p:sld>
 </file>
 
-<file path=ppt/slides/slide16.xml><?xml version="1.0" encoding="utf-8"?>
+<file path=ppt/slides/slide15.xml><?xml version="1.0" encoding="utf-8"?>
 <p:sld xmlns:a="http://schemas.openxmlformats.org/drawingml/2006/main" xmlns:r="http://schemas.openxmlformats.org/officeDocument/2006/relationships" xmlns:p="http://schemas.openxmlformats.org/presentationml/2006/main">
   <p:cSld>
     <p:spTree>
@@ -8086,7 +7883,7 @@
           <a:graphicData uri="http://schemas.openxmlformats.org/presentationml/2006/ole">
             <mc:AlternateContent xmlns:mc="http://schemas.openxmlformats.org/markup-compatibility/2006">
               <mc:Choice xmlns:v="urn:schemas-microsoft-com:vml" Requires="v">
-                <p:oleObj spid="_x0000_s8329" name="think-cell Slide" r:id="rId5" imgW="7772400" imgH="10058400" progId="TCLayout.ActiveDocument.1">
+                <p:oleObj spid="_x0000_s8331" name="think-cell Slide" r:id="rId5" imgW="7772400" imgH="10058400" progId="TCLayout.ActiveDocument.1">
                   <p:embed/>
                 </p:oleObj>
               </mc:Choice>
@@ -8194,7 +7991,7 @@
 </p:sld>
 </file>
 
-<file path=ppt/slides/slide17.xml><?xml version="1.0" encoding="utf-8"?>
+<file path=ppt/slides/slide16.xml><?xml version="1.0" encoding="utf-8"?>
 <p:sld xmlns:a="http://schemas.openxmlformats.org/drawingml/2006/main" xmlns:r="http://schemas.openxmlformats.org/officeDocument/2006/relationships" xmlns:p="http://schemas.openxmlformats.org/presentationml/2006/main">
   <p:cSld>
     <p:spTree>
@@ -8242,7 +8039,7 @@
           <a:graphicData uri="http://schemas.openxmlformats.org/presentationml/2006/ole">
             <mc:AlternateContent xmlns:mc="http://schemas.openxmlformats.org/markup-compatibility/2006">
               <mc:Choice xmlns:v="urn:schemas-microsoft-com:vml" Requires="v">
-                <p:oleObj spid="_x0000_s9353" name="think-cell Slide" r:id="rId5" imgW="7772400" imgH="10058400" progId="TCLayout.ActiveDocument.1">
+                <p:oleObj spid="_x0000_s9355" name="think-cell Slide" r:id="rId5" imgW="7772400" imgH="10058400" progId="TCLayout.ActiveDocument.1">
                   <p:embed/>
                 </p:oleObj>
               </mc:Choice>
@@ -8372,7 +8169,7 @@
 </p:sld>
 </file>
 
-<file path=ppt/slides/slide18.xml><?xml version="1.0" encoding="utf-8"?>
+<file path=ppt/slides/slide17.xml><?xml version="1.0" encoding="utf-8"?>
 <p:sld xmlns:a="http://schemas.openxmlformats.org/drawingml/2006/main" xmlns:r="http://schemas.openxmlformats.org/officeDocument/2006/relationships" xmlns:p="http://schemas.openxmlformats.org/presentationml/2006/main">
   <p:cSld>
     <p:spTree>
@@ -8420,7 +8217,7 @@
           <a:graphicData uri="http://schemas.openxmlformats.org/presentationml/2006/ole">
             <mc:AlternateContent xmlns:mc="http://schemas.openxmlformats.org/markup-compatibility/2006">
               <mc:Choice xmlns:v="urn:schemas-microsoft-com:vml" Requires="v">
-                <p:oleObj spid="_x0000_s11395" name="think-cell Slide" r:id="rId5" imgW="7772400" imgH="10058400" progId="TCLayout.ActiveDocument.1">
+                <p:oleObj spid="_x0000_s11397" name="think-cell Slide" r:id="rId5" imgW="7772400" imgH="10058400" progId="TCLayout.ActiveDocument.1">
                   <p:embed/>
                 </p:oleObj>
               </mc:Choice>
@@ -8529,7 +8326,7 @@
 </p:sld>
 </file>
 
-<file path=ppt/slides/slide19.xml><?xml version="1.0" encoding="utf-8"?>
+<file path=ppt/slides/slide18.xml><?xml version="1.0" encoding="utf-8"?>
 <p:sld xmlns:a="http://schemas.openxmlformats.org/drawingml/2006/main" xmlns:r="http://schemas.openxmlformats.org/officeDocument/2006/relationships" xmlns:p="http://schemas.openxmlformats.org/presentationml/2006/main">
   <p:cSld>
     <p:spTree>
@@ -8577,7 +8374,7 @@
           <a:graphicData uri="http://schemas.openxmlformats.org/presentationml/2006/ole">
             <mc:AlternateContent xmlns:mc="http://schemas.openxmlformats.org/markup-compatibility/2006">
               <mc:Choice xmlns:v="urn:schemas-microsoft-com:vml" Requires="v">
-                <p:oleObj spid="_x0000_s12420" name="think-cell Slide" r:id="rId5" imgW="7772400" imgH="10058400" progId="TCLayout.ActiveDocument.1">
+                <p:oleObj spid="_x0000_s12422" name="think-cell Slide" r:id="rId5" imgW="7772400" imgH="10058400" progId="TCLayout.ActiveDocument.1">
                   <p:embed/>
                 </p:oleObj>
               </mc:Choice>
@@ -8924,1064 +8721,7 @@
 </p:sld>
 </file>
 
-<file path=ppt/slides/slide2.xml><?xml version="1.0" encoding="utf-8"?>
-<p:sld xmlns:a="http://schemas.openxmlformats.org/drawingml/2006/main" xmlns:r="http://schemas.openxmlformats.org/officeDocument/2006/relationships" xmlns:p="http://schemas.openxmlformats.org/presentationml/2006/main">
-  <p:cSld>
-    <p:spTree>
-      <p:nvGrpSpPr>
-        <p:cNvPr id="1" name=""/>
-        <p:cNvGrpSpPr/>
-        <p:nvPr/>
-      </p:nvGrpSpPr>
-      <p:grpSpPr>
-        <a:xfrm>
-          <a:off x="0" y="0"/>
-          <a:ext cx="0" cy="0"/>
-          <a:chOff x="0" y="0"/>
-          <a:chExt cx="0" cy="0"/>
-        </a:xfrm>
-      </p:grpSpPr>
-      <p:pic>
-        <p:nvPicPr>
-          <p:cNvPr id="1026" name="Picture 2" descr="Image result for qwop">
-            <a:extLst>
-              <a:ext uri="{FF2B5EF4-FFF2-40B4-BE49-F238E27FC236}">
-                <a16:creationId xmlns:a16="http://schemas.microsoft.com/office/drawing/2014/main" id="{A0EB455B-631D-4F63-B56B-2036A683F27A}"/>
-              </a:ext>
-            </a:extLst>
-          </p:cNvPr>
-          <p:cNvPicPr>
-            <a:picLocks noChangeAspect="1" noChangeArrowheads="1"/>
-          </p:cNvPicPr>
-          <p:nvPr/>
-        </p:nvPicPr>
-        <p:blipFill>
-          <a:blip r:embed="rId3">
-            <a:extLst>
-              <a:ext uri="{28A0092B-C50C-407E-A947-70E740481C1C}">
-                <a14:useLocalDpi xmlns:a14="http://schemas.microsoft.com/office/drawing/2010/main" val="0"/>
-              </a:ext>
-            </a:extLst>
-          </a:blip>
-          <a:srcRect/>
-          <a:stretch>
-            <a:fillRect/>
-          </a:stretch>
-        </p:blipFill>
-        <p:spPr bwMode="auto">
-          <a:xfrm>
-            <a:off x="236171" y="1902955"/>
-            <a:ext cx="2374265" cy="1494797"/>
-          </a:xfrm>
-          <a:prstGeom prst="rect">
-            <a:avLst/>
-          </a:prstGeom>
-          <a:noFill/>
-          <a:extLst>
-            <a:ext uri="{909E8E84-426E-40DD-AFC4-6F175D3DCCD1}">
-              <a14:hiddenFill xmlns:a14="http://schemas.microsoft.com/office/drawing/2010/main">
-                <a:solidFill>
-                  <a:srgbClr val="FFFFFF"/>
-                </a:solidFill>
-              </a14:hiddenFill>
-            </a:ext>
-          </a:extLst>
-        </p:spPr>
-      </p:pic>
-      <p:sp>
-        <p:nvSpPr>
-          <p:cNvPr id="8" name="TextBox 7">
-            <a:extLst>
-              <a:ext uri="{FF2B5EF4-FFF2-40B4-BE49-F238E27FC236}">
-                <a16:creationId xmlns:a16="http://schemas.microsoft.com/office/drawing/2014/main" id="{928A94BB-3650-49D5-9507-1E9291DED139}"/>
-              </a:ext>
-            </a:extLst>
-          </p:cNvPr>
-          <p:cNvSpPr txBox="1"/>
-          <p:nvPr/>
-        </p:nvSpPr>
-        <p:spPr>
-          <a:xfrm>
-            <a:off x="590606" y="3770084"/>
-            <a:ext cx="1917877" cy="456359"/>
-          </a:xfrm>
-          <a:prstGeom prst="rect">
-            <a:avLst/>
-          </a:prstGeom>
-          <a:noFill/>
-        </p:spPr>
-        <p:txBody>
-          <a:bodyPr wrap="square" rtlCol="0">
-            <a:spAutoFit/>
-          </a:bodyPr>
-          <a:lstStyle/>
-          <a:p>
-            <a:pPr algn="ctr"/>
-            <a:r>
-              <a:rPr lang="en-US" sz="2000" dirty="0">
-                <a:latin typeface="Trebuchet MS" panose="020B0603020202020204" pitchFamily="34" charset="0"/>
-                <a:cs typeface="Aldhabi" panose="020B0604020202020204" pitchFamily="2" charset="-78"/>
-              </a:rPr>
-              <a:t>Game Engine</a:t>
-            </a:r>
-          </a:p>
-        </p:txBody>
-      </p:sp>
-      <p:sp>
-        <p:nvSpPr>
-          <p:cNvPr id="12" name="TextBox 11">
-            <a:extLst>
-              <a:ext uri="{FF2B5EF4-FFF2-40B4-BE49-F238E27FC236}">
-                <a16:creationId xmlns:a16="http://schemas.microsoft.com/office/drawing/2014/main" id="{88744D4B-FE37-49C2-81D1-2A2615C3EC94}"/>
-              </a:ext>
-            </a:extLst>
-          </p:cNvPr>
-          <p:cNvSpPr txBox="1"/>
-          <p:nvPr/>
-        </p:nvSpPr>
-        <p:spPr>
-          <a:xfrm>
-            <a:off x="3491129" y="2430715"/>
-            <a:ext cx="1917877" cy="456359"/>
-          </a:xfrm>
-          <a:prstGeom prst="rect">
-            <a:avLst/>
-          </a:prstGeom>
-          <a:noFill/>
-        </p:spPr>
-        <p:txBody>
-          <a:bodyPr wrap="square" rtlCol="0">
-            <a:spAutoFit/>
-          </a:bodyPr>
-          <a:lstStyle/>
-          <a:p>
-            <a:pPr algn="ctr"/>
-            <a:r>
-              <a:rPr lang="en-US" sz="2000" dirty="0">
-                <a:latin typeface="Trebuchet MS" panose="020B0603020202020204" pitchFamily="34" charset="0"/>
-                <a:cs typeface="Aldhabi" panose="020B0604020202020204" pitchFamily="2" charset="-78"/>
-              </a:rPr>
-              <a:t>Adapter</a:t>
-            </a:r>
-          </a:p>
-        </p:txBody>
-      </p:sp>
-      <p:sp>
-        <p:nvSpPr>
-          <p:cNvPr id="14" name="TextBox 13">
-            <a:extLst>
-              <a:ext uri="{FF2B5EF4-FFF2-40B4-BE49-F238E27FC236}">
-                <a16:creationId xmlns:a16="http://schemas.microsoft.com/office/drawing/2014/main" id="{9D5D4042-5147-4C2E-B602-6431DADEDDC9}"/>
-              </a:ext>
-            </a:extLst>
-          </p:cNvPr>
-          <p:cNvSpPr txBox="1"/>
-          <p:nvPr/>
-        </p:nvSpPr>
-        <p:spPr>
-          <a:xfrm>
-            <a:off x="7317866" y="2071824"/>
-            <a:ext cx="1917877" cy="807503"/>
-          </a:xfrm>
-          <a:prstGeom prst="rect">
-            <a:avLst/>
-          </a:prstGeom>
-          <a:noFill/>
-        </p:spPr>
-        <p:txBody>
-          <a:bodyPr wrap="square" rtlCol="0">
-            <a:spAutoFit/>
-          </a:bodyPr>
-          <a:lstStyle/>
-          <a:p>
-            <a:pPr algn="ctr"/>
-            <a:r>
-              <a:rPr lang="en-US" sz="2000" dirty="0">
-                <a:latin typeface="Trebuchet MS" panose="020B0603020202020204" pitchFamily="34" charset="0"/>
-                <a:cs typeface="Aldhabi" panose="020B0604020202020204" pitchFamily="2" charset="-78"/>
-              </a:rPr>
-              <a:t>Selenium / Chomedriver</a:t>
-            </a:r>
-          </a:p>
-        </p:txBody>
-      </p:sp>
-      <p:sp>
-        <p:nvSpPr>
-          <p:cNvPr id="9" name="Right Brace 8">
-            <a:extLst>
-              <a:ext uri="{FF2B5EF4-FFF2-40B4-BE49-F238E27FC236}">
-                <a16:creationId xmlns:a16="http://schemas.microsoft.com/office/drawing/2014/main" id="{A6C4D8A0-BEAA-4C4E-A97F-2EF492D7759C}"/>
-              </a:ext>
-            </a:extLst>
-          </p:cNvPr>
-          <p:cNvSpPr/>
-          <p:nvPr/>
-        </p:nvSpPr>
-        <p:spPr>
-          <a:xfrm>
-            <a:off x="2947602" y="1441930"/>
-            <a:ext cx="502423" cy="4199976"/>
-          </a:xfrm>
-          <a:prstGeom prst="rightBrace">
-            <a:avLst>
-              <a:gd name="adj1" fmla="val 45832"/>
-              <a:gd name="adj2" fmla="val 50000"/>
-            </a:avLst>
-          </a:prstGeom>
-          <a:ln w="28575"/>
-        </p:spPr>
-        <p:style>
-          <a:lnRef idx="1">
-            <a:schemeClr val="dk1"/>
-          </a:lnRef>
-          <a:fillRef idx="0">
-            <a:schemeClr val="dk1"/>
-          </a:fillRef>
-          <a:effectRef idx="0">
-            <a:schemeClr val="dk1"/>
-          </a:effectRef>
-          <a:fontRef idx="minor">
-            <a:schemeClr val="tx1"/>
-          </a:fontRef>
-        </p:style>
-        <p:txBody>
-          <a:bodyPr rtlCol="0" anchor="ctr"/>
-          <a:lstStyle/>
-          <a:p>
-            <a:pPr algn="ctr"/>
-            <a:endParaRPr lang="en-US" sz="1600"/>
-          </a:p>
-        </p:txBody>
-      </p:sp>
-      <p:sp>
-        <p:nvSpPr>
-          <p:cNvPr id="16" name="TextBox 15">
-            <a:extLst>
-              <a:ext uri="{FF2B5EF4-FFF2-40B4-BE49-F238E27FC236}">
-                <a16:creationId xmlns:a16="http://schemas.microsoft.com/office/drawing/2014/main" id="{2D92F6AA-BFE8-46D4-B005-2EA607A35117}"/>
-              </a:ext>
-            </a:extLst>
-          </p:cNvPr>
-          <p:cNvSpPr txBox="1"/>
-          <p:nvPr/>
-        </p:nvSpPr>
-        <p:spPr>
-          <a:xfrm>
-            <a:off x="464364" y="1390538"/>
-            <a:ext cx="1917877" cy="456359"/>
-          </a:xfrm>
-          <a:prstGeom prst="rect">
-            <a:avLst/>
-          </a:prstGeom>
-          <a:noFill/>
-        </p:spPr>
-        <p:txBody>
-          <a:bodyPr wrap="square" rtlCol="0">
-            <a:spAutoFit/>
-          </a:bodyPr>
-          <a:lstStyle/>
-          <a:p>
-            <a:pPr algn="ctr"/>
-            <a:r>
-              <a:rPr lang="en-US" sz="2000" dirty="0">
-                <a:latin typeface="Trebuchet MS" panose="020B0603020202020204" pitchFamily="34" charset="0"/>
-                <a:cs typeface="Aldhabi" panose="020B0604020202020204" pitchFamily="2" charset="-78"/>
-              </a:rPr>
-              <a:t>Game UI</a:t>
-            </a:r>
-          </a:p>
-        </p:txBody>
-      </p:sp>
-      <p:sp>
-        <p:nvSpPr>
-          <p:cNvPr id="10" name="Arrow: Right 9">
-            <a:extLst>
-              <a:ext uri="{FF2B5EF4-FFF2-40B4-BE49-F238E27FC236}">
-                <a16:creationId xmlns:a16="http://schemas.microsoft.com/office/drawing/2014/main" id="{92261466-2163-476D-B9DE-3FEE91920B78}"/>
-              </a:ext>
-            </a:extLst>
-          </p:cNvPr>
-          <p:cNvSpPr/>
-          <p:nvPr/>
-        </p:nvSpPr>
-        <p:spPr>
-          <a:xfrm>
-            <a:off x="5423120" y="3006936"/>
-            <a:ext cx="1980940" cy="763147"/>
-          </a:xfrm>
-          <a:prstGeom prst="rightArrow">
-            <a:avLst/>
-          </a:prstGeom>
-          <a:solidFill>
-            <a:schemeClr val="accent1">
-              <a:lumMod val="20000"/>
-              <a:lumOff val="80000"/>
-            </a:schemeClr>
-          </a:solidFill>
-          <a:ln>
-            <a:solidFill>
-              <a:schemeClr val="bg1"/>
-            </a:solidFill>
-          </a:ln>
-        </p:spPr>
-        <p:style>
-          <a:lnRef idx="2">
-            <a:schemeClr val="accent1">
-              <a:shade val="50000"/>
-            </a:schemeClr>
-          </a:lnRef>
-          <a:fillRef idx="1">
-            <a:schemeClr val="accent1"/>
-          </a:fillRef>
-          <a:effectRef idx="0">
-            <a:schemeClr val="accent1"/>
-          </a:effectRef>
-          <a:fontRef idx="minor">
-            <a:schemeClr val="lt1"/>
-          </a:fontRef>
-        </p:style>
-        <p:txBody>
-          <a:bodyPr rtlCol="0" anchor="ctr"/>
-          <a:lstStyle/>
-          <a:p>
-            <a:pPr algn="ctr"/>
-            <a:r>
-              <a:rPr lang="en-US" sz="1600" dirty="0">
-                <a:solidFill>
-                  <a:schemeClr val="accent1"/>
-                </a:solidFill>
-                <a:latin typeface="Trebuchet MS" panose="020B0603020202020204" pitchFamily="34" charset="0"/>
-              </a:rPr>
-              <a:t>Game State</a:t>
-            </a:r>
-          </a:p>
-        </p:txBody>
-      </p:sp>
-      <p:sp>
-        <p:nvSpPr>
-          <p:cNvPr id="18" name="Arrow: Right 17">
-            <a:extLst>
-              <a:ext uri="{FF2B5EF4-FFF2-40B4-BE49-F238E27FC236}">
-                <a16:creationId xmlns:a16="http://schemas.microsoft.com/office/drawing/2014/main" id="{C1E57116-AB19-400C-9F1D-A08ADC9BF5BD}"/>
-              </a:ext>
-            </a:extLst>
-          </p:cNvPr>
-          <p:cNvSpPr/>
-          <p:nvPr/>
-        </p:nvSpPr>
-        <p:spPr>
-          <a:xfrm flipH="1">
-            <a:off x="5251286" y="3778324"/>
-            <a:ext cx="1980938" cy="763147"/>
-          </a:xfrm>
-          <a:prstGeom prst="rightArrow">
-            <a:avLst/>
-          </a:prstGeom>
-          <a:solidFill>
-            <a:schemeClr val="accent6">
-              <a:lumMod val="20000"/>
-              <a:lumOff val="80000"/>
-            </a:schemeClr>
-          </a:solidFill>
-          <a:ln>
-            <a:solidFill>
-              <a:schemeClr val="bg1"/>
-            </a:solidFill>
-          </a:ln>
-        </p:spPr>
-        <p:style>
-          <a:lnRef idx="2">
-            <a:schemeClr val="accent1">
-              <a:shade val="50000"/>
-            </a:schemeClr>
-          </a:lnRef>
-          <a:fillRef idx="1">
-            <a:schemeClr val="accent1"/>
-          </a:fillRef>
-          <a:effectRef idx="0">
-            <a:schemeClr val="accent1"/>
-          </a:effectRef>
-          <a:fontRef idx="minor">
-            <a:schemeClr val="lt1"/>
-          </a:fontRef>
-        </p:style>
-        <p:txBody>
-          <a:bodyPr rtlCol="0" anchor="ctr"/>
-          <a:lstStyle/>
-          <a:p>
-            <a:pPr algn="ctr"/>
-            <a:r>
-              <a:rPr lang="en-US" sz="1600" dirty="0">
-                <a:solidFill>
-                  <a:schemeClr val="accent6"/>
-                </a:solidFill>
-                <a:latin typeface="Trebuchet MS" panose="020B0603020202020204" pitchFamily="34" charset="0"/>
-              </a:rPr>
-              <a:t>Actions</a:t>
-            </a:r>
-          </a:p>
-        </p:txBody>
-      </p:sp>
-      <p:sp>
-        <p:nvSpPr>
-          <p:cNvPr id="20" name="Right Brace 19">
-            <a:extLst>
-              <a:ext uri="{FF2B5EF4-FFF2-40B4-BE49-F238E27FC236}">
-                <a16:creationId xmlns:a16="http://schemas.microsoft.com/office/drawing/2014/main" id="{977660E0-A978-4A2E-AA45-F1FE44E4C1EF}"/>
-              </a:ext>
-            </a:extLst>
-          </p:cNvPr>
-          <p:cNvSpPr/>
-          <p:nvPr/>
-        </p:nvSpPr>
-        <p:spPr>
-          <a:xfrm rot="10800000">
-            <a:off x="9359286" y="1441930"/>
-            <a:ext cx="502423" cy="4199976"/>
-          </a:xfrm>
-          <a:prstGeom prst="rightBrace">
-            <a:avLst>
-              <a:gd name="adj1" fmla="val 45832"/>
-              <a:gd name="adj2" fmla="val 50000"/>
-            </a:avLst>
-          </a:prstGeom>
-          <a:ln w="28575"/>
-        </p:spPr>
-        <p:style>
-          <a:lnRef idx="1">
-            <a:schemeClr val="dk1"/>
-          </a:lnRef>
-          <a:fillRef idx="0">
-            <a:schemeClr val="dk1"/>
-          </a:fillRef>
-          <a:effectRef idx="0">
-            <a:schemeClr val="dk1"/>
-          </a:effectRef>
-          <a:fontRef idx="minor">
-            <a:schemeClr val="tx1"/>
-          </a:fontRef>
-        </p:style>
-        <p:txBody>
-          <a:bodyPr rtlCol="0" anchor="ctr"/>
-          <a:lstStyle/>
-          <a:p>
-            <a:pPr algn="ctr"/>
-            <a:endParaRPr lang="en-US" sz="1600"/>
-          </a:p>
-        </p:txBody>
-      </p:sp>
-      <p:pic>
-        <p:nvPicPr>
-          <p:cNvPr id="21" name="Graphic 20">
-            <a:extLst>
-              <a:ext uri="{FF2B5EF4-FFF2-40B4-BE49-F238E27FC236}">
-                <a16:creationId xmlns:a16="http://schemas.microsoft.com/office/drawing/2014/main" id="{8A1A94EB-9D11-4929-986C-CC9EFBC29C60}"/>
-              </a:ext>
-            </a:extLst>
-          </p:cNvPr>
-          <p:cNvPicPr>
-            <a:picLocks noChangeAspect="1"/>
-          </p:cNvPicPr>
-          <p:nvPr/>
-        </p:nvPicPr>
-        <p:blipFill>
-          <a:blip r:embed="rId4">
-            <a:extLst>
-              <a:ext uri="{28A0092B-C50C-407E-A947-70E740481C1C}">
-                <a14:useLocalDpi xmlns:a14="http://schemas.microsoft.com/office/drawing/2010/main" val="0"/>
-              </a:ext>
-              <a:ext uri="{96DAC541-7B7A-43D3-8B79-37D633B846F1}">
-                <asvg:svgBlip xmlns:asvg="http://schemas.microsoft.com/office/drawing/2016/SVG/main" r:embed="rId5"/>
-              </a:ext>
-            </a:extLst>
-          </a:blip>
-          <a:stretch>
-            <a:fillRect/>
-          </a:stretch>
-        </p:blipFill>
-        <p:spPr>
-          <a:xfrm>
-            <a:off x="1041105" y="4321064"/>
-            <a:ext cx="1016877" cy="1355836"/>
-          </a:xfrm>
-          <a:prstGeom prst="rect">
-            <a:avLst/>
-          </a:prstGeom>
-        </p:spPr>
-      </p:pic>
-      <p:pic>
-        <p:nvPicPr>
-          <p:cNvPr id="28" name="Graphic 27">
-            <a:extLst>
-              <a:ext uri="{FF2B5EF4-FFF2-40B4-BE49-F238E27FC236}">
-                <a16:creationId xmlns:a16="http://schemas.microsoft.com/office/drawing/2014/main" id="{8BFC41F6-1A21-4974-B9DB-459E3AF1ADA9}"/>
-              </a:ext>
-            </a:extLst>
-          </p:cNvPr>
-          <p:cNvPicPr>
-            <a:picLocks noChangeAspect="1"/>
-          </p:cNvPicPr>
-          <p:nvPr/>
-        </p:nvPicPr>
-        <p:blipFill>
-          <a:blip r:embed="rId4">
-            <a:extLst>
-              <a:ext uri="{28A0092B-C50C-407E-A947-70E740481C1C}">
-                <a14:useLocalDpi xmlns:a14="http://schemas.microsoft.com/office/drawing/2010/main" val="0"/>
-              </a:ext>
-              <a:ext uri="{96DAC541-7B7A-43D3-8B79-37D633B846F1}">
-                <asvg:svgBlip xmlns:asvg="http://schemas.microsoft.com/office/drawing/2016/SVG/main" r:embed="rId5"/>
-              </a:ext>
-            </a:extLst>
-          </a:blip>
-          <a:stretch>
-            <a:fillRect/>
-          </a:stretch>
-        </p:blipFill>
-        <p:spPr>
-          <a:xfrm>
-            <a:off x="3937068" y="3006936"/>
-            <a:ext cx="1016877" cy="1355836"/>
-          </a:xfrm>
-          <a:prstGeom prst="rect">
-            <a:avLst/>
-          </a:prstGeom>
-        </p:spPr>
-      </p:pic>
-      <p:pic>
-        <p:nvPicPr>
-          <p:cNvPr id="31" name="Graphic 30">
-            <a:extLst>
-              <a:ext uri="{FF2B5EF4-FFF2-40B4-BE49-F238E27FC236}">
-                <a16:creationId xmlns:a16="http://schemas.microsoft.com/office/drawing/2014/main" id="{9F73238E-CE7D-4801-ACD6-E0C0112D53AF}"/>
-              </a:ext>
-            </a:extLst>
-          </p:cNvPr>
-          <p:cNvPicPr>
-            <a:picLocks noChangeAspect="1"/>
-          </p:cNvPicPr>
-          <p:nvPr/>
-        </p:nvPicPr>
-        <p:blipFill>
-          <a:blip r:embed="rId6">
-            <a:extLst>
-              <a:ext uri="{28A0092B-C50C-407E-A947-70E740481C1C}">
-                <a14:useLocalDpi xmlns:a14="http://schemas.microsoft.com/office/drawing/2010/main" val="0"/>
-              </a:ext>
-              <a:ext uri="{96DAC541-7B7A-43D3-8B79-37D633B846F1}">
-                <asvg:svgBlip xmlns:asvg="http://schemas.microsoft.com/office/drawing/2016/SVG/main" r:embed="rId7"/>
-              </a:ext>
-            </a:extLst>
-          </a:blip>
-          <a:stretch>
-            <a:fillRect/>
-          </a:stretch>
-        </p:blipFill>
-        <p:spPr>
-          <a:xfrm>
-            <a:off x="10636165" y="4321064"/>
-            <a:ext cx="1016877" cy="1355836"/>
-          </a:xfrm>
-          <a:prstGeom prst="rect">
-            <a:avLst/>
-          </a:prstGeom>
-        </p:spPr>
-      </p:pic>
-      <p:sp>
-        <p:nvSpPr>
-          <p:cNvPr id="32" name="TextBox 31">
-            <a:extLst>
-              <a:ext uri="{FF2B5EF4-FFF2-40B4-BE49-F238E27FC236}">
-                <a16:creationId xmlns:a16="http://schemas.microsoft.com/office/drawing/2014/main" id="{782C6392-7EAB-4747-A4A9-55A001C9E153}"/>
-              </a:ext>
-            </a:extLst>
-          </p:cNvPr>
-          <p:cNvSpPr txBox="1"/>
-          <p:nvPr/>
-        </p:nvSpPr>
-        <p:spPr>
-          <a:xfrm>
-            <a:off x="10185665" y="3770084"/>
-            <a:ext cx="1917877" cy="456359"/>
-          </a:xfrm>
-          <a:prstGeom prst="rect">
-            <a:avLst/>
-          </a:prstGeom>
-          <a:noFill/>
-        </p:spPr>
-        <p:txBody>
-          <a:bodyPr wrap="square" rtlCol="0">
-            <a:spAutoFit/>
-          </a:bodyPr>
-          <a:lstStyle/>
-          <a:p>
-            <a:pPr algn="ctr"/>
-            <a:r>
-              <a:rPr lang="en-US" sz="2000" dirty="0">
-                <a:latin typeface="Trebuchet MS" panose="020B0603020202020204" pitchFamily="34" charset="0"/>
-                <a:cs typeface="Aldhabi" panose="020B0604020202020204" pitchFamily="2" charset="-78"/>
-              </a:rPr>
-              <a:t>RL Agent</a:t>
-            </a:r>
-          </a:p>
-        </p:txBody>
-      </p:sp>
-      <p:pic>
-        <p:nvPicPr>
-          <p:cNvPr id="33" name="Graphic 32">
-            <a:extLst>
-              <a:ext uri="{FF2B5EF4-FFF2-40B4-BE49-F238E27FC236}">
-                <a16:creationId xmlns:a16="http://schemas.microsoft.com/office/drawing/2014/main" id="{A09DEFBC-75F3-407C-96F8-F2D10ACEF292}"/>
-              </a:ext>
-            </a:extLst>
-          </p:cNvPr>
-          <p:cNvPicPr>
-            <a:picLocks noChangeAspect="1"/>
-          </p:cNvPicPr>
-          <p:nvPr/>
-        </p:nvPicPr>
-        <p:blipFill>
-          <a:blip r:embed="rId6">
-            <a:extLst>
-              <a:ext uri="{28A0092B-C50C-407E-A947-70E740481C1C}">
-                <a14:useLocalDpi xmlns:a14="http://schemas.microsoft.com/office/drawing/2010/main" val="0"/>
-              </a:ext>
-              <a:ext uri="{96DAC541-7B7A-43D3-8B79-37D633B846F1}">
-                <asvg:svgBlip xmlns:asvg="http://schemas.microsoft.com/office/drawing/2016/SVG/main" r:embed="rId7"/>
-              </a:ext>
-            </a:extLst>
-          </a:blip>
-          <a:stretch>
-            <a:fillRect/>
-          </a:stretch>
-        </p:blipFill>
-        <p:spPr>
-          <a:xfrm>
-            <a:off x="10611946" y="2051909"/>
-            <a:ext cx="1016877" cy="1355836"/>
-          </a:xfrm>
-          <a:prstGeom prst="rect">
-            <a:avLst/>
-          </a:prstGeom>
-        </p:spPr>
-      </p:pic>
-      <p:sp>
-        <p:nvSpPr>
-          <p:cNvPr id="34" name="TextBox 33">
-            <a:extLst>
-              <a:ext uri="{FF2B5EF4-FFF2-40B4-BE49-F238E27FC236}">
-                <a16:creationId xmlns:a16="http://schemas.microsoft.com/office/drawing/2014/main" id="{9A61FF11-D4EB-4EFD-8029-92E31B5DE405}"/>
-              </a:ext>
-            </a:extLst>
-          </p:cNvPr>
-          <p:cNvSpPr txBox="1"/>
-          <p:nvPr/>
-        </p:nvSpPr>
-        <p:spPr>
-          <a:xfrm>
-            <a:off x="9828241" y="1500928"/>
-            <a:ext cx="2584287" cy="456359"/>
-          </a:xfrm>
-          <a:prstGeom prst="rect">
-            <a:avLst/>
-          </a:prstGeom>
-          <a:noFill/>
-        </p:spPr>
-        <p:txBody>
-          <a:bodyPr wrap="square" rtlCol="0">
-            <a:spAutoFit/>
-          </a:bodyPr>
-          <a:lstStyle/>
-          <a:p>
-            <a:pPr algn="ctr"/>
-            <a:r>
-              <a:rPr lang="en-US" sz="2000" dirty="0">
-                <a:latin typeface="Trebuchet MS" panose="020B0603020202020204" pitchFamily="34" charset="0"/>
-                <a:cs typeface="Aldhabi" panose="020B0604020202020204" pitchFamily="2" charset="-78"/>
-              </a:rPr>
-              <a:t>RL Environment</a:t>
-            </a:r>
-          </a:p>
-        </p:txBody>
-      </p:sp>
-      <p:pic>
-        <p:nvPicPr>
-          <p:cNvPr id="1040" name="Picture 16" descr="Selenium">
-            <a:extLst>
-              <a:ext uri="{FF2B5EF4-FFF2-40B4-BE49-F238E27FC236}">
-                <a16:creationId xmlns:a16="http://schemas.microsoft.com/office/drawing/2014/main" id="{F765E7EB-BEF2-40A2-AEE5-7027D9953864}"/>
-              </a:ext>
-            </a:extLst>
-          </p:cNvPr>
-          <p:cNvPicPr>
-            <a:picLocks noChangeAspect="1" noChangeArrowheads="1"/>
-          </p:cNvPicPr>
-          <p:nvPr/>
-        </p:nvPicPr>
-        <p:blipFill>
-          <a:blip r:embed="rId8">
-            <a:extLst>
-              <a:ext uri="{28A0092B-C50C-407E-A947-70E740481C1C}">
-                <a14:useLocalDpi xmlns:a14="http://schemas.microsoft.com/office/drawing/2010/main" val="0"/>
-              </a:ext>
-            </a:extLst>
-          </a:blip>
-          <a:srcRect/>
-          <a:stretch>
-            <a:fillRect/>
-          </a:stretch>
-        </p:blipFill>
-        <p:spPr bwMode="auto">
-          <a:xfrm>
-            <a:off x="7751245" y="3061818"/>
-            <a:ext cx="1089019" cy="1138016"/>
-          </a:xfrm>
-          <a:prstGeom prst="rect">
-            <a:avLst/>
-          </a:prstGeom>
-          <a:noFill/>
-          <a:extLst>
-            <a:ext uri="{909E8E84-426E-40DD-AFC4-6F175D3DCCD1}">
-              <a14:hiddenFill xmlns:a14="http://schemas.microsoft.com/office/drawing/2010/main">
-                <a:solidFill>
-                  <a:srgbClr val="FFFFFF"/>
-                </a:solidFill>
-              </a14:hiddenFill>
-            </a:ext>
-          </a:extLst>
-        </p:spPr>
-      </p:pic>
-    </p:spTree>
-    <p:extLst>
-      <p:ext uri="{BB962C8B-B14F-4D97-AF65-F5344CB8AC3E}">
-        <p14:creationId xmlns:p14="http://schemas.microsoft.com/office/powerpoint/2010/main" val="2365493292"/>
-      </p:ext>
-    </p:extLst>
-  </p:cSld>
-  <p:clrMapOvr>
-    <a:masterClrMapping/>
-  </p:clrMapOvr>
-  <p:timing>
-    <p:tnLst>
-      <p:par>
-        <p:cTn id="1" dur="indefinite" restart="never" nodeType="tmRoot">
-          <p:childTnLst>
-            <p:seq concurrent="1" nextAc="seek">
-              <p:cTn id="2" dur="indefinite" nodeType="mainSeq">
-                <p:childTnLst>
-                  <p:par>
-                    <p:cTn id="3" fill="hold">
-                      <p:stCondLst>
-                        <p:cond delay="indefinite"/>
-                      </p:stCondLst>
-                      <p:childTnLst>
-                        <p:par>
-                          <p:cTn id="4" fill="hold">
-                            <p:stCondLst>
-                              <p:cond delay="0"/>
-                            </p:stCondLst>
-                            <p:childTnLst>
-                              <p:par>
-                                <p:cTn id="5" presetID="1" presetClass="entr" presetSubtype="0" fill="hold" grpId="0" nodeType="clickEffect">
-                                  <p:stCondLst>
-                                    <p:cond delay="0"/>
-                                  </p:stCondLst>
-                                  <p:childTnLst>
-                                    <p:set>
-                                      <p:cBhvr>
-                                        <p:cTn id="6" dur="1" fill="hold">
-                                          <p:stCondLst>
-                                            <p:cond delay="0"/>
-                                          </p:stCondLst>
-                                        </p:cTn>
-                                        <p:tgtEl>
-                                          <p:spTgt spid="14"/>
-                                        </p:tgtEl>
-                                        <p:attrNameLst>
-                                          <p:attrName>style.visibility</p:attrName>
-                                        </p:attrNameLst>
-                                      </p:cBhvr>
-                                      <p:to>
-                                        <p:strVal val="visible"/>
-                                      </p:to>
-                                    </p:set>
-                                  </p:childTnLst>
-                                </p:cTn>
-                              </p:par>
-                              <p:par>
-                                <p:cTn id="7" presetID="1" presetClass="entr" presetSubtype="0" fill="hold" grpId="0" nodeType="withEffect">
-                                  <p:stCondLst>
-                                    <p:cond delay="0"/>
-                                  </p:stCondLst>
-                                  <p:childTnLst>
-                                    <p:set>
-                                      <p:cBhvr>
-                                        <p:cTn id="8" dur="1" fill="hold">
-                                          <p:stCondLst>
-                                            <p:cond delay="0"/>
-                                          </p:stCondLst>
-                                        </p:cTn>
-                                        <p:tgtEl>
-                                          <p:spTgt spid="10"/>
-                                        </p:tgtEl>
-                                        <p:attrNameLst>
-                                          <p:attrName>style.visibility</p:attrName>
-                                        </p:attrNameLst>
-                                      </p:cBhvr>
-                                      <p:to>
-                                        <p:strVal val="visible"/>
-                                      </p:to>
-                                    </p:set>
-                                  </p:childTnLst>
-                                </p:cTn>
-                              </p:par>
-                              <p:par>
-                                <p:cTn id="9" presetID="1" presetClass="entr" presetSubtype="0" fill="hold" grpId="0" nodeType="withEffect">
-                                  <p:stCondLst>
-                                    <p:cond delay="0"/>
-                                  </p:stCondLst>
-                                  <p:childTnLst>
-                                    <p:set>
-                                      <p:cBhvr>
-                                        <p:cTn id="10" dur="1" fill="hold">
-                                          <p:stCondLst>
-                                            <p:cond delay="0"/>
-                                          </p:stCondLst>
-                                        </p:cTn>
-                                        <p:tgtEl>
-                                          <p:spTgt spid="18"/>
-                                        </p:tgtEl>
-                                        <p:attrNameLst>
-                                          <p:attrName>style.visibility</p:attrName>
-                                        </p:attrNameLst>
-                                      </p:cBhvr>
-                                      <p:to>
-                                        <p:strVal val="visible"/>
-                                      </p:to>
-                                    </p:set>
-                                  </p:childTnLst>
-                                </p:cTn>
-                              </p:par>
-                              <p:par>
-                                <p:cTn id="11" presetID="1" presetClass="entr" presetSubtype="0" fill="hold" nodeType="withEffect">
-                                  <p:stCondLst>
-                                    <p:cond delay="0"/>
-                                  </p:stCondLst>
-                                  <p:childTnLst>
-                                    <p:set>
-                                      <p:cBhvr>
-                                        <p:cTn id="12" dur="1" fill="hold">
-                                          <p:stCondLst>
-                                            <p:cond delay="0"/>
-                                          </p:stCondLst>
-                                        </p:cTn>
-                                        <p:tgtEl>
-                                          <p:spTgt spid="1040"/>
-                                        </p:tgtEl>
-                                        <p:attrNameLst>
-                                          <p:attrName>style.visibility</p:attrName>
-                                        </p:attrNameLst>
-                                      </p:cBhvr>
-                                      <p:to>
-                                        <p:strVal val="visible"/>
-                                      </p:to>
-                                    </p:set>
-                                  </p:childTnLst>
-                                </p:cTn>
-                              </p:par>
-                            </p:childTnLst>
-                          </p:cTn>
-                        </p:par>
-                      </p:childTnLst>
-                    </p:cTn>
-                  </p:par>
-                  <p:par>
-                    <p:cTn id="13" fill="hold">
-                      <p:stCondLst>
-                        <p:cond delay="indefinite"/>
-                      </p:stCondLst>
-                      <p:childTnLst>
-                        <p:par>
-                          <p:cTn id="14" fill="hold">
-                            <p:stCondLst>
-                              <p:cond delay="0"/>
-                            </p:stCondLst>
-                            <p:childTnLst>
-                              <p:par>
-                                <p:cTn id="15" presetID="1" presetClass="entr" presetSubtype="0" fill="hold" grpId="0" nodeType="clickEffect">
-                                  <p:stCondLst>
-                                    <p:cond delay="0"/>
-                                  </p:stCondLst>
-                                  <p:childTnLst>
-                                    <p:set>
-                                      <p:cBhvr>
-                                        <p:cTn id="16" dur="1" fill="hold">
-                                          <p:stCondLst>
-                                            <p:cond delay="0"/>
-                                          </p:stCondLst>
-                                        </p:cTn>
-                                        <p:tgtEl>
-                                          <p:spTgt spid="20"/>
-                                        </p:tgtEl>
-                                        <p:attrNameLst>
-                                          <p:attrName>style.visibility</p:attrName>
-                                        </p:attrNameLst>
-                                      </p:cBhvr>
-                                      <p:to>
-                                        <p:strVal val="visible"/>
-                                      </p:to>
-                                    </p:set>
-                                  </p:childTnLst>
-                                </p:cTn>
-                              </p:par>
-                              <p:par>
-                                <p:cTn id="17" presetID="1" presetClass="entr" presetSubtype="0" fill="hold" nodeType="withEffect">
-                                  <p:stCondLst>
-                                    <p:cond delay="0"/>
-                                  </p:stCondLst>
-                                  <p:childTnLst>
-                                    <p:set>
-                                      <p:cBhvr>
-                                        <p:cTn id="18" dur="1" fill="hold">
-                                          <p:stCondLst>
-                                            <p:cond delay="0"/>
-                                          </p:stCondLst>
-                                        </p:cTn>
-                                        <p:tgtEl>
-                                          <p:spTgt spid="31"/>
-                                        </p:tgtEl>
-                                        <p:attrNameLst>
-                                          <p:attrName>style.visibility</p:attrName>
-                                        </p:attrNameLst>
-                                      </p:cBhvr>
-                                      <p:to>
-                                        <p:strVal val="visible"/>
-                                      </p:to>
-                                    </p:set>
-                                  </p:childTnLst>
-                                </p:cTn>
-                              </p:par>
-                              <p:par>
-                                <p:cTn id="19" presetID="1" presetClass="entr" presetSubtype="0" fill="hold" grpId="0" nodeType="withEffect">
-                                  <p:stCondLst>
-                                    <p:cond delay="0"/>
-                                  </p:stCondLst>
-                                  <p:childTnLst>
-                                    <p:set>
-                                      <p:cBhvr>
-                                        <p:cTn id="20" dur="1" fill="hold">
-                                          <p:stCondLst>
-                                            <p:cond delay="0"/>
-                                          </p:stCondLst>
-                                        </p:cTn>
-                                        <p:tgtEl>
-                                          <p:spTgt spid="32"/>
-                                        </p:tgtEl>
-                                        <p:attrNameLst>
-                                          <p:attrName>style.visibility</p:attrName>
-                                        </p:attrNameLst>
-                                      </p:cBhvr>
-                                      <p:to>
-                                        <p:strVal val="visible"/>
-                                      </p:to>
-                                    </p:set>
-                                  </p:childTnLst>
-                                </p:cTn>
-                              </p:par>
-                              <p:par>
-                                <p:cTn id="21" presetID="1" presetClass="entr" presetSubtype="0" fill="hold" nodeType="withEffect">
-                                  <p:stCondLst>
-                                    <p:cond delay="0"/>
-                                  </p:stCondLst>
-                                  <p:childTnLst>
-                                    <p:set>
-                                      <p:cBhvr>
-                                        <p:cTn id="22" dur="1" fill="hold">
-                                          <p:stCondLst>
-                                            <p:cond delay="0"/>
-                                          </p:stCondLst>
-                                        </p:cTn>
-                                        <p:tgtEl>
-                                          <p:spTgt spid="33"/>
-                                        </p:tgtEl>
-                                        <p:attrNameLst>
-                                          <p:attrName>style.visibility</p:attrName>
-                                        </p:attrNameLst>
-                                      </p:cBhvr>
-                                      <p:to>
-                                        <p:strVal val="visible"/>
-                                      </p:to>
-                                    </p:set>
-                                  </p:childTnLst>
-                                </p:cTn>
-                              </p:par>
-                              <p:par>
-                                <p:cTn id="23" presetID="1" presetClass="entr" presetSubtype="0" fill="hold" grpId="0" nodeType="withEffect">
-                                  <p:stCondLst>
-                                    <p:cond delay="0"/>
-                                  </p:stCondLst>
-                                  <p:childTnLst>
-                                    <p:set>
-                                      <p:cBhvr>
-                                        <p:cTn id="24" dur="1" fill="hold">
-                                          <p:stCondLst>
-                                            <p:cond delay="0"/>
-                                          </p:stCondLst>
-                                        </p:cTn>
-                                        <p:tgtEl>
-                                          <p:spTgt spid="34"/>
-                                        </p:tgtEl>
-                                        <p:attrNameLst>
-                                          <p:attrName>style.visibility</p:attrName>
-                                        </p:attrNameLst>
-                                      </p:cBhvr>
-                                      <p:to>
-                                        <p:strVal val="visible"/>
-                                      </p:to>
-                                    </p:set>
-                                  </p:childTnLst>
-                                </p:cTn>
-                              </p:par>
-                            </p:childTnLst>
-                          </p:cTn>
-                        </p:par>
-                      </p:childTnLst>
-                    </p:cTn>
-                  </p:par>
-                </p:childTnLst>
-              </p:cTn>
-              <p:prevCondLst>
-                <p:cond evt="onPrev" delay="0">
-                  <p:tgtEl>
-                    <p:sldTgt/>
-                  </p:tgtEl>
-                </p:cond>
-              </p:prevCondLst>
-              <p:nextCondLst>
-                <p:cond evt="onNext" delay="0">
-                  <p:tgtEl>
-                    <p:sldTgt/>
-                  </p:tgtEl>
-                </p:cond>
-              </p:nextCondLst>
-            </p:seq>
-          </p:childTnLst>
-        </p:cTn>
-      </p:par>
-    </p:tnLst>
-    <p:bldLst>
-      <p:bldP spid="14" grpId="0"/>
-      <p:bldP spid="10" grpId="0" animBg="1"/>
-      <p:bldP spid="18" grpId="0" animBg="1"/>
-      <p:bldP spid="20" grpId="0" animBg="1"/>
-      <p:bldP spid="32" grpId="0"/>
-      <p:bldP spid="34" grpId="0"/>
-    </p:bldLst>
-  </p:timing>
-</p:sld>
-</file>
-
-<file path=ppt/slides/slide20.xml><?xml version="1.0" encoding="utf-8"?>
+<file path=ppt/slides/slide19.xml><?xml version="1.0" encoding="utf-8"?>
 <p:sld xmlns:a="http://schemas.openxmlformats.org/drawingml/2006/main" xmlns:r="http://schemas.openxmlformats.org/officeDocument/2006/relationships" xmlns:p="http://schemas.openxmlformats.org/presentationml/2006/main">
   <p:cSld>
     <p:spTree>
@@ -10029,7 +8769,7 @@
           <a:graphicData uri="http://schemas.openxmlformats.org/presentationml/2006/ole">
             <mc:AlternateContent xmlns:mc="http://schemas.openxmlformats.org/markup-compatibility/2006">
               <mc:Choice xmlns:v="urn:schemas-microsoft-com:vml" Requires="v">
-                <p:oleObj spid="_x0000_s15466" name="think-cell Slide" r:id="rId5" imgW="7772400" imgH="10058400" progId="TCLayout.ActiveDocument.1">
+                <p:oleObj spid="_x0000_s15468" name="think-cell Slide" r:id="rId5" imgW="7772400" imgH="10058400" progId="TCLayout.ActiveDocument.1">
                   <p:embed/>
                 </p:oleObj>
               </mc:Choice>
@@ -10153,7 +8893,7 @@
 </p:sld>
 </file>
 
-<file path=ppt/slides/slide21.xml><?xml version="1.0" encoding="utf-8"?>
+<file path=ppt/slides/slide2.xml><?xml version="1.0" encoding="utf-8"?>
 <p:sld xmlns:a="http://schemas.openxmlformats.org/drawingml/2006/main" xmlns:r="http://schemas.openxmlformats.org/officeDocument/2006/relationships" xmlns:p="http://schemas.openxmlformats.org/presentationml/2006/main">
   <p:cSld>
     <p:spTree>
@@ -10175,7 +8915,7 @@
           <p:cNvPr id="4" name="Object 3" hidden="1">
             <a:extLst>
               <a:ext uri="{FF2B5EF4-FFF2-40B4-BE49-F238E27FC236}">
-                <a16:creationId xmlns:a16="http://schemas.microsoft.com/office/drawing/2014/main" id="{EFD7814C-EF4A-2748-8E2C-EEA9CD614764}"/>
+                <a16:creationId xmlns:a16="http://schemas.microsoft.com/office/drawing/2014/main" id="{CC8E918B-9BA0-394D-B6C9-75F48AFD5F83}"/>
               </a:ext>
             </a:extLst>
           </p:cNvPr>
@@ -10188,7 +8928,7 @@
             </p:custDataLst>
             <p:extLst>
               <p:ext uri="{D42A27DB-BD31-4B8C-83A1-F6EECF244321}">
-                <p14:modId xmlns:p14="http://schemas.microsoft.com/office/powerpoint/2010/main" val="3151102042"/>
+                <p14:modId xmlns:p14="http://schemas.microsoft.com/office/powerpoint/2010/main" val="1008363486"/>
               </p:ext>
             </p:extLst>
           </p:nvPr>
@@ -10201,7 +8941,7 @@
           <a:graphicData uri="http://schemas.openxmlformats.org/presentationml/2006/ole">
             <mc:AlternateContent xmlns:mc="http://schemas.openxmlformats.org/markup-compatibility/2006">
               <mc:Choice xmlns:v="urn:schemas-microsoft-com:vml" Requires="v">
-                <p:oleObj spid="_x0000_s16473" name="think-cell Slide" r:id="rId5" imgW="7772400" imgH="10058400" progId="TCLayout.ActiveDocument.1">
+                <p:oleObj spid="_x0000_s1178" name="think-cell Slide" r:id="rId5" imgW="7772400" imgH="10058400" progId="TCLayout.ActiveDocument.1">
                   <p:embed/>
                 </p:oleObj>
               </mc:Choice>
@@ -10236,6 +8976,179 @@
           </a:graphicData>
         </a:graphic>
       </p:graphicFrame>
+      <p:pic>
+        <p:nvPicPr>
+          <p:cNvPr id="6" name="Picture 5">
+            <a:extLst>
+              <a:ext uri="{FF2B5EF4-FFF2-40B4-BE49-F238E27FC236}">
+                <a16:creationId xmlns:a16="http://schemas.microsoft.com/office/drawing/2014/main" id="{4F5D7F07-37E0-E249-87CC-9DF7E43BD574}"/>
+              </a:ext>
+            </a:extLst>
+          </p:cNvPr>
+          <p:cNvPicPr>
+            <a:picLocks noChangeAspect="1"/>
+          </p:cNvPicPr>
+          <p:nvPr/>
+        </p:nvPicPr>
+        <p:blipFill>
+          <a:blip r:embed="rId7"/>
+          <a:stretch>
+            <a:fillRect/>
+          </a:stretch>
+        </p:blipFill>
+        <p:spPr>
+          <a:xfrm>
+            <a:off x="2514745" y="1113251"/>
+            <a:ext cx="7162510" cy="5670321"/>
+          </a:xfrm>
+          <a:prstGeom prst="rect">
+            <a:avLst/>
+          </a:prstGeom>
+        </p:spPr>
+      </p:pic>
+      <p:pic>
+        <p:nvPicPr>
+          <p:cNvPr id="1026" name="Picture 2">
+            <a:extLst>
+              <a:ext uri="{FF2B5EF4-FFF2-40B4-BE49-F238E27FC236}">
+                <a16:creationId xmlns:a16="http://schemas.microsoft.com/office/drawing/2014/main" id="{CB4CABDE-10A5-9345-8AC8-A486278B65B5}"/>
+              </a:ext>
+            </a:extLst>
+          </p:cNvPr>
+          <p:cNvPicPr>
+            <a:picLocks noChangeAspect="1" noChangeArrowheads="1"/>
+          </p:cNvPicPr>
+          <p:nvPr/>
+        </p:nvPicPr>
+        <p:blipFill>
+          <a:blip r:embed="rId8">
+            <a:extLst>
+              <a:ext uri="{28A0092B-C50C-407E-A947-70E740481C1C}">
+                <a14:useLocalDpi xmlns:a14="http://schemas.microsoft.com/office/drawing/2010/main" val="0"/>
+              </a:ext>
+            </a:extLst>
+          </a:blip>
+          <a:srcRect/>
+          <a:stretch>
+            <a:fillRect/>
+          </a:stretch>
+        </p:blipFill>
+        <p:spPr bwMode="auto">
+          <a:xfrm>
+            <a:off x="2597269" y="74428"/>
+            <a:ext cx="3872990" cy="927263"/>
+          </a:xfrm>
+          <a:prstGeom prst="rect">
+            <a:avLst/>
+          </a:prstGeom>
+          <a:noFill/>
+          <a:extLst>
+            <a:ext uri="{909E8E84-426E-40DD-AFC4-6F175D3DCCD1}">
+              <a14:hiddenFill xmlns:a14="http://schemas.microsoft.com/office/drawing/2010/main">
+                <a:solidFill>
+                  <a:srgbClr val="FFFFFF"/>
+                </a:solidFill>
+              </a14:hiddenFill>
+            </a:ext>
+          </a:extLst>
+        </p:spPr>
+      </p:pic>
+    </p:spTree>
+    <p:extLst>
+      <p:ext uri="{BB962C8B-B14F-4D97-AF65-F5344CB8AC3E}">
+        <p14:creationId xmlns:p14="http://schemas.microsoft.com/office/powerpoint/2010/main" val="2594556461"/>
+      </p:ext>
+    </p:extLst>
+  </p:cSld>
+  <p:clrMapOvr>
+    <a:masterClrMapping/>
+  </p:clrMapOvr>
+</p:sld>
+</file>
+
+<file path=ppt/slides/slide20.xml><?xml version="1.0" encoding="utf-8"?>
+<p:sld xmlns:a="http://schemas.openxmlformats.org/drawingml/2006/main" xmlns:r="http://schemas.openxmlformats.org/officeDocument/2006/relationships" xmlns:p="http://schemas.openxmlformats.org/presentationml/2006/main">
+  <p:cSld>
+    <p:spTree>
+      <p:nvGrpSpPr>
+        <p:cNvPr id="1" name=""/>
+        <p:cNvGrpSpPr/>
+        <p:nvPr/>
+      </p:nvGrpSpPr>
+      <p:grpSpPr>
+        <a:xfrm>
+          <a:off x="0" y="0"/>
+          <a:ext cx="0" cy="0"/>
+          <a:chOff x="0" y="0"/>
+          <a:chExt cx="0" cy="0"/>
+        </a:xfrm>
+      </p:grpSpPr>
+      <p:graphicFrame>
+        <p:nvGraphicFramePr>
+          <p:cNvPr id="4" name="Object 3" hidden="1">
+            <a:extLst>
+              <a:ext uri="{FF2B5EF4-FFF2-40B4-BE49-F238E27FC236}">
+                <a16:creationId xmlns:a16="http://schemas.microsoft.com/office/drawing/2014/main" id="{EFD7814C-EF4A-2748-8E2C-EEA9CD614764}"/>
+              </a:ext>
+            </a:extLst>
+          </p:cNvPr>
+          <p:cNvGraphicFramePr>
+            <a:graphicFrameLocks noChangeAspect="1"/>
+          </p:cNvGraphicFramePr>
+          <p:nvPr>
+            <p:custDataLst>
+              <p:tags r:id="rId2"/>
+            </p:custDataLst>
+            <p:extLst>
+              <p:ext uri="{D42A27DB-BD31-4B8C-83A1-F6EECF244321}">
+                <p14:modId xmlns:p14="http://schemas.microsoft.com/office/powerpoint/2010/main" val="3151102042"/>
+              </p:ext>
+            </p:extLst>
+          </p:nvPr>
+        </p:nvGraphicFramePr>
+        <p:xfrm>
+          <a:off x="1588" y="1588"/>
+          <a:ext cx="1227" cy="1588"/>
+        </p:xfrm>
+        <a:graphic>
+          <a:graphicData uri="http://schemas.openxmlformats.org/presentationml/2006/ole">
+            <mc:AlternateContent xmlns:mc="http://schemas.openxmlformats.org/markup-compatibility/2006">
+              <mc:Choice xmlns:v="urn:schemas-microsoft-com:vml" Requires="v">
+                <p:oleObj spid="_x0000_s16475" name="think-cell Slide" r:id="rId5" imgW="7772400" imgH="10058400" progId="TCLayout.ActiveDocument.1">
+                  <p:embed/>
+                </p:oleObj>
+              </mc:Choice>
+              <mc:Fallback>
+                <p:oleObj name="think-cell Slide" r:id="rId5" imgW="7772400" imgH="10058400" progId="TCLayout.ActiveDocument.1">
+                  <p:embed/>
+                  <p:pic>
+                    <p:nvPicPr>
+                      <p:cNvPr id="0" name=""/>
+                      <p:cNvPicPr/>
+                      <p:nvPr/>
+                    </p:nvPicPr>
+                    <p:blipFill>
+                      <a:blip r:embed="rId6"/>
+                      <a:stretch>
+                        <a:fillRect/>
+                      </a:stretch>
+                    </p:blipFill>
+                    <p:spPr>
+                      <a:xfrm>
+                        <a:off x="1588" y="1588"/>
+                        <a:ext cx="1227" cy="1588"/>
+                      </a:xfrm>
+                      <a:prstGeom prst="rect">
+                        <a:avLst/>
+                      </a:prstGeom>
+                    </p:spPr>
+                  </p:pic>
+                </p:oleObj>
+              </mc:Fallback>
+            </mc:AlternateContent>
+          </a:graphicData>
+        </a:graphic>
+      </p:graphicFrame>
       <p:sp>
         <p:nvSpPr>
           <p:cNvPr id="2" name="Title 1">
@@ -10302,7 +9215,7 @@
 </p:sld>
 </file>
 
-<file path=ppt/slides/slide22.xml><?xml version="1.0" encoding="utf-8"?>
+<file path=ppt/slides/slide21.xml><?xml version="1.0" encoding="utf-8"?>
 <p:sld xmlns:a="http://schemas.openxmlformats.org/drawingml/2006/main" xmlns:r="http://schemas.openxmlformats.org/officeDocument/2006/relationships" xmlns:p="http://schemas.openxmlformats.org/presentationml/2006/main">
   <p:cSld>
     <p:spTree>
@@ -10350,7 +9263,7 @@
           <a:graphicData uri="http://schemas.openxmlformats.org/presentationml/2006/ole">
             <mc:AlternateContent xmlns:mc="http://schemas.openxmlformats.org/markup-compatibility/2006">
               <mc:Choice xmlns:v="urn:schemas-microsoft-com:vml" Requires="v">
-                <p:oleObj spid="_x0000_s17495" name="think-cell Slide" r:id="rId5" imgW="7772400" imgH="10058400" progId="TCLayout.ActiveDocument.1">
+                <p:oleObj spid="_x0000_s17497" name="think-cell Slide" r:id="rId5" imgW="7772400" imgH="10058400" progId="TCLayout.ActiveDocument.1">
                   <p:embed/>
                 </p:oleObj>
               </mc:Choice>
@@ -10960,7 +9873,7 @@
 </p:sld>
 </file>
 
-<file path=ppt/slides/slide23.xml><?xml version="1.0" encoding="utf-8"?>
+<file path=ppt/slides/slide22.xml><?xml version="1.0" encoding="utf-8"?>
 <p:sld xmlns:a="http://schemas.openxmlformats.org/drawingml/2006/main" xmlns:r="http://schemas.openxmlformats.org/officeDocument/2006/relationships" xmlns:p="http://schemas.openxmlformats.org/presentationml/2006/main">
   <p:cSld>
     <p:spTree>
@@ -11008,7 +9921,7 @@
           <a:graphicData uri="http://schemas.openxmlformats.org/presentationml/2006/ole">
             <mc:AlternateContent xmlns:mc="http://schemas.openxmlformats.org/markup-compatibility/2006">
               <mc:Choice xmlns:v="urn:schemas-microsoft-com:vml" Requires="v">
-                <p:oleObj spid="_x0000_s18513" name="think-cell Slide" r:id="rId5" imgW="7772400" imgH="10058400" progId="TCLayout.ActiveDocument.1">
+                <p:oleObj spid="_x0000_s18515" name="think-cell Slide" r:id="rId5" imgW="7772400" imgH="10058400" progId="TCLayout.ActiveDocument.1">
                   <p:embed/>
                 </p:oleObj>
               </mc:Choice>
@@ -11109,7 +10022,7 @@
 </p:sld>
 </file>
 
-<file path=ppt/slides/slide3.xml><?xml version="1.0" encoding="utf-8"?>
+<file path=ppt/slides/slide23.xml><?xml version="1.0" encoding="utf-8"?>
 <p:sld xmlns:a="http://schemas.openxmlformats.org/drawingml/2006/main" xmlns:r="http://schemas.openxmlformats.org/officeDocument/2006/relationships" xmlns:p="http://schemas.openxmlformats.org/presentationml/2006/main">
   <p:cSld>
     <p:spTree>
@@ -11126,78 +10039,441 @@
           <a:chExt cx="0" cy="0"/>
         </a:xfrm>
       </p:grpSpPr>
-      <p:graphicFrame>
-        <p:nvGraphicFramePr>
-          <p:cNvPr id="4" name="Object 3" hidden="1">
+      <p:pic>
+        <p:nvPicPr>
+          <p:cNvPr id="1026" name="Picture 2" descr="Image result for qwop">
             <a:extLst>
               <a:ext uri="{FF2B5EF4-FFF2-40B4-BE49-F238E27FC236}">
-                <a16:creationId xmlns:a16="http://schemas.microsoft.com/office/drawing/2014/main" id="{CC8E918B-9BA0-394D-B6C9-75F48AFD5F83}"/>
+                <a16:creationId xmlns:a16="http://schemas.microsoft.com/office/drawing/2014/main" id="{A0EB455B-631D-4F63-B56B-2036A683F27A}"/>
               </a:ext>
             </a:extLst>
           </p:cNvPr>
-          <p:cNvGraphicFramePr>
-            <a:graphicFrameLocks noChangeAspect="1"/>
-          </p:cNvGraphicFramePr>
-          <p:nvPr>
-            <p:custDataLst>
-              <p:tags r:id="rId2"/>
-            </p:custDataLst>
-            <p:extLst>
-              <p:ext uri="{D42A27DB-BD31-4B8C-83A1-F6EECF244321}">
-                <p14:modId xmlns:p14="http://schemas.microsoft.com/office/powerpoint/2010/main" val="1008363486"/>
-              </p:ext>
-            </p:extLst>
-          </p:nvPr>
-        </p:nvGraphicFramePr>
-        <p:xfrm>
-          <a:off x="1588" y="1588"/>
-          <a:ext cx="1227" cy="1588"/>
-        </p:xfrm>
-        <a:graphic>
-          <a:graphicData uri="http://schemas.openxmlformats.org/presentationml/2006/ole">
-            <mc:AlternateContent xmlns:mc="http://schemas.openxmlformats.org/markup-compatibility/2006">
-              <mc:Choice xmlns:v="urn:schemas-microsoft-com:vml" Requires="v">
-                <p:oleObj spid="_x0000_s1176" name="think-cell Slide" r:id="rId5" imgW="7772400" imgH="10058400" progId="TCLayout.ActiveDocument.1">
-                  <p:embed/>
-                </p:oleObj>
-              </mc:Choice>
-              <mc:Fallback>
-                <p:oleObj name="think-cell Slide" r:id="rId5" imgW="7772400" imgH="10058400" progId="TCLayout.ActiveDocument.1">
-                  <p:embed/>
-                  <p:pic>
-                    <p:nvPicPr>
-                      <p:cNvPr id="0" name=""/>
-                      <p:cNvPicPr/>
-                      <p:nvPr/>
-                    </p:nvPicPr>
-                    <p:blipFill>
-                      <a:blip r:embed="rId6"/>
-                      <a:stretch>
-                        <a:fillRect/>
-                      </a:stretch>
-                    </p:blipFill>
-                    <p:spPr>
-                      <a:xfrm>
-                        <a:off x="1588" y="1588"/>
-                        <a:ext cx="1227" cy="1588"/>
-                      </a:xfrm>
-                      <a:prstGeom prst="rect">
-                        <a:avLst/>
-                      </a:prstGeom>
-                    </p:spPr>
-                  </p:pic>
-                </p:oleObj>
-              </mc:Fallback>
-            </mc:AlternateContent>
-          </a:graphicData>
-        </a:graphic>
-      </p:graphicFrame>
+          <p:cNvPicPr>
+            <a:picLocks noChangeAspect="1" noChangeArrowheads="1"/>
+          </p:cNvPicPr>
+          <p:nvPr/>
+        </p:nvPicPr>
+        <p:blipFill>
+          <a:blip r:embed="rId3">
+            <a:extLst>
+              <a:ext uri="{28A0092B-C50C-407E-A947-70E740481C1C}">
+                <a14:useLocalDpi xmlns:a14="http://schemas.microsoft.com/office/drawing/2010/main" val="0"/>
+              </a:ext>
+            </a:extLst>
+          </a:blip>
+          <a:srcRect/>
+          <a:stretch>
+            <a:fillRect/>
+          </a:stretch>
+        </p:blipFill>
+        <p:spPr bwMode="auto">
+          <a:xfrm>
+            <a:off x="236171" y="1902955"/>
+            <a:ext cx="2374265" cy="1494797"/>
+          </a:xfrm>
+          <a:prstGeom prst="rect">
+            <a:avLst/>
+          </a:prstGeom>
+          <a:noFill/>
+          <a:extLst>
+            <a:ext uri="{909E8E84-426E-40DD-AFC4-6F175D3DCCD1}">
+              <a14:hiddenFill xmlns:a14="http://schemas.microsoft.com/office/drawing/2010/main">
+                <a:solidFill>
+                  <a:srgbClr val="FFFFFF"/>
+                </a:solidFill>
+              </a14:hiddenFill>
+            </a:ext>
+          </a:extLst>
+        </p:spPr>
+      </p:pic>
+      <p:sp>
+        <p:nvSpPr>
+          <p:cNvPr id="8" name="TextBox 7">
+            <a:extLst>
+              <a:ext uri="{FF2B5EF4-FFF2-40B4-BE49-F238E27FC236}">
+                <a16:creationId xmlns:a16="http://schemas.microsoft.com/office/drawing/2014/main" id="{928A94BB-3650-49D5-9507-1E9291DED139}"/>
+              </a:ext>
+            </a:extLst>
+          </p:cNvPr>
+          <p:cNvSpPr txBox="1"/>
+          <p:nvPr/>
+        </p:nvSpPr>
+        <p:spPr>
+          <a:xfrm>
+            <a:off x="590606" y="3770084"/>
+            <a:ext cx="1917877" cy="456359"/>
+          </a:xfrm>
+          <a:prstGeom prst="rect">
+            <a:avLst/>
+          </a:prstGeom>
+          <a:noFill/>
+        </p:spPr>
+        <p:txBody>
+          <a:bodyPr wrap="square" rtlCol="0">
+            <a:spAutoFit/>
+          </a:bodyPr>
+          <a:lstStyle/>
+          <a:p>
+            <a:pPr algn="ctr"/>
+            <a:r>
+              <a:rPr lang="en-US" sz="2000" dirty="0">
+                <a:latin typeface="Trebuchet MS" panose="020B0603020202020204" pitchFamily="34" charset="0"/>
+                <a:cs typeface="Aldhabi" panose="020B0604020202020204" pitchFamily="2" charset="-78"/>
+              </a:rPr>
+              <a:t>Game Engine</a:t>
+            </a:r>
+          </a:p>
+        </p:txBody>
+      </p:sp>
+      <p:sp>
+        <p:nvSpPr>
+          <p:cNvPr id="12" name="TextBox 11">
+            <a:extLst>
+              <a:ext uri="{FF2B5EF4-FFF2-40B4-BE49-F238E27FC236}">
+                <a16:creationId xmlns:a16="http://schemas.microsoft.com/office/drawing/2014/main" id="{88744D4B-FE37-49C2-81D1-2A2615C3EC94}"/>
+              </a:ext>
+            </a:extLst>
+          </p:cNvPr>
+          <p:cNvSpPr txBox="1"/>
+          <p:nvPr/>
+        </p:nvSpPr>
+        <p:spPr>
+          <a:xfrm>
+            <a:off x="3491129" y="2430715"/>
+            <a:ext cx="1917877" cy="456359"/>
+          </a:xfrm>
+          <a:prstGeom prst="rect">
+            <a:avLst/>
+          </a:prstGeom>
+          <a:noFill/>
+        </p:spPr>
+        <p:txBody>
+          <a:bodyPr wrap="square" rtlCol="0">
+            <a:spAutoFit/>
+          </a:bodyPr>
+          <a:lstStyle/>
+          <a:p>
+            <a:pPr algn="ctr"/>
+            <a:r>
+              <a:rPr lang="en-US" sz="2000" dirty="0">
+                <a:latin typeface="Trebuchet MS" panose="020B0603020202020204" pitchFamily="34" charset="0"/>
+                <a:cs typeface="Aldhabi" panose="020B0604020202020204" pitchFamily="2" charset="-78"/>
+              </a:rPr>
+              <a:t>Adapter</a:t>
+            </a:r>
+          </a:p>
+        </p:txBody>
+      </p:sp>
+      <p:sp>
+        <p:nvSpPr>
+          <p:cNvPr id="14" name="TextBox 13">
+            <a:extLst>
+              <a:ext uri="{FF2B5EF4-FFF2-40B4-BE49-F238E27FC236}">
+                <a16:creationId xmlns:a16="http://schemas.microsoft.com/office/drawing/2014/main" id="{9D5D4042-5147-4C2E-B602-6431DADEDDC9}"/>
+              </a:ext>
+            </a:extLst>
+          </p:cNvPr>
+          <p:cNvSpPr txBox="1"/>
+          <p:nvPr/>
+        </p:nvSpPr>
+        <p:spPr>
+          <a:xfrm>
+            <a:off x="7317866" y="2071824"/>
+            <a:ext cx="1917877" cy="807503"/>
+          </a:xfrm>
+          <a:prstGeom prst="rect">
+            <a:avLst/>
+          </a:prstGeom>
+          <a:noFill/>
+        </p:spPr>
+        <p:txBody>
+          <a:bodyPr wrap="square" rtlCol="0">
+            <a:spAutoFit/>
+          </a:bodyPr>
+          <a:lstStyle/>
+          <a:p>
+            <a:pPr algn="ctr"/>
+            <a:r>
+              <a:rPr lang="en-US" sz="2000" dirty="0">
+                <a:latin typeface="Trebuchet MS" panose="020B0603020202020204" pitchFamily="34" charset="0"/>
+                <a:cs typeface="Aldhabi" panose="020B0604020202020204" pitchFamily="2" charset="-78"/>
+              </a:rPr>
+              <a:t>Selenium / Chomedriver</a:t>
+            </a:r>
+          </a:p>
+        </p:txBody>
+      </p:sp>
+      <p:sp>
+        <p:nvSpPr>
+          <p:cNvPr id="9" name="Right Brace 8">
+            <a:extLst>
+              <a:ext uri="{FF2B5EF4-FFF2-40B4-BE49-F238E27FC236}">
+                <a16:creationId xmlns:a16="http://schemas.microsoft.com/office/drawing/2014/main" id="{A6C4D8A0-BEAA-4C4E-A97F-2EF492D7759C}"/>
+              </a:ext>
+            </a:extLst>
+          </p:cNvPr>
+          <p:cNvSpPr/>
+          <p:nvPr/>
+        </p:nvSpPr>
+        <p:spPr>
+          <a:xfrm>
+            <a:off x="2947602" y="1441930"/>
+            <a:ext cx="502423" cy="4199976"/>
+          </a:xfrm>
+          <a:prstGeom prst="rightBrace">
+            <a:avLst>
+              <a:gd name="adj1" fmla="val 45832"/>
+              <a:gd name="adj2" fmla="val 50000"/>
+            </a:avLst>
+          </a:prstGeom>
+          <a:ln w="28575"/>
+        </p:spPr>
+        <p:style>
+          <a:lnRef idx="1">
+            <a:schemeClr val="dk1"/>
+          </a:lnRef>
+          <a:fillRef idx="0">
+            <a:schemeClr val="dk1"/>
+          </a:fillRef>
+          <a:effectRef idx="0">
+            <a:schemeClr val="dk1"/>
+          </a:effectRef>
+          <a:fontRef idx="minor">
+            <a:schemeClr val="tx1"/>
+          </a:fontRef>
+        </p:style>
+        <p:txBody>
+          <a:bodyPr rtlCol="0" anchor="ctr"/>
+          <a:lstStyle/>
+          <a:p>
+            <a:pPr algn="ctr"/>
+            <a:endParaRPr lang="en-US" sz="1600"/>
+          </a:p>
+        </p:txBody>
+      </p:sp>
+      <p:sp>
+        <p:nvSpPr>
+          <p:cNvPr id="16" name="TextBox 15">
+            <a:extLst>
+              <a:ext uri="{FF2B5EF4-FFF2-40B4-BE49-F238E27FC236}">
+                <a16:creationId xmlns:a16="http://schemas.microsoft.com/office/drawing/2014/main" id="{2D92F6AA-BFE8-46D4-B005-2EA607A35117}"/>
+              </a:ext>
+            </a:extLst>
+          </p:cNvPr>
+          <p:cNvSpPr txBox="1"/>
+          <p:nvPr/>
+        </p:nvSpPr>
+        <p:spPr>
+          <a:xfrm>
+            <a:off x="464364" y="1390538"/>
+            <a:ext cx="1917877" cy="456359"/>
+          </a:xfrm>
+          <a:prstGeom prst="rect">
+            <a:avLst/>
+          </a:prstGeom>
+          <a:noFill/>
+        </p:spPr>
+        <p:txBody>
+          <a:bodyPr wrap="square" rtlCol="0">
+            <a:spAutoFit/>
+          </a:bodyPr>
+          <a:lstStyle/>
+          <a:p>
+            <a:pPr algn="ctr"/>
+            <a:r>
+              <a:rPr lang="en-US" sz="2000" dirty="0">
+                <a:latin typeface="Trebuchet MS" panose="020B0603020202020204" pitchFamily="34" charset="0"/>
+                <a:cs typeface="Aldhabi" panose="020B0604020202020204" pitchFamily="2" charset="-78"/>
+              </a:rPr>
+              <a:t>Game UI</a:t>
+            </a:r>
+          </a:p>
+        </p:txBody>
+      </p:sp>
+      <p:sp>
+        <p:nvSpPr>
+          <p:cNvPr id="10" name="Arrow: Right 9">
+            <a:extLst>
+              <a:ext uri="{FF2B5EF4-FFF2-40B4-BE49-F238E27FC236}">
+                <a16:creationId xmlns:a16="http://schemas.microsoft.com/office/drawing/2014/main" id="{92261466-2163-476D-B9DE-3FEE91920B78}"/>
+              </a:ext>
+            </a:extLst>
+          </p:cNvPr>
+          <p:cNvSpPr/>
+          <p:nvPr/>
+        </p:nvSpPr>
+        <p:spPr>
+          <a:xfrm>
+            <a:off x="5423120" y="3006936"/>
+            <a:ext cx="1980940" cy="763147"/>
+          </a:xfrm>
+          <a:prstGeom prst="rightArrow">
+            <a:avLst/>
+          </a:prstGeom>
+          <a:solidFill>
+            <a:schemeClr val="accent1">
+              <a:lumMod val="20000"/>
+              <a:lumOff val="80000"/>
+            </a:schemeClr>
+          </a:solidFill>
+          <a:ln>
+            <a:solidFill>
+              <a:schemeClr val="bg1"/>
+            </a:solidFill>
+          </a:ln>
+        </p:spPr>
+        <p:style>
+          <a:lnRef idx="2">
+            <a:schemeClr val="accent1">
+              <a:shade val="50000"/>
+            </a:schemeClr>
+          </a:lnRef>
+          <a:fillRef idx="1">
+            <a:schemeClr val="accent1"/>
+          </a:fillRef>
+          <a:effectRef idx="0">
+            <a:schemeClr val="accent1"/>
+          </a:effectRef>
+          <a:fontRef idx="minor">
+            <a:schemeClr val="lt1"/>
+          </a:fontRef>
+        </p:style>
+        <p:txBody>
+          <a:bodyPr rtlCol="0" anchor="ctr"/>
+          <a:lstStyle/>
+          <a:p>
+            <a:pPr algn="ctr"/>
+            <a:r>
+              <a:rPr lang="en-US" sz="1600" dirty="0">
+                <a:solidFill>
+                  <a:schemeClr val="accent1"/>
+                </a:solidFill>
+                <a:latin typeface="Trebuchet MS" panose="020B0603020202020204" pitchFamily="34" charset="0"/>
+              </a:rPr>
+              <a:t>Game State</a:t>
+            </a:r>
+          </a:p>
+        </p:txBody>
+      </p:sp>
+      <p:sp>
+        <p:nvSpPr>
+          <p:cNvPr id="18" name="Arrow: Right 17">
+            <a:extLst>
+              <a:ext uri="{FF2B5EF4-FFF2-40B4-BE49-F238E27FC236}">
+                <a16:creationId xmlns:a16="http://schemas.microsoft.com/office/drawing/2014/main" id="{C1E57116-AB19-400C-9F1D-A08ADC9BF5BD}"/>
+              </a:ext>
+            </a:extLst>
+          </p:cNvPr>
+          <p:cNvSpPr/>
+          <p:nvPr/>
+        </p:nvSpPr>
+        <p:spPr>
+          <a:xfrm flipH="1">
+            <a:off x="5251286" y="3778324"/>
+            <a:ext cx="1980938" cy="763147"/>
+          </a:xfrm>
+          <a:prstGeom prst="rightArrow">
+            <a:avLst/>
+          </a:prstGeom>
+          <a:solidFill>
+            <a:schemeClr val="accent6">
+              <a:lumMod val="20000"/>
+              <a:lumOff val="80000"/>
+            </a:schemeClr>
+          </a:solidFill>
+          <a:ln>
+            <a:solidFill>
+              <a:schemeClr val="bg1"/>
+            </a:solidFill>
+          </a:ln>
+        </p:spPr>
+        <p:style>
+          <a:lnRef idx="2">
+            <a:schemeClr val="accent1">
+              <a:shade val="50000"/>
+            </a:schemeClr>
+          </a:lnRef>
+          <a:fillRef idx="1">
+            <a:schemeClr val="accent1"/>
+          </a:fillRef>
+          <a:effectRef idx="0">
+            <a:schemeClr val="accent1"/>
+          </a:effectRef>
+          <a:fontRef idx="minor">
+            <a:schemeClr val="lt1"/>
+          </a:fontRef>
+        </p:style>
+        <p:txBody>
+          <a:bodyPr rtlCol="0" anchor="ctr"/>
+          <a:lstStyle/>
+          <a:p>
+            <a:pPr algn="ctr"/>
+            <a:r>
+              <a:rPr lang="en-US" sz="1600" dirty="0">
+                <a:solidFill>
+                  <a:schemeClr val="accent6"/>
+                </a:solidFill>
+                <a:latin typeface="Trebuchet MS" panose="020B0603020202020204" pitchFamily="34" charset="0"/>
+              </a:rPr>
+              <a:t>Actions</a:t>
+            </a:r>
+          </a:p>
+        </p:txBody>
+      </p:sp>
+      <p:sp>
+        <p:nvSpPr>
+          <p:cNvPr id="20" name="Right Brace 19">
+            <a:extLst>
+              <a:ext uri="{FF2B5EF4-FFF2-40B4-BE49-F238E27FC236}">
+                <a16:creationId xmlns:a16="http://schemas.microsoft.com/office/drawing/2014/main" id="{977660E0-A978-4A2E-AA45-F1FE44E4C1EF}"/>
+              </a:ext>
+            </a:extLst>
+          </p:cNvPr>
+          <p:cNvSpPr/>
+          <p:nvPr/>
+        </p:nvSpPr>
+        <p:spPr>
+          <a:xfrm rot="10800000">
+            <a:off x="9359286" y="1441930"/>
+            <a:ext cx="502423" cy="4199976"/>
+          </a:xfrm>
+          <a:prstGeom prst="rightBrace">
+            <a:avLst>
+              <a:gd name="adj1" fmla="val 45832"/>
+              <a:gd name="adj2" fmla="val 50000"/>
+            </a:avLst>
+          </a:prstGeom>
+          <a:ln w="28575"/>
+        </p:spPr>
+        <p:style>
+          <a:lnRef idx="1">
+            <a:schemeClr val="dk1"/>
+          </a:lnRef>
+          <a:fillRef idx="0">
+            <a:schemeClr val="dk1"/>
+          </a:fillRef>
+          <a:effectRef idx="0">
+            <a:schemeClr val="dk1"/>
+          </a:effectRef>
+          <a:fontRef idx="minor">
+            <a:schemeClr val="tx1"/>
+          </a:fontRef>
+        </p:style>
+        <p:txBody>
+          <a:bodyPr rtlCol="0" anchor="ctr"/>
+          <a:lstStyle/>
+          <a:p>
+            <a:pPr algn="ctr"/>
+            <a:endParaRPr lang="en-US" sz="1600"/>
+          </a:p>
+        </p:txBody>
+      </p:sp>
       <p:pic>
         <p:nvPicPr>
-          <p:cNvPr id="6" name="Picture 5">
+          <p:cNvPr id="21" name="Graphic 20">
             <a:extLst>
               <a:ext uri="{FF2B5EF4-FFF2-40B4-BE49-F238E27FC236}">
-                <a16:creationId xmlns:a16="http://schemas.microsoft.com/office/drawing/2014/main" id="{4F5D7F07-37E0-E249-87CC-9DF7E43BD574}"/>
+                <a16:creationId xmlns:a16="http://schemas.microsoft.com/office/drawing/2014/main" id="{8A1A94EB-9D11-4929-986C-CC9EFBC29C60}"/>
               </a:ext>
             </a:extLst>
           </p:cNvPr>
@@ -11207,15 +10483,24 @@
           <p:nvPr/>
         </p:nvPicPr>
         <p:blipFill>
-          <a:blip r:embed="rId7"/>
+          <a:blip r:embed="rId4">
+            <a:extLst>
+              <a:ext uri="{28A0092B-C50C-407E-A947-70E740481C1C}">
+                <a14:useLocalDpi xmlns:a14="http://schemas.microsoft.com/office/drawing/2010/main" val="0"/>
+              </a:ext>
+              <a:ext uri="{96DAC541-7B7A-43D3-8B79-37D633B846F1}">
+                <asvg:svgBlip xmlns:asvg="http://schemas.microsoft.com/office/drawing/2016/SVG/main" r:embed="rId5"/>
+              </a:ext>
+            </a:extLst>
+          </a:blip>
           <a:stretch>
             <a:fillRect/>
           </a:stretch>
         </p:blipFill>
         <p:spPr>
           <a:xfrm>
-            <a:off x="2514745" y="1113251"/>
-            <a:ext cx="7162510" cy="5670321"/>
+            <a:off x="1041105" y="4321064"/>
+            <a:ext cx="1016877" cy="1355836"/>
           </a:xfrm>
           <a:prstGeom prst="rect">
             <a:avLst/>
@@ -11224,10 +10509,205 @@
       </p:pic>
       <p:pic>
         <p:nvPicPr>
-          <p:cNvPr id="1026" name="Picture 2">
+          <p:cNvPr id="28" name="Graphic 27">
             <a:extLst>
               <a:ext uri="{FF2B5EF4-FFF2-40B4-BE49-F238E27FC236}">
-                <a16:creationId xmlns:a16="http://schemas.microsoft.com/office/drawing/2014/main" id="{CB4CABDE-10A5-9345-8AC8-A486278B65B5}"/>
+                <a16:creationId xmlns:a16="http://schemas.microsoft.com/office/drawing/2014/main" id="{8BFC41F6-1A21-4974-B9DB-459E3AF1ADA9}"/>
+              </a:ext>
+            </a:extLst>
+          </p:cNvPr>
+          <p:cNvPicPr>
+            <a:picLocks noChangeAspect="1"/>
+          </p:cNvPicPr>
+          <p:nvPr/>
+        </p:nvPicPr>
+        <p:blipFill>
+          <a:blip r:embed="rId4">
+            <a:extLst>
+              <a:ext uri="{28A0092B-C50C-407E-A947-70E740481C1C}">
+                <a14:useLocalDpi xmlns:a14="http://schemas.microsoft.com/office/drawing/2010/main" val="0"/>
+              </a:ext>
+              <a:ext uri="{96DAC541-7B7A-43D3-8B79-37D633B846F1}">
+                <asvg:svgBlip xmlns:asvg="http://schemas.microsoft.com/office/drawing/2016/SVG/main" r:embed="rId5"/>
+              </a:ext>
+            </a:extLst>
+          </a:blip>
+          <a:stretch>
+            <a:fillRect/>
+          </a:stretch>
+        </p:blipFill>
+        <p:spPr>
+          <a:xfrm>
+            <a:off x="3937068" y="3006936"/>
+            <a:ext cx="1016877" cy="1355836"/>
+          </a:xfrm>
+          <a:prstGeom prst="rect">
+            <a:avLst/>
+          </a:prstGeom>
+        </p:spPr>
+      </p:pic>
+      <p:pic>
+        <p:nvPicPr>
+          <p:cNvPr id="31" name="Graphic 30">
+            <a:extLst>
+              <a:ext uri="{FF2B5EF4-FFF2-40B4-BE49-F238E27FC236}">
+                <a16:creationId xmlns:a16="http://schemas.microsoft.com/office/drawing/2014/main" id="{9F73238E-CE7D-4801-ACD6-E0C0112D53AF}"/>
+              </a:ext>
+            </a:extLst>
+          </p:cNvPr>
+          <p:cNvPicPr>
+            <a:picLocks noChangeAspect="1"/>
+          </p:cNvPicPr>
+          <p:nvPr/>
+        </p:nvPicPr>
+        <p:blipFill>
+          <a:blip r:embed="rId6">
+            <a:extLst>
+              <a:ext uri="{28A0092B-C50C-407E-A947-70E740481C1C}">
+                <a14:useLocalDpi xmlns:a14="http://schemas.microsoft.com/office/drawing/2010/main" val="0"/>
+              </a:ext>
+              <a:ext uri="{96DAC541-7B7A-43D3-8B79-37D633B846F1}">
+                <asvg:svgBlip xmlns:asvg="http://schemas.microsoft.com/office/drawing/2016/SVG/main" r:embed="rId7"/>
+              </a:ext>
+            </a:extLst>
+          </a:blip>
+          <a:stretch>
+            <a:fillRect/>
+          </a:stretch>
+        </p:blipFill>
+        <p:spPr>
+          <a:xfrm>
+            <a:off x="10636165" y="4321064"/>
+            <a:ext cx="1016877" cy="1355836"/>
+          </a:xfrm>
+          <a:prstGeom prst="rect">
+            <a:avLst/>
+          </a:prstGeom>
+        </p:spPr>
+      </p:pic>
+      <p:sp>
+        <p:nvSpPr>
+          <p:cNvPr id="32" name="TextBox 31">
+            <a:extLst>
+              <a:ext uri="{FF2B5EF4-FFF2-40B4-BE49-F238E27FC236}">
+                <a16:creationId xmlns:a16="http://schemas.microsoft.com/office/drawing/2014/main" id="{782C6392-7EAB-4747-A4A9-55A001C9E153}"/>
+              </a:ext>
+            </a:extLst>
+          </p:cNvPr>
+          <p:cNvSpPr txBox="1"/>
+          <p:nvPr/>
+        </p:nvSpPr>
+        <p:spPr>
+          <a:xfrm>
+            <a:off x="10185665" y="3770084"/>
+            <a:ext cx="1917877" cy="456359"/>
+          </a:xfrm>
+          <a:prstGeom prst="rect">
+            <a:avLst/>
+          </a:prstGeom>
+          <a:noFill/>
+        </p:spPr>
+        <p:txBody>
+          <a:bodyPr wrap="square" rtlCol="0">
+            <a:spAutoFit/>
+          </a:bodyPr>
+          <a:lstStyle/>
+          <a:p>
+            <a:pPr algn="ctr"/>
+            <a:r>
+              <a:rPr lang="en-US" sz="2000" dirty="0">
+                <a:latin typeface="Trebuchet MS" panose="020B0603020202020204" pitchFamily="34" charset="0"/>
+                <a:cs typeface="Aldhabi" panose="020B0604020202020204" pitchFamily="2" charset="-78"/>
+              </a:rPr>
+              <a:t>RL Agent</a:t>
+            </a:r>
+          </a:p>
+        </p:txBody>
+      </p:sp>
+      <p:pic>
+        <p:nvPicPr>
+          <p:cNvPr id="33" name="Graphic 32">
+            <a:extLst>
+              <a:ext uri="{FF2B5EF4-FFF2-40B4-BE49-F238E27FC236}">
+                <a16:creationId xmlns:a16="http://schemas.microsoft.com/office/drawing/2014/main" id="{A09DEFBC-75F3-407C-96F8-F2D10ACEF292}"/>
+              </a:ext>
+            </a:extLst>
+          </p:cNvPr>
+          <p:cNvPicPr>
+            <a:picLocks noChangeAspect="1"/>
+          </p:cNvPicPr>
+          <p:nvPr/>
+        </p:nvPicPr>
+        <p:blipFill>
+          <a:blip r:embed="rId6">
+            <a:extLst>
+              <a:ext uri="{28A0092B-C50C-407E-A947-70E740481C1C}">
+                <a14:useLocalDpi xmlns:a14="http://schemas.microsoft.com/office/drawing/2010/main" val="0"/>
+              </a:ext>
+              <a:ext uri="{96DAC541-7B7A-43D3-8B79-37D633B846F1}">
+                <asvg:svgBlip xmlns:asvg="http://schemas.microsoft.com/office/drawing/2016/SVG/main" r:embed="rId7"/>
+              </a:ext>
+            </a:extLst>
+          </a:blip>
+          <a:stretch>
+            <a:fillRect/>
+          </a:stretch>
+        </p:blipFill>
+        <p:spPr>
+          <a:xfrm>
+            <a:off x="10611946" y="2051909"/>
+            <a:ext cx="1016877" cy="1355836"/>
+          </a:xfrm>
+          <a:prstGeom prst="rect">
+            <a:avLst/>
+          </a:prstGeom>
+        </p:spPr>
+      </p:pic>
+      <p:sp>
+        <p:nvSpPr>
+          <p:cNvPr id="34" name="TextBox 33">
+            <a:extLst>
+              <a:ext uri="{FF2B5EF4-FFF2-40B4-BE49-F238E27FC236}">
+                <a16:creationId xmlns:a16="http://schemas.microsoft.com/office/drawing/2014/main" id="{9A61FF11-D4EB-4EFD-8029-92E31B5DE405}"/>
+              </a:ext>
+            </a:extLst>
+          </p:cNvPr>
+          <p:cNvSpPr txBox="1"/>
+          <p:nvPr/>
+        </p:nvSpPr>
+        <p:spPr>
+          <a:xfrm>
+            <a:off x="9828241" y="1500928"/>
+            <a:ext cx="2584287" cy="456359"/>
+          </a:xfrm>
+          <a:prstGeom prst="rect">
+            <a:avLst/>
+          </a:prstGeom>
+          <a:noFill/>
+        </p:spPr>
+        <p:txBody>
+          <a:bodyPr wrap="square" rtlCol="0">
+            <a:spAutoFit/>
+          </a:bodyPr>
+          <a:lstStyle/>
+          <a:p>
+            <a:pPr algn="ctr"/>
+            <a:r>
+              <a:rPr lang="en-US" sz="2000" dirty="0">
+                <a:latin typeface="Trebuchet MS" panose="020B0603020202020204" pitchFamily="34" charset="0"/>
+                <a:cs typeface="Aldhabi" panose="020B0604020202020204" pitchFamily="2" charset="-78"/>
+              </a:rPr>
+              <a:t>RL Environment</a:t>
+            </a:r>
+          </a:p>
+        </p:txBody>
+      </p:sp>
+      <p:pic>
+        <p:nvPicPr>
+          <p:cNvPr id="1040" name="Picture 16" descr="Selenium">
+            <a:extLst>
+              <a:ext uri="{FF2B5EF4-FFF2-40B4-BE49-F238E27FC236}">
+                <a16:creationId xmlns:a16="http://schemas.microsoft.com/office/drawing/2014/main" id="{F765E7EB-BEF2-40A2-AEE5-7027D9953864}"/>
               </a:ext>
             </a:extLst>
           </p:cNvPr>
@@ -11251,8 +10731,8 @@
         </p:blipFill>
         <p:spPr bwMode="auto">
           <a:xfrm>
-            <a:off x="2597269" y="74428"/>
-            <a:ext cx="3872990" cy="927263"/>
+            <a:off x="7751245" y="3061818"/>
+            <a:ext cx="1089019" cy="1138016"/>
           </a:xfrm>
           <a:prstGeom prst="rect">
             <a:avLst/>
@@ -11272,17 +10752,334 @@
     </p:spTree>
     <p:extLst>
       <p:ext uri="{BB962C8B-B14F-4D97-AF65-F5344CB8AC3E}">
-        <p14:creationId xmlns:p14="http://schemas.microsoft.com/office/powerpoint/2010/main" val="2594556461"/>
+        <p14:creationId xmlns:p14="http://schemas.microsoft.com/office/powerpoint/2010/main" val="3554366734"/>
       </p:ext>
     </p:extLst>
   </p:cSld>
   <p:clrMapOvr>
     <a:masterClrMapping/>
   </p:clrMapOvr>
+  <p:timing>
+    <p:tnLst>
+      <p:par>
+        <p:cTn id="1" dur="indefinite" restart="never" nodeType="tmRoot">
+          <p:childTnLst>
+            <p:seq concurrent="1" nextAc="seek">
+              <p:cTn id="2" dur="indefinite" nodeType="mainSeq">
+                <p:childTnLst>
+                  <p:par>
+                    <p:cTn id="3" fill="hold">
+                      <p:stCondLst>
+                        <p:cond delay="indefinite"/>
+                      </p:stCondLst>
+                      <p:childTnLst>
+                        <p:par>
+                          <p:cTn id="4" fill="hold">
+                            <p:stCondLst>
+                              <p:cond delay="0"/>
+                            </p:stCondLst>
+                            <p:childTnLst>
+                              <p:par>
+                                <p:cTn id="5" presetID="1" presetClass="entr" presetSubtype="0" fill="hold" grpId="0" nodeType="clickEffect">
+                                  <p:stCondLst>
+                                    <p:cond delay="0"/>
+                                  </p:stCondLst>
+                                  <p:childTnLst>
+                                    <p:set>
+                                      <p:cBhvr>
+                                        <p:cTn id="6" dur="1" fill="hold">
+                                          <p:stCondLst>
+                                            <p:cond delay="0"/>
+                                          </p:stCondLst>
+                                        </p:cTn>
+                                        <p:tgtEl>
+                                          <p:spTgt spid="14"/>
+                                        </p:tgtEl>
+                                        <p:attrNameLst>
+                                          <p:attrName>style.visibility</p:attrName>
+                                        </p:attrNameLst>
+                                      </p:cBhvr>
+                                      <p:to>
+                                        <p:strVal val="visible"/>
+                                      </p:to>
+                                    </p:set>
+                                  </p:childTnLst>
+                                </p:cTn>
+                              </p:par>
+                              <p:par>
+                                <p:cTn id="7" presetID="1" presetClass="entr" presetSubtype="0" fill="hold" grpId="0" nodeType="withEffect">
+                                  <p:stCondLst>
+                                    <p:cond delay="0"/>
+                                  </p:stCondLst>
+                                  <p:childTnLst>
+                                    <p:set>
+                                      <p:cBhvr>
+                                        <p:cTn id="8" dur="1" fill="hold">
+                                          <p:stCondLst>
+                                            <p:cond delay="0"/>
+                                          </p:stCondLst>
+                                        </p:cTn>
+                                        <p:tgtEl>
+                                          <p:spTgt spid="10"/>
+                                        </p:tgtEl>
+                                        <p:attrNameLst>
+                                          <p:attrName>style.visibility</p:attrName>
+                                        </p:attrNameLst>
+                                      </p:cBhvr>
+                                      <p:to>
+                                        <p:strVal val="visible"/>
+                                      </p:to>
+                                    </p:set>
+                                  </p:childTnLst>
+                                </p:cTn>
+                              </p:par>
+                              <p:par>
+                                <p:cTn id="9" presetID="1" presetClass="entr" presetSubtype="0" fill="hold" grpId="0" nodeType="withEffect">
+                                  <p:stCondLst>
+                                    <p:cond delay="0"/>
+                                  </p:stCondLst>
+                                  <p:childTnLst>
+                                    <p:set>
+                                      <p:cBhvr>
+                                        <p:cTn id="10" dur="1" fill="hold">
+                                          <p:stCondLst>
+                                            <p:cond delay="0"/>
+                                          </p:stCondLst>
+                                        </p:cTn>
+                                        <p:tgtEl>
+                                          <p:spTgt spid="18"/>
+                                        </p:tgtEl>
+                                        <p:attrNameLst>
+                                          <p:attrName>style.visibility</p:attrName>
+                                        </p:attrNameLst>
+                                      </p:cBhvr>
+                                      <p:to>
+                                        <p:strVal val="visible"/>
+                                      </p:to>
+                                    </p:set>
+                                  </p:childTnLst>
+                                </p:cTn>
+                              </p:par>
+                              <p:par>
+                                <p:cTn id="11" presetID="1" presetClass="entr" presetSubtype="0" fill="hold" nodeType="withEffect">
+                                  <p:stCondLst>
+                                    <p:cond delay="0"/>
+                                  </p:stCondLst>
+                                  <p:childTnLst>
+                                    <p:set>
+                                      <p:cBhvr>
+                                        <p:cTn id="12" dur="1" fill="hold">
+                                          <p:stCondLst>
+                                            <p:cond delay="0"/>
+                                          </p:stCondLst>
+                                        </p:cTn>
+                                        <p:tgtEl>
+                                          <p:spTgt spid="1040"/>
+                                        </p:tgtEl>
+                                        <p:attrNameLst>
+                                          <p:attrName>style.visibility</p:attrName>
+                                        </p:attrNameLst>
+                                      </p:cBhvr>
+                                      <p:to>
+                                        <p:strVal val="visible"/>
+                                      </p:to>
+                                    </p:set>
+                                  </p:childTnLst>
+                                </p:cTn>
+                              </p:par>
+                            </p:childTnLst>
+                          </p:cTn>
+                        </p:par>
+                      </p:childTnLst>
+                    </p:cTn>
+                  </p:par>
+                  <p:par>
+                    <p:cTn id="13" fill="hold">
+                      <p:stCondLst>
+                        <p:cond delay="indefinite"/>
+                      </p:stCondLst>
+                      <p:childTnLst>
+                        <p:par>
+                          <p:cTn id="14" fill="hold">
+                            <p:stCondLst>
+                              <p:cond delay="0"/>
+                            </p:stCondLst>
+                            <p:childTnLst>
+                              <p:par>
+                                <p:cTn id="15" presetID="1" presetClass="entr" presetSubtype="0" fill="hold" grpId="0" nodeType="clickEffect">
+                                  <p:stCondLst>
+                                    <p:cond delay="0"/>
+                                  </p:stCondLst>
+                                  <p:childTnLst>
+                                    <p:set>
+                                      <p:cBhvr>
+                                        <p:cTn id="16" dur="1" fill="hold">
+                                          <p:stCondLst>
+                                            <p:cond delay="0"/>
+                                          </p:stCondLst>
+                                        </p:cTn>
+                                        <p:tgtEl>
+                                          <p:spTgt spid="20"/>
+                                        </p:tgtEl>
+                                        <p:attrNameLst>
+                                          <p:attrName>style.visibility</p:attrName>
+                                        </p:attrNameLst>
+                                      </p:cBhvr>
+                                      <p:to>
+                                        <p:strVal val="visible"/>
+                                      </p:to>
+                                    </p:set>
+                                  </p:childTnLst>
+                                </p:cTn>
+                              </p:par>
+                              <p:par>
+                                <p:cTn id="17" presetID="1" presetClass="entr" presetSubtype="0" fill="hold" nodeType="withEffect">
+                                  <p:stCondLst>
+                                    <p:cond delay="0"/>
+                                  </p:stCondLst>
+                                  <p:childTnLst>
+                                    <p:set>
+                                      <p:cBhvr>
+                                        <p:cTn id="18" dur="1" fill="hold">
+                                          <p:stCondLst>
+                                            <p:cond delay="0"/>
+                                          </p:stCondLst>
+                                        </p:cTn>
+                                        <p:tgtEl>
+                                          <p:spTgt spid="31"/>
+                                        </p:tgtEl>
+                                        <p:attrNameLst>
+                                          <p:attrName>style.visibility</p:attrName>
+                                        </p:attrNameLst>
+                                      </p:cBhvr>
+                                      <p:to>
+                                        <p:strVal val="visible"/>
+                                      </p:to>
+                                    </p:set>
+                                  </p:childTnLst>
+                                </p:cTn>
+                              </p:par>
+                              <p:par>
+                                <p:cTn id="19" presetID="1" presetClass="entr" presetSubtype="0" fill="hold" grpId="0" nodeType="withEffect">
+                                  <p:stCondLst>
+                                    <p:cond delay="0"/>
+                                  </p:stCondLst>
+                                  <p:childTnLst>
+                                    <p:set>
+                                      <p:cBhvr>
+                                        <p:cTn id="20" dur="1" fill="hold">
+                                          <p:stCondLst>
+                                            <p:cond delay="0"/>
+                                          </p:stCondLst>
+                                        </p:cTn>
+                                        <p:tgtEl>
+                                          <p:spTgt spid="32"/>
+                                        </p:tgtEl>
+                                        <p:attrNameLst>
+                                          <p:attrName>style.visibility</p:attrName>
+                                        </p:attrNameLst>
+                                      </p:cBhvr>
+                                      <p:to>
+                                        <p:strVal val="visible"/>
+                                      </p:to>
+                                    </p:set>
+                                  </p:childTnLst>
+                                </p:cTn>
+                              </p:par>
+                              <p:par>
+                                <p:cTn id="21" presetID="1" presetClass="entr" presetSubtype="0" fill="hold" nodeType="withEffect">
+                                  <p:stCondLst>
+                                    <p:cond delay="0"/>
+                                  </p:stCondLst>
+                                  <p:childTnLst>
+                                    <p:set>
+                                      <p:cBhvr>
+                                        <p:cTn id="22" dur="1" fill="hold">
+                                          <p:stCondLst>
+                                            <p:cond delay="0"/>
+                                          </p:stCondLst>
+                                        </p:cTn>
+                                        <p:tgtEl>
+                                          <p:spTgt spid="33"/>
+                                        </p:tgtEl>
+                                        <p:attrNameLst>
+                                          <p:attrName>style.visibility</p:attrName>
+                                        </p:attrNameLst>
+                                      </p:cBhvr>
+                                      <p:to>
+                                        <p:strVal val="visible"/>
+                                      </p:to>
+                                    </p:set>
+                                  </p:childTnLst>
+                                </p:cTn>
+                              </p:par>
+                              <p:par>
+                                <p:cTn id="23" presetID="1" presetClass="entr" presetSubtype="0" fill="hold" grpId="0" nodeType="withEffect">
+                                  <p:stCondLst>
+                                    <p:cond delay="0"/>
+                                  </p:stCondLst>
+                                  <p:childTnLst>
+                                    <p:set>
+                                      <p:cBhvr>
+                                        <p:cTn id="24" dur="1" fill="hold">
+                                          <p:stCondLst>
+                                            <p:cond delay="0"/>
+                                          </p:stCondLst>
+                                        </p:cTn>
+                                        <p:tgtEl>
+                                          <p:spTgt spid="34"/>
+                                        </p:tgtEl>
+                                        <p:attrNameLst>
+                                          <p:attrName>style.visibility</p:attrName>
+                                        </p:attrNameLst>
+                                      </p:cBhvr>
+                                      <p:to>
+                                        <p:strVal val="visible"/>
+                                      </p:to>
+                                    </p:set>
+                                  </p:childTnLst>
+                                </p:cTn>
+                              </p:par>
+                            </p:childTnLst>
+                          </p:cTn>
+                        </p:par>
+                      </p:childTnLst>
+                    </p:cTn>
+                  </p:par>
+                </p:childTnLst>
+              </p:cTn>
+              <p:prevCondLst>
+                <p:cond evt="onPrev" delay="0">
+                  <p:tgtEl>
+                    <p:sldTgt/>
+                  </p:tgtEl>
+                </p:cond>
+              </p:prevCondLst>
+              <p:nextCondLst>
+                <p:cond evt="onNext" delay="0">
+                  <p:tgtEl>
+                    <p:sldTgt/>
+                  </p:tgtEl>
+                </p:cond>
+              </p:nextCondLst>
+            </p:seq>
+          </p:childTnLst>
+        </p:cTn>
+      </p:par>
+    </p:tnLst>
+    <p:bldLst>
+      <p:bldP spid="14" grpId="0"/>
+      <p:bldP spid="10" grpId="0" animBg="1"/>
+      <p:bldP spid="18" grpId="0" animBg="1"/>
+      <p:bldP spid="20" grpId="0" animBg="1"/>
+      <p:bldP spid="32" grpId="0"/>
+      <p:bldP spid="34" grpId="0"/>
+    </p:bldLst>
+  </p:timing>
 </p:sld>
 </file>
 
-<file path=ppt/slides/slide4.xml><?xml version="1.0" encoding="utf-8"?>
+<file path=ppt/slides/slide3.xml><?xml version="1.0" encoding="utf-8"?>
 <p:sld xmlns:a="http://schemas.openxmlformats.org/drawingml/2006/main" xmlns:r="http://schemas.openxmlformats.org/officeDocument/2006/relationships" xmlns:p="http://schemas.openxmlformats.org/presentationml/2006/main">
   <p:cSld>
     <p:spTree>
@@ -11330,7 +11127,7 @@
           <a:graphicData uri="http://schemas.openxmlformats.org/presentationml/2006/ole">
             <mc:AlternateContent xmlns:mc="http://schemas.openxmlformats.org/markup-compatibility/2006">
               <mc:Choice xmlns:v="urn:schemas-microsoft-com:vml" Requires="v">
-                <p:oleObj spid="_x0000_s13439" name="think-cell Slide" r:id="rId5" imgW="7772400" imgH="10058400" progId="TCLayout.ActiveDocument.1">
+                <p:oleObj spid="_x0000_s13441" name="think-cell Slide" r:id="rId5" imgW="7772400" imgH="10058400" progId="TCLayout.ActiveDocument.1">
                   <p:embed/>
                 </p:oleObj>
               </mc:Choice>
@@ -11408,7 +11205,7 @@
 </p:sld>
 </file>
 
-<file path=ppt/slides/slide5.xml><?xml version="1.0" encoding="utf-8"?>
+<file path=ppt/slides/slide4.xml><?xml version="1.0" encoding="utf-8"?>
 <p:sld xmlns:a="http://schemas.openxmlformats.org/drawingml/2006/main" xmlns:r="http://schemas.openxmlformats.org/officeDocument/2006/relationships" xmlns:p="http://schemas.openxmlformats.org/presentationml/2006/main">
   <p:cSld>
     <p:spTree>
@@ -12391,7 +12188,7 @@
 </p:sld>
 </file>
 
-<file path=ppt/slides/slide6.xml><?xml version="1.0" encoding="utf-8"?>
+<file path=ppt/slides/slide5.xml><?xml version="1.0" encoding="utf-8"?>
 <p:sld xmlns:a="http://schemas.openxmlformats.org/drawingml/2006/main" xmlns:r="http://schemas.openxmlformats.org/officeDocument/2006/relationships" xmlns:p="http://schemas.openxmlformats.org/presentationml/2006/main">
   <p:cSld>
     <p:spTree>
@@ -12439,7 +12236,7 @@
           <a:graphicData uri="http://schemas.openxmlformats.org/presentationml/2006/ole">
             <mc:AlternateContent xmlns:mc="http://schemas.openxmlformats.org/markup-compatibility/2006">
               <mc:Choice xmlns:v="urn:schemas-microsoft-com:vml" Requires="v">
-                <p:oleObj spid="_x0000_s4240" name="think-cell Slide" r:id="rId5" imgW="7772400" imgH="10058400" progId="TCLayout.ActiveDocument.1">
+                <p:oleObj spid="_x0000_s4242" name="think-cell Slide" r:id="rId5" imgW="7772400" imgH="10058400" progId="TCLayout.ActiveDocument.1">
                   <p:embed/>
                 </p:oleObj>
               </mc:Choice>
@@ -12515,7 +12312,7 @@
 </p:sld>
 </file>
 
-<file path=ppt/slides/slide7.xml><?xml version="1.0" encoding="utf-8"?>
+<file path=ppt/slides/slide6.xml><?xml version="1.0" encoding="utf-8"?>
 <p:sld xmlns:a="http://schemas.openxmlformats.org/drawingml/2006/main" xmlns:r="http://schemas.openxmlformats.org/officeDocument/2006/relationships" xmlns:p="http://schemas.openxmlformats.org/presentationml/2006/main">
   <p:cSld>
     <p:spTree>
@@ -12563,7 +12360,7 @@
           <a:graphicData uri="http://schemas.openxmlformats.org/presentationml/2006/ole">
             <mc:AlternateContent xmlns:mc="http://schemas.openxmlformats.org/markup-compatibility/2006">
               <mc:Choice xmlns:v="urn:schemas-microsoft-com:vml" Requires="v">
-                <p:oleObj spid="_x0000_s21574" name="think-cell Slide" r:id="rId4" imgW="7772400" imgH="10058400" progId="TCLayout.ActiveDocument.1">
+                <p:oleObj spid="_x0000_s21576" name="think-cell Slide" r:id="rId4" imgW="7772400" imgH="10058400" progId="TCLayout.ActiveDocument.1">
                   <p:embed/>
                 </p:oleObj>
               </mc:Choice>
@@ -12650,7 +12447,7 @@
 </p:sld>
 </file>
 
-<file path=ppt/slides/slide8.xml><?xml version="1.0" encoding="utf-8"?>
+<file path=ppt/slides/slide7.xml><?xml version="1.0" encoding="utf-8"?>
 <p:sld xmlns:a="http://schemas.openxmlformats.org/drawingml/2006/main" xmlns:r="http://schemas.openxmlformats.org/officeDocument/2006/relationships" xmlns:p="http://schemas.openxmlformats.org/presentationml/2006/main">
   <p:cSld>
     <p:spTree>
@@ -12698,7 +12495,7 @@
           <a:graphicData uri="http://schemas.openxmlformats.org/presentationml/2006/ole">
             <mc:AlternateContent xmlns:mc="http://schemas.openxmlformats.org/markup-compatibility/2006">
               <mc:Choice xmlns:v="urn:schemas-microsoft-com:vml" Requires="v">
-                <p:oleObj spid="_x0000_s20555" name="think-cell Slide" r:id="rId5" imgW="7772400" imgH="10058400" progId="TCLayout.ActiveDocument.1">
+                <p:oleObj spid="_x0000_s20557" name="think-cell Slide" r:id="rId5" imgW="7772400" imgH="10058400" progId="TCLayout.ActiveDocument.1">
                   <p:embed/>
                 </p:oleObj>
               </mc:Choice>
@@ -12780,7 +12577,7 @@
 </p:sld>
 </file>
 
-<file path=ppt/slides/slide9.xml><?xml version="1.0" encoding="utf-8"?>
+<file path=ppt/slides/slide8.xml><?xml version="1.0" encoding="utf-8"?>
 <p:sld xmlns:a="http://schemas.openxmlformats.org/drawingml/2006/main" xmlns:r="http://schemas.openxmlformats.org/officeDocument/2006/relationships" xmlns:p="http://schemas.openxmlformats.org/presentationml/2006/main">
   <p:cSld>
     <p:spTree>
@@ -12828,7 +12625,7 @@
           <a:graphicData uri="http://schemas.openxmlformats.org/presentationml/2006/ole">
             <mc:AlternateContent xmlns:mc="http://schemas.openxmlformats.org/markup-compatibility/2006">
               <mc:Choice xmlns:v="urn:schemas-microsoft-com:vml" Requires="v">
-                <p:oleObj spid="_x0000_s3222" name="think-cell Slide" r:id="rId5" imgW="7772400" imgH="10058400" progId="TCLayout.ActiveDocument.1">
+                <p:oleObj spid="_x0000_s3224" name="think-cell Slide" r:id="rId5" imgW="7772400" imgH="10058400" progId="TCLayout.ActiveDocument.1">
                   <p:embed/>
                 </p:oleObj>
               </mc:Choice>
@@ -13217,6 +13014,221 @@
       <p:bldP spid="11" grpId="0" animBg="1"/>
     </p:bldLst>
   </p:timing>
+</p:sld>
+</file>
+
+<file path=ppt/slides/slide9.xml><?xml version="1.0" encoding="utf-8"?>
+<p:sld xmlns:a="http://schemas.openxmlformats.org/drawingml/2006/main" xmlns:r="http://schemas.openxmlformats.org/officeDocument/2006/relationships" xmlns:p="http://schemas.openxmlformats.org/presentationml/2006/main">
+  <p:cSld>
+    <p:spTree>
+      <p:nvGrpSpPr>
+        <p:cNvPr id="1" name=""/>
+        <p:cNvGrpSpPr/>
+        <p:nvPr/>
+      </p:nvGrpSpPr>
+      <p:grpSpPr>
+        <a:xfrm>
+          <a:off x="0" y="0"/>
+          <a:ext cx="0" cy="0"/>
+          <a:chOff x="0" y="0"/>
+          <a:chExt cx="0" cy="0"/>
+        </a:xfrm>
+      </p:grpSpPr>
+      <p:graphicFrame>
+        <p:nvGraphicFramePr>
+          <p:cNvPr id="4" name="Object 3" hidden="1">
+            <a:extLst>
+              <a:ext uri="{FF2B5EF4-FFF2-40B4-BE49-F238E27FC236}">
+                <a16:creationId xmlns:a16="http://schemas.microsoft.com/office/drawing/2014/main" id="{04906A25-BF32-9A4E-A31D-F63FD8ADD65E}"/>
+              </a:ext>
+            </a:extLst>
+          </p:cNvPr>
+          <p:cNvGraphicFramePr>
+            <a:graphicFrameLocks noChangeAspect="1"/>
+          </p:cNvGraphicFramePr>
+          <p:nvPr>
+            <p:custDataLst>
+              <p:tags r:id="rId2"/>
+            </p:custDataLst>
+            <p:extLst>
+              <p:ext uri="{D42A27DB-BD31-4B8C-83A1-F6EECF244321}">
+                <p14:modId xmlns:p14="http://schemas.microsoft.com/office/powerpoint/2010/main" val="990397664"/>
+              </p:ext>
+            </p:extLst>
+          </p:nvPr>
+        </p:nvGraphicFramePr>
+        <p:xfrm>
+          <a:off x="1588" y="1588"/>
+          <a:ext cx="1227" cy="1588"/>
+        </p:xfrm>
+        <a:graphic>
+          <a:graphicData uri="http://schemas.openxmlformats.org/presentationml/2006/ole">
+            <mc:AlternateContent xmlns:mc="http://schemas.openxmlformats.org/markup-compatibility/2006">
+              <mc:Choice xmlns:v="urn:schemas-microsoft-com:vml" Requires="v">
+                <p:oleObj spid="_x0000_s5269" name="think-cell Slide" r:id="rId5" imgW="7772400" imgH="10058400" progId="TCLayout.ActiveDocument.1">
+                  <p:embed/>
+                </p:oleObj>
+              </mc:Choice>
+              <mc:Fallback>
+                <p:oleObj name="think-cell Slide" r:id="rId5" imgW="7772400" imgH="10058400" progId="TCLayout.ActiveDocument.1">
+                  <p:embed/>
+                  <p:pic>
+                    <p:nvPicPr>
+                      <p:cNvPr id="0" name=""/>
+                      <p:cNvPicPr/>
+                      <p:nvPr/>
+                    </p:nvPicPr>
+                    <p:blipFill>
+                      <a:blip r:embed="rId6"/>
+                      <a:stretch>
+                        <a:fillRect/>
+                      </a:stretch>
+                    </p:blipFill>
+                    <p:spPr>
+                      <a:xfrm>
+                        <a:off x="1588" y="1588"/>
+                        <a:ext cx="1227" cy="1588"/>
+                      </a:xfrm>
+                      <a:prstGeom prst="rect">
+                        <a:avLst/>
+                      </a:prstGeom>
+                    </p:spPr>
+                  </p:pic>
+                </p:oleObj>
+              </mc:Fallback>
+            </mc:AlternateContent>
+          </a:graphicData>
+        </a:graphic>
+      </p:graphicFrame>
+      <p:pic>
+        <p:nvPicPr>
+          <p:cNvPr id="5124" name="Picture 4">
+            <a:extLst>
+              <a:ext uri="{FF2B5EF4-FFF2-40B4-BE49-F238E27FC236}">
+                <a16:creationId xmlns:a16="http://schemas.microsoft.com/office/drawing/2014/main" id="{0491C821-20D3-FF4E-8253-63D049DC7825}"/>
+              </a:ext>
+            </a:extLst>
+          </p:cNvPr>
+          <p:cNvPicPr>
+            <a:picLocks noChangeAspect="1" noChangeArrowheads="1"/>
+          </p:cNvPicPr>
+          <p:nvPr/>
+        </p:nvPicPr>
+        <p:blipFill>
+          <a:blip r:embed="rId7">
+            <a:extLst>
+              <a:ext uri="{28A0092B-C50C-407E-A947-70E740481C1C}">
+                <a14:useLocalDpi xmlns:a14="http://schemas.microsoft.com/office/drawing/2010/main" val="0"/>
+              </a:ext>
+            </a:extLst>
+          </a:blip>
+          <a:srcRect/>
+          <a:stretch>
+            <a:fillRect/>
+          </a:stretch>
+        </p:blipFill>
+        <p:spPr bwMode="auto">
+          <a:xfrm>
+            <a:off x="2026442" y="821809"/>
+            <a:ext cx="5080000" cy="1333500"/>
+          </a:xfrm>
+          <a:prstGeom prst="rect">
+            <a:avLst/>
+          </a:prstGeom>
+          <a:noFill/>
+          <a:extLst>
+            <a:ext uri="{909E8E84-426E-40DD-AFC4-6F175D3DCCD1}">
+              <a14:hiddenFill xmlns:a14="http://schemas.microsoft.com/office/drawing/2010/main">
+                <a:solidFill>
+                  <a:srgbClr val="FFFFFF"/>
+                </a:solidFill>
+              </a14:hiddenFill>
+            </a:ext>
+          </a:extLst>
+        </p:spPr>
+      </p:pic>
+      <p:pic>
+        <p:nvPicPr>
+          <p:cNvPr id="8" name="Picture 7">
+            <a:extLst>
+              <a:ext uri="{FF2B5EF4-FFF2-40B4-BE49-F238E27FC236}">
+                <a16:creationId xmlns:a16="http://schemas.microsoft.com/office/drawing/2014/main" id="{3916FD47-653A-A940-AB5F-698D4D8BAADE}"/>
+              </a:ext>
+            </a:extLst>
+          </p:cNvPr>
+          <p:cNvPicPr>
+            <a:picLocks noChangeAspect="1"/>
+          </p:cNvPicPr>
+          <p:nvPr/>
+        </p:nvPicPr>
+        <p:blipFill>
+          <a:blip r:embed="rId8"/>
+          <a:stretch>
+            <a:fillRect/>
+          </a:stretch>
+        </p:blipFill>
+        <p:spPr>
+          <a:xfrm>
+            <a:off x="2026442" y="2485074"/>
+            <a:ext cx="8468308" cy="2884367"/>
+          </a:xfrm>
+          <a:prstGeom prst="rect">
+            <a:avLst/>
+          </a:prstGeom>
+        </p:spPr>
+      </p:pic>
+      <p:sp>
+        <p:nvSpPr>
+          <p:cNvPr id="9" name="TextBox 8">
+            <a:extLst>
+              <a:ext uri="{FF2B5EF4-FFF2-40B4-BE49-F238E27FC236}">
+                <a16:creationId xmlns:a16="http://schemas.microsoft.com/office/drawing/2014/main" id="{D33E6B8F-4D70-3D44-B906-F9DDBE9049D7}"/>
+              </a:ext>
+            </a:extLst>
+          </p:cNvPr>
+          <p:cNvSpPr txBox="1"/>
+          <p:nvPr/>
+        </p:nvSpPr>
+        <p:spPr>
+          <a:xfrm>
+            <a:off x="2115878" y="5699206"/>
+            <a:ext cx="7708605" cy="307777"/>
+          </a:xfrm>
+          <a:prstGeom prst="rect">
+            <a:avLst/>
+          </a:prstGeom>
+          <a:noFill/>
+        </p:spPr>
+        <p:txBody>
+          <a:bodyPr wrap="square" rtlCol="0">
+            <a:spAutoFit/>
+          </a:bodyPr>
+          <a:lstStyle/>
+          <a:p>
+            <a:r>
+              <a:rPr lang="en-US" sz="1400" i="1" dirty="0">
+                <a:solidFill>
+                  <a:schemeClr val="bg1">
+                    <a:lumMod val="50000"/>
+                  </a:schemeClr>
+                </a:solidFill>
+                <a:latin typeface="Trebuchet MS" panose="020B0703020202090204" pitchFamily="34" charset="0"/>
+              </a:rPr>
+              <a:t>Mastering the game of Go with deep neural networks and tree search (Silver et al., 2016)</a:t>
+            </a:r>
+          </a:p>
+        </p:txBody>
+      </p:sp>
+    </p:spTree>
+    <p:extLst>
+      <p:ext uri="{BB962C8B-B14F-4D97-AF65-F5344CB8AC3E}">
+        <p14:creationId xmlns:p14="http://schemas.microsoft.com/office/powerpoint/2010/main" val="2185329066"/>
+      </p:ext>
+    </p:extLst>
+  </p:cSld>
+  <p:clrMapOvr>
+    <a:masterClrMapping/>
+  </p:clrMapOvr>
 </p:sld>
 </file>
 
